--- a/slides/k8 workshop deck-Day-2 -v 1.0D.pptx
+++ b/slides/k8 workshop deck-Day-2 -v 1.0D.pptx
@@ -11704,7 +11704,7 @@
         </p:nvSpPr>
         <p:spPr>
           <a:xfrm>
-            <a:off x="549787" y="2982312"/>
+            <a:off x="549787" y="3233863"/>
             <a:ext cx="6271635" cy="830997"/>
           </a:xfrm>
           <a:prstGeom prst="rect">
@@ -11743,7 +11743,7 @@
         </p:nvSpPr>
         <p:spPr>
           <a:xfrm>
-            <a:off x="515505" y="4585422"/>
+            <a:off x="549787" y="5000010"/>
             <a:ext cx="6180194" cy="830997"/>
           </a:xfrm>
           <a:prstGeom prst="rect">
@@ -11789,7 +11789,7 @@
         </p:nvSpPr>
         <p:spPr>
           <a:xfrm>
-            <a:off x="549787" y="3754425"/>
+            <a:off x="549787" y="4098189"/>
             <a:ext cx="6180194" cy="830997"/>
           </a:xfrm>
           <a:prstGeom prst="rect">
@@ -11927,7 +11927,7 @@
         <p:spPr>
           <a:xfrm>
             <a:off x="1116715" y="2038725"/>
-            <a:ext cx="8585068" cy="461665"/>
+            <a:ext cx="8585068" cy="830997"/>
           </a:xfrm>
           <a:prstGeom prst="rect">
             <a:avLst/>
@@ -11954,7 +11954,14 @@
             </a:r>
             <a:r>
               <a:rPr lang="en-US" sz="2400" dirty="0"/>
-              <a:t> (PVC) is a request   for storage unit.</a:t>
+              <a:t> (PVC) is a request   for</a:t>
+            </a:r>
+            <a:br>
+              <a:rPr lang="en-US" sz="2400" dirty="0"/>
+            </a:br>
+            <a:r>
+              <a:rPr lang="en-US" sz="2400" dirty="0"/>
+              <a:t>      storage unit.</a:t>
             </a:r>
           </a:p>
         </p:txBody>
@@ -11974,7 +11981,7 @@
         <p:spPr>
           <a:xfrm>
             <a:off x="1116715" y="2967335"/>
-            <a:ext cx="10688189" cy="461665"/>
+            <a:ext cx="10688189" cy="830997"/>
           </a:xfrm>
           <a:prstGeom prst="rect">
             <a:avLst/>
@@ -11996,7 +12003,14 @@
             </a:pPr>
             <a:r>
               <a:rPr lang="en-US" sz="2400" dirty="0"/>
-              <a:t>Satisfies a set of requirements instead of mapping to a storage resource directly.</a:t>
+              <a:t>Satisfies a set of requirements instead of mapping to a storage </a:t>
+            </a:r>
+            <a:br>
+              <a:rPr lang="en-US" sz="2400" dirty="0"/>
+            </a:br>
+            <a:r>
+              <a:rPr lang="en-US" sz="2400" dirty="0"/>
+              <a:t>      resource directly.</a:t>
             </a:r>
           </a:p>
         </p:txBody>
@@ -12046,14 +12060,14 @@
             </a:r>
             <a:r>
               <a:rPr lang="en-US" sz="2400" dirty="0"/>
-              <a:t>’ for storage is portable across numerous</a:t>
+              <a:t>’ for storage is portable across</a:t>
             </a:r>
             <a:br>
               <a:rPr lang="en-US" sz="2400" dirty="0"/>
             </a:br>
             <a:r>
               <a:rPr lang="en-US" sz="2400" dirty="0"/>
-              <a:t>       backends or providers.</a:t>
+              <a:t>      numerous backends or providers.</a:t>
             </a:r>
           </a:p>
         </p:txBody>
@@ -15438,7 +15452,7 @@
                 </a:solidFill>
                 <a:latin typeface="Roboto Mono"/>
               </a:rPr>
-              <a:t>kubectllogs</a:t>
+              <a:t>kubectl</a:t>
             </a:r>
             <a:r>
               <a:rPr lang="en-US" dirty="0">
@@ -15447,7 +15461,7 @@
                 </a:solidFill>
                 <a:latin typeface="Roboto Mono"/>
               </a:rPr>
-              <a:t> job/hello</a:t>
+              <a:t> logs job/hello</a:t>
             </a:r>
           </a:p>
           <a:p>
@@ -15493,16 +15507,25 @@
                 </a:solidFill>
                 <a:latin typeface="Roboto Mono"/>
               </a:rPr>
-              <a:t>kubectllogs</a:t>
-            </a:r>
-            <a:r>
-              <a:rPr lang="en-US" dirty="0">
+              <a:t>kubectl</a:t>
+            </a:r>
+            <a:r>
+              <a:rPr lang="en-US">
                 <a:solidFill>
                   <a:srgbClr val="000000"/>
                 </a:solidFill>
                 <a:latin typeface="Roboto Mono"/>
               </a:rPr>
-              <a:t> deployment/</a:t>
+              <a:t> logs </a:t>
+            </a:r>
+            <a:r>
+              <a:rPr lang="en-US" dirty="0">
+                <a:solidFill>
+                  <a:srgbClr val="000000"/>
+                </a:solidFill>
+                <a:latin typeface="Roboto Mono"/>
+              </a:rPr>
+              <a:t>deployment/</a:t>
             </a:r>
             <a:r>
               <a:rPr lang="en-US" dirty="0" err="1">

--- a/slides/k8 workshop deck-Day-2 -v 1.0D.pptx
+++ b/slides/k8 workshop deck-Day-2 -v 1.0D.pptx
@@ -711,7 +711,7 @@
                 <a:tabLst/>
                 <a:defRPr/>
               </a:pPr>
-              <a:t>15-07-2020</a:t>
+              <a:t>16-07-2020</a:t>
             </a:fld>
             <a:endParaRPr kumimoji="0" lang="en-IN" sz="1800" b="0" i="0" u="none" strike="noStrike" kern="1200" cap="none" spc="-1" normalizeH="0" baseline="0" noProof="0">
               <a:ln>
@@ -985,7 +985,7 @@
                 <a:tabLst/>
                 <a:defRPr/>
               </a:pPr>
-              <a:t>15-07-2020</a:t>
+              <a:t>16-07-2020</a:t>
             </a:fld>
             <a:endParaRPr kumimoji="0" lang="en-IN" sz="1800" b="0" i="0" u="none" strike="noStrike" kern="1200" cap="none" spc="-1" normalizeH="0" baseline="0" noProof="0">
               <a:ln>
@@ -1264,7 +1264,7 @@
                 <a:tabLst/>
                 <a:defRPr/>
               </a:pPr>
-              <a:t>15-07-2020</a:t>
+              <a:t>16-07-2020</a:t>
             </a:fld>
             <a:endParaRPr kumimoji="0" lang="en-IN" sz="1800" b="0" i="0" u="none" strike="noStrike" kern="1200" cap="none" spc="-1" normalizeH="0" baseline="0" noProof="0">
               <a:ln>
@@ -1543,7 +1543,7 @@
                 <a:tabLst/>
                 <a:defRPr/>
               </a:pPr>
-              <a:t>15-07-2020</a:t>
+              <a:t>16-07-2020</a:t>
             </a:fld>
             <a:endParaRPr kumimoji="0" lang="en-IN" sz="1800" b="0" i="0" u="none" strike="noStrike" kern="1200" cap="none" spc="-1" normalizeH="0" baseline="0" noProof="0">
               <a:ln>
@@ -1822,7 +1822,7 @@
                 <a:tabLst/>
                 <a:defRPr/>
               </a:pPr>
-              <a:t>15-07-2020</a:t>
+              <a:t>16-07-2020</a:t>
             </a:fld>
             <a:endParaRPr kumimoji="0" lang="en-IN" sz="1800" b="0" i="0" u="none" strike="noStrike" kern="1200" cap="none" spc="-1" normalizeH="0" baseline="0" noProof="0">
               <a:ln>
@@ -11132,7 +11132,7 @@
           <a:p>
             <a:r>
               <a:rPr lang="en-US" dirty="0"/>
-              <a:t>Define initial Volume named “html” that is an empty directory(lifetime of the Pod</a:t>
+              <a:t>Define initial Volume named “html” that is an empty directory(lifetime of the Pod)</a:t>
             </a:r>
           </a:p>
         </p:txBody>
@@ -12318,7 +12318,7 @@
         </p:nvSpPr>
         <p:spPr>
           <a:xfrm>
-            <a:off x="2836030" y="1403723"/>
+            <a:off x="2296845" y="1406662"/>
             <a:ext cx="4983480" cy="369332"/>
           </a:xfrm>
           <a:prstGeom prst="rect">

--- a/slides/k8 workshop deck-Day-2 -v 1.0D.pptx
+++ b/slides/k8 workshop deck-Day-2 -v 1.0D.pptx
@@ -16,7 +16,7 @@
     <p:sldId id="2028" r:id="rId7"/>
     <p:sldId id="2029" r:id="rId8"/>
     <p:sldId id="2030" r:id="rId9"/>
-    <p:sldId id="2038" r:id="rId10"/>
+    <p:sldId id="2050" r:id="rId10"/>
     <p:sldId id="2039" r:id="rId11"/>
     <p:sldId id="2040" r:id="rId12"/>
     <p:sldId id="2041" r:id="rId13"/>
@@ -886,7 +886,7 @@
                 <a:tabLst/>
                 <a:defRPr/>
               </a:pPr>
-              <a:t>8</a:t>
+              <a:t>9</a:t>
             </a:fld>
             <a:endParaRPr kumimoji="0" lang="en-IN" sz="1800" b="0" i="0" u="none" strike="noStrike" kern="1200" cap="none" spc="-1" normalizeH="0" baseline="0" noProof="0">
               <a:ln>
@@ -1006,7 +1006,7 @@
     </p:spTree>
     <p:extLst>
       <p:ext uri="{BB962C8B-B14F-4D97-AF65-F5344CB8AC3E}">
-        <p14:creationId xmlns:p14="http://schemas.microsoft.com/office/powerpoint/2010/main" val="215656629"/>
+        <p14:creationId xmlns:p14="http://schemas.microsoft.com/office/powerpoint/2010/main" val="1540797749"/>
       </p:ext>
     </p:extLst>
   </p:cSld>
@@ -1165,7 +1165,7 @@
                 <a:tabLst/>
                 <a:defRPr/>
               </a:pPr>
-              <a:t>9</a:t>
+              <a:t>12</a:t>
             </a:fld>
             <a:endParaRPr kumimoji="0" lang="en-IN" sz="1800" b="0" i="0" u="none" strike="noStrike" kern="1200" cap="none" spc="-1" normalizeH="0" baseline="0" noProof="0">
               <a:ln>
@@ -1285,7 +1285,7 @@
     </p:spTree>
     <p:extLst>
       <p:ext uri="{BB962C8B-B14F-4D97-AF65-F5344CB8AC3E}">
-        <p14:creationId xmlns:p14="http://schemas.microsoft.com/office/powerpoint/2010/main" val="1540797749"/>
+        <p14:creationId xmlns:p14="http://schemas.microsoft.com/office/powerpoint/2010/main" val="2848744888"/>
       </p:ext>
     </p:extLst>
   </p:cSld>
@@ -1296,285 +1296,6 @@
 </file>
 
 <file path=ppt/notesSlides/notesSlide4.xml><?xml version="1.0" encoding="utf-8"?>
-<p:notes xmlns:a="http://schemas.openxmlformats.org/drawingml/2006/main" xmlns:r="http://schemas.openxmlformats.org/officeDocument/2006/relationships" xmlns:p="http://schemas.openxmlformats.org/presentationml/2006/main">
-  <p:cSld>
-    <p:spTree>
-      <p:nvGrpSpPr>
-        <p:cNvPr id="1" name=""/>
-        <p:cNvGrpSpPr/>
-        <p:nvPr/>
-      </p:nvGrpSpPr>
-      <p:grpSpPr>
-        <a:xfrm>
-          <a:off x="0" y="0"/>
-          <a:ext cx="0" cy="0"/>
-          <a:chOff x="0" y="0"/>
-          <a:chExt cx="0" cy="0"/>
-        </a:xfrm>
-      </p:grpSpPr>
-      <p:sp>
-        <p:nvSpPr>
-          <p:cNvPr id="818" name="PlaceHolder 1"/>
-          <p:cNvSpPr>
-            <a:spLocks noGrp="1" noRot="1" noChangeAspect="1"/>
-          </p:cNvSpPr>
-          <p:nvPr>
-            <p:ph type="sldImg"/>
-          </p:nvPr>
-        </p:nvSpPr>
-        <p:spPr>
-          <a:xfrm>
-            <a:off x="217488" y="812800"/>
-            <a:ext cx="7124700" cy="4008438"/>
-          </a:xfrm>
-          <a:prstGeom prst="rect">
-            <a:avLst/>
-          </a:prstGeom>
-        </p:spPr>
-      </p:sp>
-      <p:sp>
-        <p:nvSpPr>
-          <p:cNvPr id="819" name="PlaceHolder 2"/>
-          <p:cNvSpPr>
-            <a:spLocks noGrp="1"/>
-          </p:cNvSpPr>
-          <p:nvPr>
-            <p:ph type="body"/>
-          </p:nvPr>
-        </p:nvSpPr>
-        <p:spPr>
-          <a:xfrm>
-            <a:off x="756000" y="5078520"/>
-            <a:ext cx="6046920" cy="4810320"/>
-          </a:xfrm>
-          <a:prstGeom prst="rect">
-            <a:avLst/>
-          </a:prstGeom>
-        </p:spPr>
-        <p:txBody>
-          <a:bodyPr lIns="0" tIns="0" rIns="0" bIns="0"/>
-          <a:lstStyle/>
-          <a:p>
-            <a:endParaRPr lang="en-IN" sz="2000" b="0" strike="noStrike" spc="-1">
-              <a:latin typeface="Arial"/>
-            </a:endParaRPr>
-          </a:p>
-        </p:txBody>
-      </p:sp>
-      <p:sp>
-        <p:nvSpPr>
-          <p:cNvPr id="820" name="CustomShape 3"/>
-          <p:cNvSpPr/>
-          <p:nvPr/>
-        </p:nvSpPr>
-        <p:spPr>
-          <a:xfrm>
-            <a:off x="4278960" y="10157400"/>
-            <a:ext cx="3279960" cy="533520"/>
-          </a:xfrm>
-          <a:prstGeom prst="rect">
-            <a:avLst/>
-          </a:prstGeom>
-          <a:noFill/>
-          <a:ln>
-            <a:noFill/>
-          </a:ln>
-        </p:spPr>
-        <p:style>
-          <a:lnRef idx="0">
-            <a:scrgbClr r="0" g="0" b="0"/>
-          </a:lnRef>
-          <a:fillRef idx="0">
-            <a:scrgbClr r="0" g="0" b="0"/>
-          </a:fillRef>
-          <a:effectRef idx="0">
-            <a:scrgbClr r="0" g="0" b="0"/>
-          </a:effectRef>
-          <a:fontRef idx="minor"/>
-        </p:style>
-        <p:txBody>
-          <a:bodyPr lIns="0" tIns="0" rIns="0" bIns="0" anchor="b"/>
-          <a:lstStyle/>
-          <a:p>
-            <a:pPr marL="0" marR="0" lvl="0" indent="0" algn="l" defTabSz="914400" rtl="0" eaLnBrk="1" fontAlgn="auto" latinLnBrk="0" hangingPunct="1">
-              <a:lnSpc>
-                <a:spcPct val="100000"/>
-              </a:lnSpc>
-              <a:spcBef>
-                <a:spcPts val="0"/>
-              </a:spcBef>
-              <a:spcAft>
-                <a:spcPts val="0"/>
-              </a:spcAft>
-              <a:buClrTx/>
-              <a:buSzTx/>
-              <a:buFontTx/>
-              <a:buNone/>
-              <a:tabLst/>
-              <a:defRPr/>
-            </a:pPr>
-            <a:fld id="{890700E9-C7C7-4C4A-B20B-AFE1659D837B}" type="slidenum">
-              <a:rPr kumimoji="0" lang="en-IN" sz="1800" b="0" i="0" u="none" strike="noStrike" kern="1200" cap="none" spc="-1" normalizeH="0" baseline="0" noProof="0">
-                <a:ln>
-                  <a:noFill/>
-                </a:ln>
-                <a:solidFill>
-                  <a:srgbClr val="000000"/>
-                </a:solidFill>
-                <a:effectLst/>
-                <a:uLnTx/>
-                <a:uFillTx/>
-                <a:latin typeface="Arial"/>
-                <a:ea typeface="+mn-ea"/>
-              </a:rPr>
-              <a:pPr marL="0" marR="0" lvl="0" indent="0" algn="l" defTabSz="914400" rtl="0" eaLnBrk="1" fontAlgn="auto" latinLnBrk="0" hangingPunct="1">
-                <a:lnSpc>
-                  <a:spcPct val="100000"/>
-                </a:lnSpc>
-                <a:spcBef>
-                  <a:spcPts val="0"/>
-                </a:spcBef>
-                <a:spcAft>
-                  <a:spcPts val="0"/>
-                </a:spcAft>
-                <a:buClrTx/>
-                <a:buSzTx/>
-                <a:buFontTx/>
-                <a:buNone/>
-                <a:tabLst/>
-                <a:defRPr/>
-              </a:pPr>
-              <a:t>12</a:t>
-            </a:fld>
-            <a:endParaRPr kumimoji="0" lang="en-IN" sz="1800" b="0" i="0" u="none" strike="noStrike" kern="1200" cap="none" spc="-1" normalizeH="0" baseline="0" noProof="0">
-              <a:ln>
-                <a:noFill/>
-              </a:ln>
-              <a:solidFill>
-                <a:prstClr val="black"/>
-              </a:solidFill>
-              <a:effectLst/>
-              <a:uLnTx/>
-              <a:uFillTx/>
-              <a:latin typeface="Arial"/>
-            </a:endParaRPr>
-          </a:p>
-        </p:txBody>
-      </p:sp>
-      <p:sp>
-        <p:nvSpPr>
-          <p:cNvPr id="821" name="CustomShape 4"/>
-          <p:cNvSpPr/>
-          <p:nvPr/>
-        </p:nvSpPr>
-        <p:spPr>
-          <a:xfrm>
-            <a:off x="4278960" y="0"/>
-            <a:ext cx="3279960" cy="533520"/>
-          </a:xfrm>
-          <a:prstGeom prst="rect">
-            <a:avLst/>
-          </a:prstGeom>
-          <a:noFill/>
-          <a:ln>
-            <a:noFill/>
-          </a:ln>
-        </p:spPr>
-        <p:style>
-          <a:lnRef idx="0">
-            <a:scrgbClr r="0" g="0" b="0"/>
-          </a:lnRef>
-          <a:fillRef idx="0">
-            <a:scrgbClr r="0" g="0" b="0"/>
-          </a:fillRef>
-          <a:effectRef idx="0">
-            <a:scrgbClr r="0" g="0" b="0"/>
-          </a:effectRef>
-          <a:fontRef idx="minor"/>
-        </p:style>
-        <p:txBody>
-          <a:bodyPr lIns="0" tIns="0" rIns="0" bIns="0"/>
-          <a:lstStyle/>
-          <a:p>
-            <a:pPr marL="0" marR="0" lvl="0" indent="0" algn="l" defTabSz="914400" rtl="0" eaLnBrk="1" fontAlgn="auto" latinLnBrk="0" hangingPunct="1">
-              <a:lnSpc>
-                <a:spcPct val="100000"/>
-              </a:lnSpc>
-              <a:spcBef>
-                <a:spcPts val="0"/>
-              </a:spcBef>
-              <a:spcAft>
-                <a:spcPts val="0"/>
-              </a:spcAft>
-              <a:buClrTx/>
-              <a:buSzTx/>
-              <a:buFontTx/>
-              <a:buNone/>
-              <a:tabLst/>
-              <a:defRPr/>
-            </a:pPr>
-            <a:fld id="{008898EE-A095-4105-9BEE-AD8466F3BCAB}" type="datetime1">
-              <a:rPr kumimoji="0" lang="en-IN" sz="1800" b="0" i="0" u="none" strike="noStrike" kern="1200" cap="none" spc="-1" normalizeH="0" baseline="0" noProof="0">
-                <a:ln>
-                  <a:noFill/>
-                </a:ln>
-                <a:solidFill>
-                  <a:srgbClr val="000000"/>
-                </a:solidFill>
-                <a:effectLst/>
-                <a:uLnTx/>
-                <a:uFillTx/>
-                <a:latin typeface="Arial"/>
-                <a:ea typeface="+mn-ea"/>
-              </a:rPr>
-              <a:pPr marL="0" marR="0" lvl="0" indent="0" algn="l" defTabSz="914400" rtl="0" eaLnBrk="1" fontAlgn="auto" latinLnBrk="0" hangingPunct="1">
-                <a:lnSpc>
-                  <a:spcPct val="100000"/>
-                </a:lnSpc>
-                <a:spcBef>
-                  <a:spcPts val="0"/>
-                </a:spcBef>
-                <a:spcAft>
-                  <a:spcPts val="0"/>
-                </a:spcAft>
-                <a:buClrTx/>
-                <a:buSzTx/>
-                <a:buFontTx/>
-                <a:buNone/>
-                <a:tabLst/>
-                <a:defRPr/>
-              </a:pPr>
-              <a:t>17-07-2020</a:t>
-            </a:fld>
-            <a:endParaRPr kumimoji="0" lang="en-IN" sz="1800" b="0" i="0" u="none" strike="noStrike" kern="1200" cap="none" spc="-1" normalizeH="0" baseline="0" noProof="0">
-              <a:ln>
-                <a:noFill/>
-              </a:ln>
-              <a:solidFill>
-                <a:prstClr val="black"/>
-              </a:solidFill>
-              <a:effectLst/>
-              <a:uLnTx/>
-              <a:uFillTx/>
-              <a:latin typeface="Arial"/>
-            </a:endParaRPr>
-          </a:p>
-        </p:txBody>
-      </p:sp>
-    </p:spTree>
-    <p:extLst>
-      <p:ext uri="{BB962C8B-B14F-4D97-AF65-F5344CB8AC3E}">
-        <p14:creationId xmlns:p14="http://schemas.microsoft.com/office/powerpoint/2010/main" val="2848744888"/>
-      </p:ext>
-    </p:extLst>
-  </p:cSld>
-  <p:clrMapOvr>
-    <a:masterClrMapping/>
-  </p:clrMapOvr>
-</p:notes>
-</file>
-
-<file path=ppt/notesSlides/notesSlide5.xml><?xml version="1.0" encoding="utf-8"?>
 <p:notes xmlns:a="http://schemas.openxmlformats.org/drawingml/2006/main" xmlns:r="http://schemas.openxmlformats.org/officeDocument/2006/relationships" xmlns:p="http://schemas.openxmlformats.org/presentationml/2006/main">
   <p:cSld>
     <p:spTree>
@@ -25739,345 +25460,42 @@
       </p:grpSpPr>
       <p:sp>
         <p:nvSpPr>
-          <p:cNvPr id="647" name="CustomShape 1"/>
-          <p:cNvSpPr/>
-          <p:nvPr/>
+          <p:cNvPr id="4" name="Title 3"/>
+          <p:cNvSpPr>
+            <a:spLocks noGrp="1"/>
+          </p:cNvSpPr>
+          <p:nvPr>
+            <p:ph type="title"/>
+          </p:nvPr>
         </p:nvSpPr>
         <p:spPr>
           <a:xfrm>
-            <a:off x="6230160" y="3846960"/>
-            <a:ext cx="405720" cy="405720"/>
-          </a:xfrm>
-          <a:prstGeom prst="rect">
-            <a:avLst/>
-          </a:prstGeom>
-          <a:noFill/>
-          <a:ln>
-            <a:noFill/>
-          </a:ln>
-        </p:spPr>
-        <p:style>
-          <a:lnRef idx="0">
-            <a:scrgbClr r="0" g="0" b="0"/>
-          </a:lnRef>
-          <a:fillRef idx="0">
-            <a:scrgbClr r="0" g="0" b="0"/>
-          </a:fillRef>
-          <a:effectRef idx="0">
-            <a:scrgbClr r="0" g="0" b="0"/>
-          </a:effectRef>
-          <a:fontRef idx="minor"/>
-        </p:style>
-      </p:sp>
-      <p:sp>
-        <p:nvSpPr>
-          <p:cNvPr id="648" name="CustomShape 2"/>
-          <p:cNvSpPr/>
-          <p:nvPr/>
-        </p:nvSpPr>
-        <p:spPr>
-          <a:xfrm>
-            <a:off x="596880" y="258480"/>
-            <a:ext cx="9980280" cy="995400"/>
-          </a:xfrm>
-          <a:prstGeom prst="rect">
-            <a:avLst/>
-          </a:prstGeom>
-          <a:noFill/>
-          <a:ln>
-            <a:noFill/>
-          </a:ln>
-        </p:spPr>
-        <p:style>
-          <a:lnRef idx="0">
-            <a:scrgbClr r="0" g="0" b="0"/>
-          </a:lnRef>
-          <a:fillRef idx="0">
-            <a:scrgbClr r="0" g="0" b="0"/>
-          </a:fillRef>
-          <a:effectRef idx="0">
-            <a:scrgbClr r="0" g="0" b="0"/>
-          </a:effectRef>
-          <a:fontRef idx="minor"/>
-        </p:style>
-      </p:sp>
-      <p:sp>
-        <p:nvSpPr>
-          <p:cNvPr id="649" name="CustomShape 3"/>
-          <p:cNvSpPr/>
-          <p:nvPr/>
-        </p:nvSpPr>
-        <p:spPr>
-          <a:xfrm>
-            <a:off x="511560" y="2601000"/>
-            <a:ext cx="9980280" cy="1653840"/>
-          </a:xfrm>
-          <a:prstGeom prst="rect">
-            <a:avLst/>
-          </a:prstGeom>
-          <a:noFill/>
-          <a:ln>
-            <a:noFill/>
-          </a:ln>
-        </p:spPr>
-        <p:style>
-          <a:lnRef idx="0">
-            <a:scrgbClr r="0" g="0" b="0"/>
-          </a:lnRef>
-          <a:fillRef idx="0">
-            <a:scrgbClr r="0" g="0" b="0"/>
-          </a:fillRef>
-          <a:effectRef idx="0">
-            <a:scrgbClr r="0" g="0" b="0"/>
-          </a:effectRef>
-          <a:fontRef idx="minor"/>
-        </p:style>
+            <a:off x="404150" y="2823357"/>
+            <a:ext cx="10515600" cy="609398"/>
+          </a:xfrm>
+        </p:spPr>
         <p:txBody>
-          <a:bodyPr lIns="0" tIns="0" rIns="0" bIns="0"/>
+          <a:bodyPr/>
           <a:lstStyle/>
           <a:p>
-            <a:pPr marL="0" marR="0" lvl="0" indent="0" algn="l" defTabSz="914400" rtl="0" eaLnBrk="1" fontAlgn="auto" latinLnBrk="0" hangingPunct="1">
-              <a:lnSpc>
-                <a:spcPct val="90000"/>
-              </a:lnSpc>
-              <a:spcBef>
-                <a:spcPts val="0"/>
-              </a:spcBef>
-              <a:spcAft>
-                <a:spcPts val="1199"/>
-              </a:spcAft>
-              <a:buClrTx/>
-              <a:buSzTx/>
-              <a:buFontTx/>
-              <a:buNone/>
-              <a:tabLst/>
-              <a:defRPr/>
-            </a:pPr>
-            <a:endParaRPr kumimoji="0" lang="en-IN" sz="1800" b="0" i="0" u="none" strike="noStrike" kern="1200" cap="none" spc="-1" normalizeH="0" baseline="0" noProof="0">
-              <a:ln>
-                <a:noFill/>
-              </a:ln>
-              <a:solidFill>
-                <a:prstClr val="black"/>
-              </a:solidFill>
-              <a:effectLst/>
-              <a:uLnTx/>
-              <a:uFillTx/>
-              <a:latin typeface="Arial"/>
-            </a:endParaRPr>
-          </a:p>
-          <a:p>
-            <a:pPr marL="0" marR="0" lvl="0" indent="0" algn="l" defTabSz="914400" rtl="0" eaLnBrk="1" fontAlgn="auto" latinLnBrk="0" hangingPunct="1">
-              <a:lnSpc>
-                <a:spcPct val="100000"/>
-              </a:lnSpc>
-              <a:spcBef>
-                <a:spcPts val="0"/>
-              </a:spcBef>
-              <a:spcAft>
-                <a:spcPts val="0"/>
-              </a:spcAft>
-              <a:buClrTx/>
-              <a:buSzTx/>
-              <a:buFontTx/>
-              <a:buNone/>
-              <a:tabLst/>
-              <a:defRPr/>
-            </a:pPr>
-            <a:endParaRPr kumimoji="0" lang="en-IN" sz="1800" b="0" i="0" u="none" strike="noStrike" kern="1200" cap="none" spc="-1" normalizeH="0" baseline="0" noProof="0">
-              <a:ln>
-                <a:noFill/>
-              </a:ln>
-              <a:solidFill>
-                <a:prstClr val="black"/>
-              </a:solidFill>
-              <a:effectLst/>
-              <a:uLnTx/>
-              <a:uFillTx/>
-              <a:latin typeface="Arial"/>
-            </a:endParaRPr>
+            <a:r>
+              <a:rPr lang="en-US" sz="4400" dirty="0"/>
+              <a:t>Kubernetes Logging and Monitoring</a:t>
+            </a:r>
+            <a:endParaRPr lang="en-IN" sz="4400" dirty="0"/>
           </a:p>
         </p:txBody>
-      </p:sp>
-      <p:sp>
-        <p:nvSpPr>
-          <p:cNvPr id="650" name="CustomShape 4"/>
-          <p:cNvSpPr/>
-          <p:nvPr/>
-        </p:nvSpPr>
-        <p:spPr>
-          <a:xfrm>
-            <a:off x="365811" y="3028500"/>
-            <a:ext cx="8945385" cy="528480"/>
-          </a:xfrm>
-          <a:prstGeom prst="rect">
-            <a:avLst/>
-          </a:prstGeom>
-        </p:spPr>
-        <p:txBody>
-          <a:bodyPr wrap="square" lIns="0" tIns="0" rIns="0" bIns="0">
-            <a:spAutoFit/>
-          </a:bodyPr>
-          <a:lstStyle/>
-          <a:p>
-            <a:pPr defTabSz="914377">
-              <a:lnSpc>
-                <a:spcPct val="90000"/>
-              </a:lnSpc>
-              <a:spcBef>
-                <a:spcPct val="0"/>
-              </a:spcBef>
-            </a:pPr>
-            <a:r>
-              <a:rPr lang="en-US" sz="3733" dirty="0">
-                <a:solidFill>
-                  <a:schemeClr val="bg1"/>
-                </a:solidFill>
-                <a:latin typeface="Arial" panose="020B0604020202020204" pitchFamily="34" charset="0"/>
-                <a:ea typeface="+mj-ea"/>
-                <a:cs typeface="+mj-cs"/>
-              </a:rPr>
-              <a:t>Kubernetes Logging and Monitoring</a:t>
-            </a:r>
-            <a:endParaRPr lang="en-IN" sz="3733" dirty="0">
-              <a:solidFill>
-                <a:schemeClr val="bg1"/>
-              </a:solidFill>
-              <a:latin typeface="Arial" panose="020B0604020202020204" pitchFamily="34" charset="0"/>
-              <a:ea typeface="+mj-ea"/>
-              <a:cs typeface="+mj-cs"/>
-            </a:endParaRPr>
-          </a:p>
-        </p:txBody>
-      </p:sp>
-      <p:sp>
-        <p:nvSpPr>
-          <p:cNvPr id="651" name="CustomShape 5"/>
-          <p:cNvSpPr/>
-          <p:nvPr/>
-        </p:nvSpPr>
-        <p:spPr>
-          <a:xfrm>
-            <a:off x="511560" y="2150280"/>
-            <a:ext cx="9894960" cy="399240"/>
-          </a:xfrm>
-          <a:prstGeom prst="rect">
-            <a:avLst/>
-          </a:prstGeom>
-          <a:noFill/>
-          <a:ln>
-            <a:noFill/>
-          </a:ln>
-        </p:spPr>
-        <p:style>
-          <a:lnRef idx="0">
-            <a:scrgbClr r="0" g="0" b="0"/>
-          </a:lnRef>
-          <a:fillRef idx="0">
-            <a:scrgbClr r="0" g="0" b="0"/>
-          </a:fillRef>
-          <a:effectRef idx="0">
-            <a:scrgbClr r="0" g="0" b="0"/>
-          </a:effectRef>
-          <a:fontRef idx="minor"/>
-        </p:style>
       </p:sp>
     </p:spTree>
     <p:extLst>
       <p:ext uri="{BB962C8B-B14F-4D97-AF65-F5344CB8AC3E}">
-        <p14:creationId xmlns:p14="http://schemas.microsoft.com/office/powerpoint/2010/main" val="4266767859"/>
+        <p14:creationId xmlns:p14="http://schemas.microsoft.com/office/powerpoint/2010/main" val="1015790081"/>
       </p:ext>
     </p:extLst>
   </p:cSld>
   <p:clrMapOvr>
     <a:masterClrMapping/>
   </p:clrMapOvr>
-  <p:timing>
-    <p:tnLst>
-      <p:par>
-        <p:cTn id="1" dur="indefinite" restart="never" nodeType="tmRoot">
-          <p:childTnLst>
-            <p:seq>
-              <p:cTn id="2" dur="indefinite" nodeType="mainSeq">
-                <p:childTnLst>
-                  <p:par>
-                    <p:cTn id="3" fill="hold">
-                      <p:stCondLst>
-                        <p:cond delay="indefinite"/>
-                      </p:stCondLst>
-                      <p:childTnLst>
-                        <p:par>
-                          <p:cTn id="4" fill="hold">
-                            <p:stCondLst>
-                              <p:cond delay="0"/>
-                            </p:stCondLst>
-                            <p:childTnLst>
-                              <p:par>
-                                <p:cTn id="5" presetID="10" presetClass="entr" fill="hold" nodeType="clickEffect">
-                                  <p:stCondLst>
-                                    <p:cond delay="0"/>
-                                  </p:stCondLst>
-                                  <p:endCondLst>
-                                    <p:cond delay="5000"/>
-                                  </p:endCondLst>
-                                  <p:childTnLst>
-                                    <p:set>
-                                      <p:cBhvr>
-                                        <p:cTn id="6" dur="1" fill="hold">
-                                          <p:stCondLst>
-                                            <p:cond delay="0"/>
-                                          </p:stCondLst>
-                                        </p:cTn>
-                                        <p:tgtEl>
-                                          <p:spTgt spid="651"/>
-                                        </p:tgtEl>
-                                        <p:attrNameLst>
-                                          <p:attrName>style.visibility</p:attrName>
-                                        </p:attrNameLst>
-                                      </p:cBhvr>
-                                      <p:to>
-                                        <p:strVal val="visible"/>
-                                      </p:to>
-                                    </p:set>
-                                    <p:animEffect transition="in" filter="fade">
-                                      <p:cBhvr additive="repl">
-                                        <p:cTn id="7" dur="500"/>
-                                        <p:tgtEl>
-                                          <p:spTgt spid="651"/>
-                                        </p:tgtEl>
-                                      </p:cBhvr>
-                                    </p:animEffect>
-                                  </p:childTnLst>
-                                </p:cTn>
-                              </p:par>
-                            </p:childTnLst>
-                          </p:cTn>
-                        </p:par>
-                      </p:childTnLst>
-                    </p:cTn>
-                  </p:par>
-                </p:childTnLst>
-              </p:cTn>
-              <p:prevCondLst>
-                <p:cond evt="onPrev" delay="0">
-                  <p:tgtEl>
-                    <p:sldTgt/>
-                  </p:tgtEl>
-                </p:cond>
-              </p:prevCondLst>
-              <p:nextCondLst>
-                <p:cond evt="onNext" delay="0">
-                  <p:tgtEl>
-                    <p:sldTgt/>
-                  </p:tgtEl>
-                </p:cond>
-              </p:nextCondLst>
-            </p:seq>
-          </p:childTnLst>
-        </p:cTn>
-      </p:par>
-    </p:tnLst>
-  </p:timing>
 </p:sld>
 </file>
 

--- a/slides/k8 workshop deck-Day-2 -v 1.0D.pptx
+++ b/slides/k8 workshop deck-Day-2 -v 1.0D.pptx
@@ -12190,7 +12190,7 @@
                 <a:ea typeface="+mj-ea"/>
                 <a:cs typeface="+mj-cs"/>
               </a:rPr>
-              <a:t>Lab 8: Kubernetes Logging and Monitoring</a:t>
+              <a:t>Lab 6: Kubernetes Logging and Monitoring</a:t>
             </a:r>
             <a:endParaRPr lang="en-IN" sz="3733" dirty="0">
               <a:solidFill>
@@ -21569,7 +21569,7 @@
           <a:p>
             <a:r>
               <a:rPr lang="en-US" sz="4400" dirty="0"/>
-              <a:t>Lab 6 &amp; 7: Data Persistence in Kubernetes </a:t>
+              <a:t>Lab 7 &amp; 8: In memory &amp; Data Persistence in Kubernetes </a:t>
             </a:r>
           </a:p>
         </p:txBody>

--- a/slides/k8 workshop deck-Day-2 -v 1.0D.pptx
+++ b/slides/k8 workshop deck-Day-2 -v 1.0D.pptx
@@ -6,7 +6,7 @@
     <p:sldMasterId id="2147483762" r:id="rId2"/>
   </p:sldMasterIdLst>
   <p:notesMasterIdLst>
-    <p:notesMasterId r:id="rId33"/>
+    <p:notesMasterId r:id="rId38"/>
   </p:notesMasterIdLst>
   <p:sldIdLst>
     <p:sldId id="1941" r:id="rId3"/>
@@ -38,7 +38,12 @@
     <p:sldId id="2035" r:id="rId29"/>
     <p:sldId id="2036" r:id="rId30"/>
     <p:sldId id="2037" r:id="rId31"/>
-    <p:sldId id="2031" r:id="rId32"/>
+    <p:sldId id="2013" r:id="rId32"/>
+    <p:sldId id="2021" r:id="rId33"/>
+    <p:sldId id="2014" r:id="rId34"/>
+    <p:sldId id="2023" r:id="rId35"/>
+    <p:sldId id="2024" r:id="rId36"/>
+    <p:sldId id="2031" r:id="rId37"/>
   </p:sldIdLst>
   <p:sldSz cx="12192000" cy="6858000"/>
   <p:notesSz cx="7559675" cy="10691813"/>
@@ -712,7 +717,7 @@
                 <a:tabLst/>
                 <a:defRPr/>
               </a:pPr>
-              <a:t>17-07-2020</a:t>
+              <a:t>20-07-2020</a:t>
             </a:fld>
             <a:endParaRPr kumimoji="0" lang="en-IN" sz="1800" b="0" i="0" u="none" strike="noStrike" kern="1200" cap="none" spc="-1" normalizeH="0" baseline="0" noProof="0">
               <a:ln>
@@ -986,7 +991,7 @@
                 <a:tabLst/>
                 <a:defRPr/>
               </a:pPr>
-              <a:t>17-07-2020</a:t>
+              <a:t>20-07-2020</a:t>
             </a:fld>
             <a:endParaRPr kumimoji="0" lang="en-IN" sz="1800" b="0" i="0" u="none" strike="noStrike" kern="1200" cap="none" spc="-1" normalizeH="0" baseline="0" noProof="0">
               <a:ln>
@@ -1265,7 +1270,7 @@
                 <a:tabLst/>
                 <a:defRPr/>
               </a:pPr>
-              <a:t>17-07-2020</a:t>
+              <a:t>20-07-2020</a:t>
             </a:fld>
             <a:endParaRPr kumimoji="0" lang="en-IN" sz="1800" b="0" i="0" u="none" strike="noStrike" kern="1200" cap="none" spc="-1" normalizeH="0" baseline="0" noProof="0">
               <a:ln>
@@ -1544,7 +1549,7 @@
                 <a:tabLst/>
                 <a:defRPr/>
               </a:pPr>
-              <a:t>17-07-2020</a:t>
+              <a:t>20-07-2020</a:t>
             </a:fld>
             <a:endParaRPr kumimoji="0" lang="en-IN" sz="1800" b="0" i="0" u="none" strike="noStrike" kern="1200" cap="none" spc="-1" normalizeH="0" baseline="0" noProof="0">
               <a:ln>
@@ -1565,6 +1570,731 @@
     <p:extLst>
       <p:ext uri="{BB962C8B-B14F-4D97-AF65-F5344CB8AC3E}">
         <p14:creationId xmlns:p14="http://schemas.microsoft.com/office/powerpoint/2010/main" val="2542045312"/>
+      </p:ext>
+    </p:extLst>
+  </p:cSld>
+  <p:clrMapOvr>
+    <a:masterClrMapping/>
+  </p:clrMapOvr>
+</p:notes>
+</file>
+
+<file path=ppt/notesSlides/notesSlide5.xml><?xml version="1.0" encoding="utf-8"?>
+<p:notes xmlns:a="http://schemas.openxmlformats.org/drawingml/2006/main" xmlns:r="http://schemas.openxmlformats.org/officeDocument/2006/relationships" xmlns:p="http://schemas.openxmlformats.org/presentationml/2006/main">
+  <p:cSld>
+    <p:spTree>
+      <p:nvGrpSpPr>
+        <p:cNvPr id="1" name=""/>
+        <p:cNvGrpSpPr/>
+        <p:nvPr/>
+      </p:nvGrpSpPr>
+      <p:grpSpPr>
+        <a:xfrm>
+          <a:off x="0" y="0"/>
+          <a:ext cx="0" cy="0"/>
+          <a:chOff x="0" y="0"/>
+          <a:chExt cx="0" cy="0"/>
+        </a:xfrm>
+      </p:grpSpPr>
+      <p:sp>
+        <p:nvSpPr>
+          <p:cNvPr id="2" name="Slide Image Placeholder 1"/>
+          <p:cNvSpPr>
+            <a:spLocks noGrp="1" noRot="1" noChangeAspect="1"/>
+          </p:cNvSpPr>
+          <p:nvPr>
+            <p:ph type="sldImg"/>
+          </p:nvPr>
+        </p:nvSpPr>
+        <p:spPr>
+          <a:xfrm>
+            <a:off x="217488" y="812800"/>
+            <a:ext cx="7124700" cy="4008438"/>
+          </a:xfrm>
+        </p:spPr>
+      </p:sp>
+      <p:sp>
+        <p:nvSpPr>
+          <p:cNvPr id="3" name="Notes Placeholder 2"/>
+          <p:cNvSpPr>
+            <a:spLocks noGrp="1"/>
+          </p:cNvSpPr>
+          <p:nvPr>
+            <p:ph type="body" idx="1"/>
+          </p:nvPr>
+        </p:nvSpPr>
+        <p:spPr/>
+        <p:txBody>
+          <a:bodyPr/>
+          <a:lstStyle/>
+          <a:p>
+            <a:endParaRPr lang="en-US" dirty="0"/>
+          </a:p>
+        </p:txBody>
+      </p:sp>
+      <p:sp>
+        <p:nvSpPr>
+          <p:cNvPr id="4" name="Slide Number Placeholder 3"/>
+          <p:cNvSpPr>
+            <a:spLocks noGrp="1"/>
+          </p:cNvSpPr>
+          <p:nvPr>
+            <p:ph type="sldNum"/>
+          </p:nvPr>
+        </p:nvSpPr>
+        <p:spPr/>
+        <p:txBody>
+          <a:bodyPr/>
+          <a:lstStyle/>
+          <a:p>
+            <a:pPr marL="0" marR="0" lvl="0" indent="0" algn="r" defTabSz="914400" rtl="0" eaLnBrk="1" fontAlgn="auto" latinLnBrk="0" hangingPunct="1">
+              <a:lnSpc>
+                <a:spcPct val="100000"/>
+              </a:lnSpc>
+              <a:spcBef>
+                <a:spcPts val="0"/>
+              </a:spcBef>
+              <a:spcAft>
+                <a:spcPts val="0"/>
+              </a:spcAft>
+              <a:buClrTx/>
+              <a:buSzTx/>
+              <a:buFontTx/>
+              <a:buNone/>
+              <a:tabLst/>
+              <a:defRPr/>
+            </a:pPr>
+            <a:fld id="{5C8175F1-3D6C-417A-ABE4-400714A38636}" type="slidenum">
+              <a:rPr kumimoji="0" lang="en-IN" sz="1400" b="0" i="0" u="none" strike="noStrike" kern="1200" cap="none" spc="-1" normalizeH="0" baseline="0" noProof="0" smtClean="0">
+                <a:ln>
+                  <a:noFill/>
+                </a:ln>
+                <a:solidFill>
+                  <a:prstClr val="black"/>
+                </a:solidFill>
+                <a:effectLst/>
+                <a:uLnTx/>
+                <a:uFillTx/>
+                <a:latin typeface="Times New Roman"/>
+              </a:rPr>
+              <a:pPr marL="0" marR="0" lvl="0" indent="0" algn="r" defTabSz="914400" rtl="0" eaLnBrk="1" fontAlgn="auto" latinLnBrk="0" hangingPunct="1">
+                <a:lnSpc>
+                  <a:spcPct val="100000"/>
+                </a:lnSpc>
+                <a:spcBef>
+                  <a:spcPts val="0"/>
+                </a:spcBef>
+                <a:spcAft>
+                  <a:spcPts val="0"/>
+                </a:spcAft>
+                <a:buClrTx/>
+                <a:buSzTx/>
+                <a:buFontTx/>
+                <a:buNone/>
+                <a:tabLst/>
+                <a:defRPr/>
+              </a:pPr>
+              <a:t>30</a:t>
+            </a:fld>
+            <a:endParaRPr kumimoji="0" lang="en-IN" sz="1400" b="0" i="0" u="none" strike="noStrike" kern="1200" cap="none" spc="-1" normalizeH="0" baseline="0" noProof="0">
+              <a:ln>
+                <a:noFill/>
+              </a:ln>
+              <a:solidFill>
+                <a:prstClr val="black"/>
+              </a:solidFill>
+              <a:effectLst/>
+              <a:uLnTx/>
+              <a:uFillTx/>
+              <a:latin typeface="Times New Roman"/>
+            </a:endParaRPr>
+          </a:p>
+        </p:txBody>
+      </p:sp>
+    </p:spTree>
+    <p:extLst>
+      <p:ext uri="{BB962C8B-B14F-4D97-AF65-F5344CB8AC3E}">
+        <p14:creationId xmlns:p14="http://schemas.microsoft.com/office/powerpoint/2010/main" val="573068104"/>
+      </p:ext>
+    </p:extLst>
+  </p:cSld>
+  <p:clrMapOvr>
+    <a:masterClrMapping/>
+  </p:clrMapOvr>
+</p:notes>
+</file>
+
+<file path=ppt/notesSlides/notesSlide6.xml><?xml version="1.0" encoding="utf-8"?>
+<p:notes xmlns:a="http://schemas.openxmlformats.org/drawingml/2006/main" xmlns:r="http://schemas.openxmlformats.org/officeDocument/2006/relationships" xmlns:p="http://schemas.openxmlformats.org/presentationml/2006/main">
+  <p:cSld>
+    <p:spTree>
+      <p:nvGrpSpPr>
+        <p:cNvPr id="1" name=""/>
+        <p:cNvGrpSpPr/>
+        <p:nvPr/>
+      </p:nvGrpSpPr>
+      <p:grpSpPr>
+        <a:xfrm>
+          <a:off x="0" y="0"/>
+          <a:ext cx="0" cy="0"/>
+          <a:chOff x="0" y="0"/>
+          <a:chExt cx="0" cy="0"/>
+        </a:xfrm>
+      </p:grpSpPr>
+      <p:sp>
+        <p:nvSpPr>
+          <p:cNvPr id="2" name="Slide Image Placeholder 1"/>
+          <p:cNvSpPr>
+            <a:spLocks noGrp="1" noRot="1" noChangeAspect="1"/>
+          </p:cNvSpPr>
+          <p:nvPr>
+            <p:ph type="sldImg"/>
+          </p:nvPr>
+        </p:nvSpPr>
+        <p:spPr>
+          <a:xfrm>
+            <a:off x="217488" y="812800"/>
+            <a:ext cx="7124700" cy="4008438"/>
+          </a:xfrm>
+        </p:spPr>
+      </p:sp>
+      <p:sp>
+        <p:nvSpPr>
+          <p:cNvPr id="3" name="Notes Placeholder 2"/>
+          <p:cNvSpPr>
+            <a:spLocks noGrp="1"/>
+          </p:cNvSpPr>
+          <p:nvPr>
+            <p:ph type="body" idx="1"/>
+          </p:nvPr>
+        </p:nvSpPr>
+        <p:spPr/>
+        <p:txBody>
+          <a:bodyPr/>
+          <a:lstStyle/>
+          <a:p>
+            <a:endParaRPr lang="en-US" dirty="0"/>
+          </a:p>
+        </p:txBody>
+      </p:sp>
+      <p:sp>
+        <p:nvSpPr>
+          <p:cNvPr id="4" name="Slide Number Placeholder 3"/>
+          <p:cNvSpPr>
+            <a:spLocks noGrp="1"/>
+          </p:cNvSpPr>
+          <p:nvPr>
+            <p:ph type="sldNum"/>
+          </p:nvPr>
+        </p:nvSpPr>
+        <p:spPr/>
+        <p:txBody>
+          <a:bodyPr/>
+          <a:lstStyle/>
+          <a:p>
+            <a:pPr marL="0" marR="0" lvl="0" indent="0" algn="r" defTabSz="914400" rtl="0" eaLnBrk="1" fontAlgn="auto" latinLnBrk="0" hangingPunct="1">
+              <a:lnSpc>
+                <a:spcPct val="100000"/>
+              </a:lnSpc>
+              <a:spcBef>
+                <a:spcPts val="0"/>
+              </a:spcBef>
+              <a:spcAft>
+                <a:spcPts val="0"/>
+              </a:spcAft>
+              <a:buClrTx/>
+              <a:buSzTx/>
+              <a:buFontTx/>
+              <a:buNone/>
+              <a:tabLst/>
+              <a:defRPr/>
+            </a:pPr>
+            <a:fld id="{5C8175F1-3D6C-417A-ABE4-400714A38636}" type="slidenum">
+              <a:rPr kumimoji="0" lang="en-IN" sz="1400" b="0" i="0" u="none" strike="noStrike" kern="1200" cap="none" spc="-1" normalizeH="0" baseline="0" noProof="0" smtClean="0">
+                <a:ln>
+                  <a:noFill/>
+                </a:ln>
+                <a:solidFill>
+                  <a:prstClr val="black"/>
+                </a:solidFill>
+                <a:effectLst/>
+                <a:uLnTx/>
+                <a:uFillTx/>
+                <a:latin typeface="Times New Roman"/>
+              </a:rPr>
+              <a:pPr marL="0" marR="0" lvl="0" indent="0" algn="r" defTabSz="914400" rtl="0" eaLnBrk="1" fontAlgn="auto" latinLnBrk="0" hangingPunct="1">
+                <a:lnSpc>
+                  <a:spcPct val="100000"/>
+                </a:lnSpc>
+                <a:spcBef>
+                  <a:spcPts val="0"/>
+                </a:spcBef>
+                <a:spcAft>
+                  <a:spcPts val="0"/>
+                </a:spcAft>
+                <a:buClrTx/>
+                <a:buSzTx/>
+                <a:buFontTx/>
+                <a:buNone/>
+                <a:tabLst/>
+                <a:defRPr/>
+              </a:pPr>
+              <a:t>31</a:t>
+            </a:fld>
+            <a:endParaRPr kumimoji="0" lang="en-IN" sz="1400" b="0" i="0" u="none" strike="noStrike" kern="1200" cap="none" spc="-1" normalizeH="0" baseline="0" noProof="0">
+              <a:ln>
+                <a:noFill/>
+              </a:ln>
+              <a:solidFill>
+                <a:prstClr val="black"/>
+              </a:solidFill>
+              <a:effectLst/>
+              <a:uLnTx/>
+              <a:uFillTx/>
+              <a:latin typeface="Times New Roman"/>
+            </a:endParaRPr>
+          </a:p>
+        </p:txBody>
+      </p:sp>
+    </p:spTree>
+    <p:extLst>
+      <p:ext uri="{BB962C8B-B14F-4D97-AF65-F5344CB8AC3E}">
+        <p14:creationId xmlns:p14="http://schemas.microsoft.com/office/powerpoint/2010/main" val="1890930354"/>
+      </p:ext>
+    </p:extLst>
+  </p:cSld>
+  <p:clrMapOvr>
+    <a:masterClrMapping/>
+  </p:clrMapOvr>
+</p:notes>
+</file>
+
+<file path=ppt/notesSlides/notesSlide7.xml><?xml version="1.0" encoding="utf-8"?>
+<p:notes xmlns:a="http://schemas.openxmlformats.org/drawingml/2006/main" xmlns:r="http://schemas.openxmlformats.org/officeDocument/2006/relationships" xmlns:p="http://schemas.openxmlformats.org/presentationml/2006/main">
+  <p:cSld>
+    <p:spTree>
+      <p:nvGrpSpPr>
+        <p:cNvPr id="1" name=""/>
+        <p:cNvGrpSpPr/>
+        <p:nvPr/>
+      </p:nvGrpSpPr>
+      <p:grpSpPr>
+        <a:xfrm>
+          <a:off x="0" y="0"/>
+          <a:ext cx="0" cy="0"/>
+          <a:chOff x="0" y="0"/>
+          <a:chExt cx="0" cy="0"/>
+        </a:xfrm>
+      </p:grpSpPr>
+      <p:sp>
+        <p:nvSpPr>
+          <p:cNvPr id="2" name="Slide Image Placeholder 1"/>
+          <p:cNvSpPr>
+            <a:spLocks noGrp="1" noRot="1" noChangeAspect="1"/>
+          </p:cNvSpPr>
+          <p:nvPr>
+            <p:ph type="sldImg"/>
+          </p:nvPr>
+        </p:nvSpPr>
+        <p:spPr>
+          <a:xfrm>
+            <a:off x="217488" y="812800"/>
+            <a:ext cx="7124700" cy="4008438"/>
+          </a:xfrm>
+        </p:spPr>
+      </p:sp>
+      <p:sp>
+        <p:nvSpPr>
+          <p:cNvPr id="3" name="Notes Placeholder 2"/>
+          <p:cNvSpPr>
+            <a:spLocks noGrp="1"/>
+          </p:cNvSpPr>
+          <p:nvPr>
+            <p:ph type="body" idx="1"/>
+          </p:nvPr>
+        </p:nvSpPr>
+        <p:spPr/>
+        <p:txBody>
+          <a:bodyPr/>
+          <a:lstStyle/>
+          <a:p>
+            <a:endParaRPr lang="en-US" dirty="0"/>
+          </a:p>
+        </p:txBody>
+      </p:sp>
+      <p:sp>
+        <p:nvSpPr>
+          <p:cNvPr id="4" name="Slide Number Placeholder 3"/>
+          <p:cNvSpPr>
+            <a:spLocks noGrp="1"/>
+          </p:cNvSpPr>
+          <p:nvPr>
+            <p:ph type="sldNum"/>
+          </p:nvPr>
+        </p:nvSpPr>
+        <p:spPr/>
+        <p:txBody>
+          <a:bodyPr/>
+          <a:lstStyle/>
+          <a:p>
+            <a:pPr marL="0" marR="0" lvl="0" indent="0" algn="r" defTabSz="914400" rtl="0" eaLnBrk="1" fontAlgn="auto" latinLnBrk="0" hangingPunct="1">
+              <a:lnSpc>
+                <a:spcPct val="100000"/>
+              </a:lnSpc>
+              <a:spcBef>
+                <a:spcPts val="0"/>
+              </a:spcBef>
+              <a:spcAft>
+                <a:spcPts val="0"/>
+              </a:spcAft>
+              <a:buClrTx/>
+              <a:buSzTx/>
+              <a:buFontTx/>
+              <a:buNone/>
+              <a:tabLst/>
+              <a:defRPr/>
+            </a:pPr>
+            <a:fld id="{5C8175F1-3D6C-417A-ABE4-400714A38636}" type="slidenum">
+              <a:rPr kumimoji="0" lang="en-IN" sz="1400" b="0" i="0" u="none" strike="noStrike" kern="1200" cap="none" spc="-1" normalizeH="0" baseline="0" noProof="0" smtClean="0">
+                <a:ln>
+                  <a:noFill/>
+                </a:ln>
+                <a:solidFill>
+                  <a:prstClr val="black"/>
+                </a:solidFill>
+                <a:effectLst/>
+                <a:uLnTx/>
+                <a:uFillTx/>
+                <a:latin typeface="Times New Roman"/>
+              </a:rPr>
+              <a:pPr marL="0" marR="0" lvl="0" indent="0" algn="r" defTabSz="914400" rtl="0" eaLnBrk="1" fontAlgn="auto" latinLnBrk="0" hangingPunct="1">
+                <a:lnSpc>
+                  <a:spcPct val="100000"/>
+                </a:lnSpc>
+                <a:spcBef>
+                  <a:spcPts val="0"/>
+                </a:spcBef>
+                <a:spcAft>
+                  <a:spcPts val="0"/>
+                </a:spcAft>
+                <a:buClrTx/>
+                <a:buSzTx/>
+                <a:buFontTx/>
+                <a:buNone/>
+                <a:tabLst/>
+                <a:defRPr/>
+              </a:pPr>
+              <a:t>32</a:t>
+            </a:fld>
+            <a:endParaRPr kumimoji="0" lang="en-IN" sz="1400" b="0" i="0" u="none" strike="noStrike" kern="1200" cap="none" spc="-1" normalizeH="0" baseline="0" noProof="0">
+              <a:ln>
+                <a:noFill/>
+              </a:ln>
+              <a:solidFill>
+                <a:prstClr val="black"/>
+              </a:solidFill>
+              <a:effectLst/>
+              <a:uLnTx/>
+              <a:uFillTx/>
+              <a:latin typeface="Times New Roman"/>
+            </a:endParaRPr>
+          </a:p>
+        </p:txBody>
+      </p:sp>
+    </p:spTree>
+    <p:extLst>
+      <p:ext uri="{BB962C8B-B14F-4D97-AF65-F5344CB8AC3E}">
+        <p14:creationId xmlns:p14="http://schemas.microsoft.com/office/powerpoint/2010/main" val="1070758618"/>
+      </p:ext>
+    </p:extLst>
+  </p:cSld>
+  <p:clrMapOvr>
+    <a:masterClrMapping/>
+  </p:clrMapOvr>
+</p:notes>
+</file>
+
+<file path=ppt/notesSlides/notesSlide8.xml><?xml version="1.0" encoding="utf-8"?>
+<p:notes xmlns:a="http://schemas.openxmlformats.org/drawingml/2006/main" xmlns:r="http://schemas.openxmlformats.org/officeDocument/2006/relationships" xmlns:p="http://schemas.openxmlformats.org/presentationml/2006/main">
+  <p:cSld>
+    <p:spTree>
+      <p:nvGrpSpPr>
+        <p:cNvPr id="1" name=""/>
+        <p:cNvGrpSpPr/>
+        <p:nvPr/>
+      </p:nvGrpSpPr>
+      <p:grpSpPr>
+        <a:xfrm>
+          <a:off x="0" y="0"/>
+          <a:ext cx="0" cy="0"/>
+          <a:chOff x="0" y="0"/>
+          <a:chExt cx="0" cy="0"/>
+        </a:xfrm>
+      </p:grpSpPr>
+      <p:sp>
+        <p:nvSpPr>
+          <p:cNvPr id="2" name="Slide Image Placeholder 1"/>
+          <p:cNvSpPr>
+            <a:spLocks noGrp="1" noRot="1" noChangeAspect="1"/>
+          </p:cNvSpPr>
+          <p:nvPr>
+            <p:ph type="sldImg"/>
+          </p:nvPr>
+        </p:nvSpPr>
+        <p:spPr>
+          <a:xfrm>
+            <a:off x="217488" y="812800"/>
+            <a:ext cx="7124700" cy="4008438"/>
+          </a:xfrm>
+        </p:spPr>
+      </p:sp>
+      <p:sp>
+        <p:nvSpPr>
+          <p:cNvPr id="3" name="Notes Placeholder 2"/>
+          <p:cNvSpPr>
+            <a:spLocks noGrp="1"/>
+          </p:cNvSpPr>
+          <p:nvPr>
+            <p:ph type="body" idx="1"/>
+          </p:nvPr>
+        </p:nvSpPr>
+        <p:spPr/>
+        <p:txBody>
+          <a:bodyPr/>
+          <a:lstStyle/>
+          <a:p>
+            <a:endParaRPr lang="en-US" dirty="0"/>
+          </a:p>
+        </p:txBody>
+      </p:sp>
+      <p:sp>
+        <p:nvSpPr>
+          <p:cNvPr id="4" name="Slide Number Placeholder 3"/>
+          <p:cNvSpPr>
+            <a:spLocks noGrp="1"/>
+          </p:cNvSpPr>
+          <p:nvPr>
+            <p:ph type="sldNum"/>
+          </p:nvPr>
+        </p:nvSpPr>
+        <p:spPr/>
+        <p:txBody>
+          <a:bodyPr/>
+          <a:lstStyle/>
+          <a:p>
+            <a:pPr marL="0" marR="0" lvl="0" indent="0" algn="r" defTabSz="914400" rtl="0" eaLnBrk="1" fontAlgn="auto" latinLnBrk="0" hangingPunct="1">
+              <a:lnSpc>
+                <a:spcPct val="100000"/>
+              </a:lnSpc>
+              <a:spcBef>
+                <a:spcPts val="0"/>
+              </a:spcBef>
+              <a:spcAft>
+                <a:spcPts val="0"/>
+              </a:spcAft>
+              <a:buClrTx/>
+              <a:buSzTx/>
+              <a:buFontTx/>
+              <a:buNone/>
+              <a:tabLst/>
+              <a:defRPr/>
+            </a:pPr>
+            <a:fld id="{5C8175F1-3D6C-417A-ABE4-400714A38636}" type="slidenum">
+              <a:rPr kumimoji="0" lang="en-IN" sz="1400" b="0" i="0" u="none" strike="noStrike" kern="1200" cap="none" spc="-1" normalizeH="0" baseline="0" noProof="0" smtClean="0">
+                <a:ln>
+                  <a:noFill/>
+                </a:ln>
+                <a:solidFill>
+                  <a:prstClr val="black"/>
+                </a:solidFill>
+                <a:effectLst/>
+                <a:uLnTx/>
+                <a:uFillTx/>
+                <a:latin typeface="Times New Roman"/>
+              </a:rPr>
+              <a:pPr marL="0" marR="0" lvl="0" indent="0" algn="r" defTabSz="914400" rtl="0" eaLnBrk="1" fontAlgn="auto" latinLnBrk="0" hangingPunct="1">
+                <a:lnSpc>
+                  <a:spcPct val="100000"/>
+                </a:lnSpc>
+                <a:spcBef>
+                  <a:spcPts val="0"/>
+                </a:spcBef>
+                <a:spcAft>
+                  <a:spcPts val="0"/>
+                </a:spcAft>
+                <a:buClrTx/>
+                <a:buSzTx/>
+                <a:buFontTx/>
+                <a:buNone/>
+                <a:tabLst/>
+                <a:defRPr/>
+              </a:pPr>
+              <a:t>33</a:t>
+            </a:fld>
+            <a:endParaRPr kumimoji="0" lang="en-IN" sz="1400" b="0" i="0" u="none" strike="noStrike" kern="1200" cap="none" spc="-1" normalizeH="0" baseline="0" noProof="0">
+              <a:ln>
+                <a:noFill/>
+              </a:ln>
+              <a:solidFill>
+                <a:prstClr val="black"/>
+              </a:solidFill>
+              <a:effectLst/>
+              <a:uLnTx/>
+              <a:uFillTx/>
+              <a:latin typeface="Times New Roman"/>
+            </a:endParaRPr>
+          </a:p>
+        </p:txBody>
+      </p:sp>
+    </p:spTree>
+    <p:extLst>
+      <p:ext uri="{BB962C8B-B14F-4D97-AF65-F5344CB8AC3E}">
+        <p14:creationId xmlns:p14="http://schemas.microsoft.com/office/powerpoint/2010/main" val="3652728364"/>
+      </p:ext>
+    </p:extLst>
+  </p:cSld>
+  <p:clrMapOvr>
+    <a:masterClrMapping/>
+  </p:clrMapOvr>
+</p:notes>
+</file>
+
+<file path=ppt/notesSlides/notesSlide9.xml><?xml version="1.0" encoding="utf-8"?>
+<p:notes xmlns:a="http://schemas.openxmlformats.org/drawingml/2006/main" xmlns:r="http://schemas.openxmlformats.org/officeDocument/2006/relationships" xmlns:p="http://schemas.openxmlformats.org/presentationml/2006/main">
+  <p:cSld>
+    <p:spTree>
+      <p:nvGrpSpPr>
+        <p:cNvPr id="1" name=""/>
+        <p:cNvGrpSpPr/>
+        <p:nvPr/>
+      </p:nvGrpSpPr>
+      <p:grpSpPr>
+        <a:xfrm>
+          <a:off x="0" y="0"/>
+          <a:ext cx="0" cy="0"/>
+          <a:chOff x="0" y="0"/>
+          <a:chExt cx="0" cy="0"/>
+        </a:xfrm>
+      </p:grpSpPr>
+      <p:sp>
+        <p:nvSpPr>
+          <p:cNvPr id="2" name="Slide Image Placeholder 1"/>
+          <p:cNvSpPr>
+            <a:spLocks noGrp="1" noRot="1" noChangeAspect="1"/>
+          </p:cNvSpPr>
+          <p:nvPr>
+            <p:ph type="sldImg"/>
+          </p:nvPr>
+        </p:nvSpPr>
+        <p:spPr>
+          <a:xfrm>
+            <a:off x="217488" y="812800"/>
+            <a:ext cx="7124700" cy="4008438"/>
+          </a:xfrm>
+        </p:spPr>
+      </p:sp>
+      <p:sp>
+        <p:nvSpPr>
+          <p:cNvPr id="3" name="Notes Placeholder 2"/>
+          <p:cNvSpPr>
+            <a:spLocks noGrp="1"/>
+          </p:cNvSpPr>
+          <p:nvPr>
+            <p:ph type="body" idx="1"/>
+          </p:nvPr>
+        </p:nvSpPr>
+        <p:spPr/>
+        <p:txBody>
+          <a:bodyPr/>
+          <a:lstStyle/>
+          <a:p>
+            <a:endParaRPr lang="en-US" dirty="0"/>
+          </a:p>
+        </p:txBody>
+      </p:sp>
+      <p:sp>
+        <p:nvSpPr>
+          <p:cNvPr id="4" name="Slide Number Placeholder 3"/>
+          <p:cNvSpPr>
+            <a:spLocks noGrp="1"/>
+          </p:cNvSpPr>
+          <p:nvPr>
+            <p:ph type="sldNum"/>
+          </p:nvPr>
+        </p:nvSpPr>
+        <p:spPr/>
+        <p:txBody>
+          <a:bodyPr/>
+          <a:lstStyle/>
+          <a:p>
+            <a:pPr marL="0" marR="0" lvl="0" indent="0" algn="r" defTabSz="914400" rtl="0" eaLnBrk="1" fontAlgn="auto" latinLnBrk="0" hangingPunct="1">
+              <a:lnSpc>
+                <a:spcPct val="100000"/>
+              </a:lnSpc>
+              <a:spcBef>
+                <a:spcPts val="0"/>
+              </a:spcBef>
+              <a:spcAft>
+                <a:spcPts val="0"/>
+              </a:spcAft>
+              <a:buClrTx/>
+              <a:buSzTx/>
+              <a:buFontTx/>
+              <a:buNone/>
+              <a:tabLst/>
+              <a:defRPr/>
+            </a:pPr>
+            <a:fld id="{5C8175F1-3D6C-417A-ABE4-400714A38636}" type="slidenum">
+              <a:rPr kumimoji="0" lang="en-IN" sz="1400" b="0" i="0" u="none" strike="noStrike" kern="1200" cap="none" spc="-1" normalizeH="0" baseline="0" noProof="0" smtClean="0">
+                <a:ln>
+                  <a:noFill/>
+                </a:ln>
+                <a:solidFill>
+                  <a:prstClr val="black"/>
+                </a:solidFill>
+                <a:effectLst/>
+                <a:uLnTx/>
+                <a:uFillTx/>
+                <a:latin typeface="Times New Roman"/>
+              </a:rPr>
+              <a:pPr marL="0" marR="0" lvl="0" indent="0" algn="r" defTabSz="914400" rtl="0" eaLnBrk="1" fontAlgn="auto" latinLnBrk="0" hangingPunct="1">
+                <a:lnSpc>
+                  <a:spcPct val="100000"/>
+                </a:lnSpc>
+                <a:spcBef>
+                  <a:spcPts val="0"/>
+                </a:spcBef>
+                <a:spcAft>
+                  <a:spcPts val="0"/>
+                </a:spcAft>
+                <a:buClrTx/>
+                <a:buSzTx/>
+                <a:buFontTx/>
+                <a:buNone/>
+                <a:tabLst/>
+                <a:defRPr/>
+              </a:pPr>
+              <a:t>34</a:t>
+            </a:fld>
+            <a:endParaRPr kumimoji="0" lang="en-IN" sz="1400" b="0" i="0" u="none" strike="noStrike" kern="1200" cap="none" spc="-1" normalizeH="0" baseline="0" noProof="0">
+              <a:ln>
+                <a:noFill/>
+              </a:ln>
+              <a:solidFill>
+                <a:prstClr val="black"/>
+              </a:solidFill>
+              <a:effectLst/>
+              <a:uLnTx/>
+              <a:uFillTx/>
+              <a:latin typeface="Times New Roman"/>
+            </a:endParaRPr>
+          </a:p>
+        </p:txBody>
+      </p:sp>
+    </p:spTree>
+    <p:extLst>
+      <p:ext uri="{BB962C8B-B14F-4D97-AF65-F5344CB8AC3E}">
+        <p14:creationId xmlns:p14="http://schemas.microsoft.com/office/powerpoint/2010/main" val="2154421013"/>
       </p:ext>
     </p:extLst>
   </p:cSld>
@@ -21531,6 +22261,4797 @@
 </file>
 
 <file path=ppt/slides/slide30.xml><?xml version="1.0" encoding="utf-8"?>
+<p:sld xmlns:a="http://schemas.openxmlformats.org/drawingml/2006/main" xmlns:r="http://schemas.openxmlformats.org/officeDocument/2006/relationships" xmlns:p="http://schemas.openxmlformats.org/presentationml/2006/main">
+  <p:cSld>
+    <p:spTree>
+      <p:nvGrpSpPr>
+        <p:cNvPr id="1" name=""/>
+        <p:cNvGrpSpPr/>
+        <p:nvPr/>
+      </p:nvGrpSpPr>
+      <p:grpSpPr>
+        <a:xfrm>
+          <a:off x="0" y="0"/>
+          <a:ext cx="0" cy="0"/>
+          <a:chOff x="0" y="0"/>
+          <a:chExt cx="0" cy="0"/>
+        </a:xfrm>
+      </p:grpSpPr>
+      <p:sp>
+        <p:nvSpPr>
+          <p:cNvPr id="2" name="Title 1">
+            <a:extLst>
+              <a:ext uri="{FF2B5EF4-FFF2-40B4-BE49-F238E27FC236}">
+                <a16:creationId xmlns:a16="http://schemas.microsoft.com/office/drawing/2014/main" id="{CCEF3CFE-0B7F-4DEF-8C96-DE6E83B27AFB}"/>
+              </a:ext>
+            </a:extLst>
+          </p:cNvPr>
+          <p:cNvSpPr>
+            <a:spLocks noGrp="1"/>
+          </p:cNvSpPr>
+          <p:nvPr>
+            <p:ph type="title"/>
+          </p:nvPr>
+        </p:nvSpPr>
+        <p:spPr>
+          <a:xfrm>
+            <a:off x="295396" y="257038"/>
+            <a:ext cx="11430000" cy="517001"/>
+          </a:xfrm>
+        </p:spPr>
+        <p:txBody>
+          <a:bodyPr wrap="square" lIns="0" tIns="0" rIns="0" bIns="0">
+            <a:spAutoFit/>
+          </a:bodyPr>
+          <a:lstStyle/>
+          <a:p>
+            <a:r>
+              <a:rPr lang="en-IN" dirty="0"/>
+              <a:t>Secret Core Concepts</a:t>
+            </a:r>
+          </a:p>
+        </p:txBody>
+      </p:sp>
+      <p:sp>
+        <p:nvSpPr>
+          <p:cNvPr id="7" name="CustomShape 2">
+            <a:extLst>
+              <a:ext uri="{FF2B5EF4-FFF2-40B4-BE49-F238E27FC236}">
+                <a16:creationId xmlns:a16="http://schemas.microsoft.com/office/drawing/2014/main" id="{FA218434-EC11-4881-B0EA-9296BBE337D3}"/>
+              </a:ext>
+            </a:extLst>
+          </p:cNvPr>
+          <p:cNvSpPr/>
+          <p:nvPr/>
+        </p:nvSpPr>
+        <p:spPr>
+          <a:xfrm>
+            <a:off x="401135" y="1067764"/>
+            <a:ext cx="10972080" cy="5333035"/>
+          </a:xfrm>
+          <a:prstGeom prst="rect">
+            <a:avLst/>
+          </a:prstGeom>
+          <a:noFill/>
+          <a:ln>
+            <a:noFill/>
+          </a:ln>
+        </p:spPr>
+        <p:style>
+          <a:lnRef idx="0">
+            <a:scrgbClr r="0" g="0" b="0"/>
+          </a:lnRef>
+          <a:fillRef idx="0">
+            <a:scrgbClr r="0" g="0" b="0"/>
+          </a:fillRef>
+          <a:effectRef idx="0">
+            <a:scrgbClr r="0" g="0" b="0"/>
+          </a:effectRef>
+          <a:fontRef idx="minor"/>
+        </p:style>
+        <p:txBody>
+          <a:bodyPr lIns="122040" tIns="122040" rIns="122040" bIns="122040"/>
+          <a:lstStyle/>
+          <a:p>
+            <a:pPr marL="0" marR="0" lvl="0" indent="0" algn="l" defTabSz="914400" rtl="0" eaLnBrk="1" fontAlgn="auto" latinLnBrk="0" hangingPunct="1">
+              <a:lnSpc>
+                <a:spcPct val="90000"/>
+              </a:lnSpc>
+              <a:spcBef>
+                <a:spcPts val="0"/>
+              </a:spcBef>
+              <a:spcAft>
+                <a:spcPts val="0"/>
+              </a:spcAft>
+              <a:buClrTx/>
+              <a:buSzTx/>
+              <a:buFontTx/>
+              <a:buNone/>
+              <a:tabLst/>
+              <a:defRPr/>
+            </a:pPr>
+            <a:r>
+              <a:rPr kumimoji="0" lang="en-US" sz="2400" b="0" i="0" u="none" strike="noStrike" kern="1200" cap="none" spc="-1" normalizeH="0" baseline="0" noProof="0" dirty="0">
+                <a:ln>
+                  <a:noFill/>
+                </a:ln>
+                <a:solidFill>
+                  <a:srgbClr val="000000"/>
+                </a:solidFill>
+                <a:effectLst/>
+                <a:uLnTx/>
+                <a:uFillTx/>
+                <a:latin typeface="Arial"/>
+                <a:ea typeface="DejaVu Sans"/>
+                <a:cs typeface="+mn-cs"/>
+              </a:rPr>
+              <a:t>● </a:t>
+            </a:r>
+            <a:r>
+              <a:rPr kumimoji="0" lang="en-US" sz="2400" b="0" i="0" u="none" strike="noStrike" kern="1200" cap="none" spc="-1" normalizeH="0" baseline="0" noProof="0" dirty="0">
+                <a:ln>
+                  <a:noFill/>
+                </a:ln>
+                <a:solidFill>
+                  <a:srgbClr val="444444"/>
+                </a:solidFill>
+                <a:effectLst/>
+                <a:uLnTx/>
+                <a:uFillTx/>
+                <a:latin typeface="Arial"/>
+                <a:ea typeface="DejaVu Sans"/>
+                <a:cs typeface="+mn-cs"/>
+              </a:rPr>
+              <a:t>A secret is an object that contains a small amount of sensitive data such as     </a:t>
+            </a:r>
+            <a:br>
+              <a:rPr kumimoji="0" lang="en-US" sz="2400" b="0" i="0" u="none" strike="noStrike" kern="1200" cap="none" spc="-1" normalizeH="0" baseline="0" noProof="0" dirty="0">
+                <a:ln>
+                  <a:noFill/>
+                </a:ln>
+                <a:solidFill>
+                  <a:srgbClr val="444444"/>
+                </a:solidFill>
+                <a:effectLst/>
+                <a:uLnTx/>
+                <a:uFillTx/>
+                <a:latin typeface="Arial"/>
+                <a:ea typeface="DejaVu Sans"/>
+                <a:cs typeface="+mn-cs"/>
+              </a:rPr>
+            </a:br>
+            <a:r>
+              <a:rPr kumimoji="0" lang="en-US" sz="2400" b="0" i="0" u="none" strike="noStrike" kern="1200" cap="none" spc="-1" normalizeH="0" baseline="0" noProof="0" dirty="0">
+                <a:ln>
+                  <a:noFill/>
+                </a:ln>
+                <a:solidFill>
+                  <a:srgbClr val="444444"/>
+                </a:solidFill>
+                <a:effectLst/>
+                <a:uLnTx/>
+                <a:uFillTx/>
+                <a:latin typeface="Arial"/>
+                <a:ea typeface="DejaVu Sans"/>
+                <a:cs typeface="+mn-cs"/>
+              </a:rPr>
+              <a:t>   password, a token, or a key.</a:t>
+            </a:r>
+            <a:endParaRPr kumimoji="0" lang="en-US" sz="2400" b="0" i="0" u="none" strike="noStrike" kern="1200" cap="none" spc="-1" normalizeH="0" baseline="0" noProof="0" dirty="0">
+              <a:ln>
+                <a:noFill/>
+              </a:ln>
+              <a:solidFill>
+                <a:srgbClr val="000000"/>
+              </a:solidFill>
+              <a:effectLst/>
+              <a:uLnTx/>
+              <a:uFillTx/>
+              <a:latin typeface="Arial"/>
+              <a:ea typeface="DejaVu Sans"/>
+              <a:cs typeface="+mn-cs"/>
+            </a:endParaRPr>
+          </a:p>
+          <a:p>
+            <a:pPr marL="0" marR="0" lvl="0" indent="0" algn="l" defTabSz="914400" rtl="0" eaLnBrk="1" fontAlgn="auto" latinLnBrk="0" hangingPunct="1">
+              <a:lnSpc>
+                <a:spcPct val="90000"/>
+              </a:lnSpc>
+              <a:spcBef>
+                <a:spcPts val="0"/>
+              </a:spcBef>
+              <a:spcAft>
+                <a:spcPts val="0"/>
+              </a:spcAft>
+              <a:buClrTx/>
+              <a:buSzTx/>
+              <a:buFontTx/>
+              <a:buNone/>
+              <a:tabLst/>
+              <a:defRPr/>
+            </a:pPr>
+            <a:endParaRPr kumimoji="0" lang="en-US" sz="2400" b="0" i="0" u="none" strike="noStrike" kern="1200" cap="none" spc="-1" normalizeH="0" baseline="0" noProof="0" dirty="0">
+              <a:ln>
+                <a:noFill/>
+              </a:ln>
+              <a:solidFill>
+                <a:srgbClr val="000000"/>
+              </a:solidFill>
+              <a:effectLst/>
+              <a:uLnTx/>
+              <a:uFillTx/>
+              <a:latin typeface="Arial"/>
+              <a:ea typeface="DejaVu Sans"/>
+              <a:cs typeface="+mn-cs"/>
+            </a:endParaRPr>
+          </a:p>
+          <a:p>
+            <a:pPr marL="0" marR="0" lvl="0" indent="0" algn="l" defTabSz="914400" rtl="0" eaLnBrk="1" fontAlgn="auto" latinLnBrk="0" hangingPunct="1">
+              <a:lnSpc>
+                <a:spcPct val="90000"/>
+              </a:lnSpc>
+              <a:spcBef>
+                <a:spcPts val="0"/>
+              </a:spcBef>
+              <a:spcAft>
+                <a:spcPts val="0"/>
+              </a:spcAft>
+              <a:buClrTx/>
+              <a:buSzTx/>
+              <a:buFontTx/>
+              <a:buNone/>
+              <a:tabLst/>
+              <a:defRPr/>
+            </a:pPr>
+            <a:r>
+              <a:rPr kumimoji="0" lang="en-US" sz="2400" b="0" i="0" u="none" strike="noStrike" kern="1200" cap="none" spc="-1" normalizeH="0" baseline="0" noProof="0" dirty="0">
+                <a:ln>
+                  <a:noFill/>
+                </a:ln>
+                <a:solidFill>
+                  <a:srgbClr val="000000"/>
+                </a:solidFill>
+                <a:effectLst/>
+                <a:uLnTx/>
+                <a:uFillTx/>
+                <a:latin typeface="Arial"/>
+                <a:ea typeface="DejaVu Sans"/>
+                <a:cs typeface="+mn-cs"/>
+              </a:rPr>
+              <a:t>● </a:t>
+            </a:r>
+            <a:r>
+              <a:rPr kumimoji="0" lang="en-US" sz="2400" b="0" i="0" u="none" strike="noStrike" kern="1200" cap="none" spc="-1" normalizeH="0" baseline="0" noProof="0" dirty="0">
+                <a:ln>
+                  <a:noFill/>
+                </a:ln>
+                <a:solidFill>
+                  <a:srgbClr val="444444"/>
+                </a:solidFill>
+                <a:effectLst/>
+                <a:uLnTx/>
+                <a:uFillTx/>
+                <a:latin typeface="Arial"/>
+                <a:ea typeface="DejaVu Sans"/>
+                <a:cs typeface="+mn-cs"/>
+              </a:rPr>
+              <a:t>Functionally identical to a </a:t>
+            </a:r>
+            <a:r>
+              <a:rPr kumimoji="0" lang="en-US" sz="2400" b="0" i="0" u="none" strike="noStrike" kern="1200" cap="none" spc="-1" normalizeH="0" baseline="0" noProof="0" dirty="0" err="1">
+                <a:ln>
+                  <a:noFill/>
+                </a:ln>
+                <a:solidFill>
+                  <a:srgbClr val="000000"/>
+                </a:solidFill>
+                <a:effectLst/>
+                <a:uLnTx/>
+                <a:uFillTx/>
+                <a:latin typeface="Arial"/>
+                <a:ea typeface="DejaVu Sans"/>
+                <a:cs typeface="+mn-cs"/>
+              </a:rPr>
+              <a:t>ConfigMap</a:t>
+            </a:r>
+            <a:r>
+              <a:rPr kumimoji="0" lang="en-US" sz="2400" b="0" i="0" u="none" strike="noStrike" kern="1200" cap="none" spc="-1" normalizeH="0" baseline="0" noProof="0" dirty="0">
+                <a:ln>
+                  <a:noFill/>
+                </a:ln>
+                <a:solidFill>
+                  <a:srgbClr val="000000"/>
+                </a:solidFill>
+                <a:effectLst/>
+                <a:uLnTx/>
+                <a:uFillTx/>
+                <a:latin typeface="Arial"/>
+                <a:ea typeface="DejaVu Sans"/>
+                <a:cs typeface="+mn-cs"/>
+              </a:rPr>
+              <a:t>.</a:t>
+            </a:r>
+            <a:endParaRPr kumimoji="0" lang="en-US" sz="2400" b="0" i="0" u="none" strike="noStrike" kern="1200" cap="none" spc="-1" normalizeH="0" baseline="0" noProof="0" dirty="0">
+              <a:ln>
+                <a:noFill/>
+              </a:ln>
+              <a:solidFill>
+                <a:srgbClr val="444444"/>
+              </a:solidFill>
+              <a:effectLst/>
+              <a:uLnTx/>
+              <a:uFillTx/>
+              <a:latin typeface="Arial"/>
+              <a:ea typeface="+mn-ea"/>
+              <a:cs typeface="+mn-cs"/>
+            </a:endParaRPr>
+          </a:p>
+          <a:p>
+            <a:pPr marL="0" marR="0" lvl="0" indent="0" algn="l" defTabSz="914400" rtl="0" eaLnBrk="1" fontAlgn="auto" latinLnBrk="0" hangingPunct="1">
+              <a:lnSpc>
+                <a:spcPct val="90000"/>
+              </a:lnSpc>
+              <a:spcBef>
+                <a:spcPts val="1332"/>
+              </a:spcBef>
+              <a:spcAft>
+                <a:spcPts val="0"/>
+              </a:spcAft>
+              <a:buClrTx/>
+              <a:buSzTx/>
+              <a:buFontTx/>
+              <a:buNone/>
+              <a:tabLst/>
+              <a:defRPr/>
+            </a:pPr>
+            <a:r>
+              <a:rPr kumimoji="0" lang="en-US" sz="2400" b="0" i="0" u="none" strike="noStrike" kern="1200" cap="none" spc="-1" normalizeH="0" baseline="0" noProof="0" dirty="0">
+                <a:ln>
+                  <a:noFill/>
+                </a:ln>
+                <a:solidFill>
+                  <a:srgbClr val="000000"/>
+                </a:solidFill>
+                <a:effectLst/>
+                <a:uLnTx/>
+                <a:uFillTx/>
+                <a:latin typeface="Arial"/>
+                <a:ea typeface="DejaVu Sans"/>
+                <a:cs typeface="+mn-cs"/>
+              </a:rPr>
+              <a:t>● </a:t>
+            </a:r>
+            <a:r>
+              <a:rPr kumimoji="0" lang="en-US" sz="2400" b="0" i="0" u="none" strike="noStrike" kern="1200" cap="none" spc="-1" normalizeH="0" baseline="0" noProof="0" dirty="0">
+                <a:ln>
+                  <a:noFill/>
+                </a:ln>
+                <a:solidFill>
+                  <a:srgbClr val="444444"/>
+                </a:solidFill>
+                <a:effectLst/>
+                <a:uLnTx/>
+                <a:uFillTx/>
+                <a:latin typeface="Arial"/>
+                <a:ea typeface="DejaVu Sans"/>
+                <a:cs typeface="+mn-cs"/>
+              </a:rPr>
+              <a:t>Stored as </a:t>
+            </a:r>
+            <a:r>
+              <a:rPr kumimoji="0" lang="en-US" sz="2400" b="1" i="0" u="none" strike="noStrike" kern="1200" cap="none" spc="-1" normalizeH="0" baseline="0" noProof="0" dirty="0">
+                <a:ln>
+                  <a:noFill/>
+                </a:ln>
+                <a:solidFill>
+                  <a:srgbClr val="444444"/>
+                </a:solidFill>
+                <a:effectLst/>
+                <a:uLnTx/>
+                <a:uFillTx/>
+                <a:latin typeface="Arial"/>
+                <a:ea typeface="DejaVu Sans"/>
+                <a:cs typeface="+mn-cs"/>
+              </a:rPr>
+              <a:t>base64 encoded content.</a:t>
+            </a:r>
+            <a:endParaRPr kumimoji="0" lang="en-US" sz="2400" b="0" i="0" u="none" strike="noStrike" kern="1200" cap="none" spc="-1" normalizeH="0" baseline="0" noProof="0" dirty="0">
+              <a:ln>
+                <a:noFill/>
+              </a:ln>
+              <a:solidFill>
+                <a:srgbClr val="444444"/>
+              </a:solidFill>
+              <a:effectLst/>
+              <a:uLnTx/>
+              <a:uFillTx/>
+              <a:latin typeface="Arial"/>
+              <a:ea typeface="+mn-ea"/>
+              <a:cs typeface="+mn-cs"/>
+            </a:endParaRPr>
+          </a:p>
+          <a:p>
+            <a:pPr marL="0" marR="0" lvl="0" indent="0" algn="l" defTabSz="914400" rtl="0" eaLnBrk="1" fontAlgn="auto" latinLnBrk="0" hangingPunct="1">
+              <a:lnSpc>
+                <a:spcPct val="90000"/>
+              </a:lnSpc>
+              <a:spcBef>
+                <a:spcPts val="1332"/>
+              </a:spcBef>
+              <a:spcAft>
+                <a:spcPts val="0"/>
+              </a:spcAft>
+              <a:buClrTx/>
+              <a:buSzTx/>
+              <a:buFontTx/>
+              <a:buNone/>
+              <a:tabLst/>
+              <a:defRPr/>
+            </a:pPr>
+            <a:r>
+              <a:rPr kumimoji="0" lang="en-US" sz="2400" b="0" i="0" u="none" strike="noStrike" kern="1200" cap="none" spc="-1" normalizeH="0" baseline="0" noProof="0" dirty="0">
+                <a:ln>
+                  <a:noFill/>
+                </a:ln>
+                <a:solidFill>
+                  <a:srgbClr val="000000"/>
+                </a:solidFill>
+                <a:effectLst/>
+                <a:uLnTx/>
+                <a:uFillTx/>
+                <a:latin typeface="Arial"/>
+                <a:ea typeface="DejaVu Sans"/>
+                <a:cs typeface="+mn-cs"/>
+              </a:rPr>
+              <a:t>● </a:t>
+            </a:r>
+            <a:r>
+              <a:rPr kumimoji="0" lang="en-US" sz="2400" b="0" i="0" u="none" strike="noStrike" kern="1200" cap="none" spc="-1" normalizeH="0" baseline="0" noProof="0" dirty="0">
+                <a:ln>
+                  <a:noFill/>
+                </a:ln>
+                <a:solidFill>
+                  <a:srgbClr val="444444"/>
+                </a:solidFill>
+                <a:effectLst/>
+                <a:uLnTx/>
+                <a:uFillTx/>
+                <a:latin typeface="Arial"/>
+                <a:ea typeface="DejaVu Sans"/>
+                <a:cs typeface="+mn-cs"/>
+              </a:rPr>
+              <a:t>Encrypted at rest within </a:t>
+            </a:r>
+            <a:r>
+              <a:rPr kumimoji="0" lang="en-US" sz="2400" b="0" i="0" u="none" strike="noStrike" kern="1200" cap="none" spc="-1" normalizeH="0" baseline="0" noProof="0" dirty="0" err="1">
+                <a:ln>
+                  <a:noFill/>
+                </a:ln>
+                <a:solidFill>
+                  <a:srgbClr val="444444"/>
+                </a:solidFill>
+                <a:effectLst/>
+                <a:uLnTx/>
+                <a:uFillTx/>
+                <a:latin typeface="Arial"/>
+                <a:ea typeface="DejaVu Sans"/>
+                <a:cs typeface="+mn-cs"/>
+              </a:rPr>
+              <a:t>etcd</a:t>
+            </a:r>
+            <a:r>
+              <a:rPr kumimoji="0" lang="en-US" sz="2400" b="0" i="0" u="none" strike="noStrike" kern="1200" cap="none" spc="-1" normalizeH="0" baseline="0" noProof="0" dirty="0">
+                <a:ln>
+                  <a:noFill/>
+                </a:ln>
+                <a:solidFill>
+                  <a:srgbClr val="444444"/>
+                </a:solidFill>
+                <a:effectLst/>
+                <a:uLnTx/>
+                <a:uFillTx/>
+                <a:latin typeface="Arial"/>
+                <a:ea typeface="DejaVu Sans"/>
+                <a:cs typeface="+mn-cs"/>
+              </a:rPr>
+              <a:t> (</a:t>
+            </a:r>
+            <a:r>
+              <a:rPr kumimoji="0" lang="en-US" sz="2400" b="1" i="0" u="none" strike="noStrike" kern="1200" cap="none" spc="-1" normalizeH="0" baseline="0" noProof="0" dirty="0">
+                <a:ln>
+                  <a:noFill/>
+                </a:ln>
+                <a:solidFill>
+                  <a:srgbClr val="444444"/>
+                </a:solidFill>
+                <a:effectLst/>
+                <a:uLnTx/>
+                <a:uFillTx/>
+                <a:latin typeface="Arial"/>
+                <a:ea typeface="DejaVu Sans"/>
+                <a:cs typeface="+mn-cs"/>
+              </a:rPr>
+              <a:t>if configured!</a:t>
+            </a:r>
+            <a:r>
+              <a:rPr kumimoji="0" lang="en-US" sz="2400" b="0" i="0" u="none" strike="noStrike" kern="1200" cap="none" spc="-1" normalizeH="0" baseline="0" noProof="0" dirty="0">
+                <a:ln>
+                  <a:noFill/>
+                </a:ln>
+                <a:solidFill>
+                  <a:srgbClr val="444444"/>
+                </a:solidFill>
+                <a:effectLst/>
+                <a:uLnTx/>
+                <a:uFillTx/>
+                <a:latin typeface="Arial"/>
+                <a:ea typeface="DejaVu Sans"/>
+                <a:cs typeface="+mn-cs"/>
+              </a:rPr>
+              <a:t>).</a:t>
+            </a:r>
+            <a:endParaRPr kumimoji="0" lang="en-US" sz="2400" b="0" i="0" u="none" strike="noStrike" kern="1200" cap="none" spc="-1" normalizeH="0" baseline="0" noProof="0" dirty="0">
+              <a:ln>
+                <a:noFill/>
+              </a:ln>
+              <a:solidFill>
+                <a:srgbClr val="444444"/>
+              </a:solidFill>
+              <a:effectLst/>
+              <a:uLnTx/>
+              <a:uFillTx/>
+              <a:latin typeface="Arial"/>
+              <a:ea typeface="+mn-ea"/>
+              <a:cs typeface="+mn-cs"/>
+            </a:endParaRPr>
+          </a:p>
+          <a:p>
+            <a:pPr marL="0" marR="0" lvl="0" indent="0" algn="l" defTabSz="914400" rtl="0" eaLnBrk="1" fontAlgn="auto" latinLnBrk="0" hangingPunct="1">
+              <a:lnSpc>
+                <a:spcPct val="90000"/>
+              </a:lnSpc>
+              <a:spcBef>
+                <a:spcPts val="1332"/>
+              </a:spcBef>
+              <a:spcAft>
+                <a:spcPts val="0"/>
+              </a:spcAft>
+              <a:buClrTx/>
+              <a:buSzTx/>
+              <a:buFontTx/>
+              <a:buNone/>
+              <a:tabLst/>
+              <a:defRPr/>
+            </a:pPr>
+            <a:r>
+              <a:rPr kumimoji="0" lang="en-US" sz="2400" b="0" i="0" u="none" strike="noStrike" kern="1200" cap="none" spc="-1" normalizeH="0" baseline="0" noProof="0" dirty="0">
+                <a:ln>
+                  <a:noFill/>
+                </a:ln>
+                <a:solidFill>
+                  <a:srgbClr val="000000"/>
+                </a:solidFill>
+                <a:effectLst/>
+                <a:uLnTx/>
+                <a:uFillTx/>
+                <a:latin typeface="Arial"/>
+                <a:ea typeface="DejaVu Sans"/>
+                <a:cs typeface="+mn-cs"/>
+              </a:rPr>
+              <a:t>● </a:t>
+            </a:r>
+            <a:r>
+              <a:rPr kumimoji="0" lang="en-US" sz="2400" b="0" i="0" u="none" strike="noStrike" kern="1200" cap="none" spc="-1" normalizeH="0" baseline="0" noProof="0" dirty="0">
+                <a:ln>
+                  <a:noFill/>
+                </a:ln>
+                <a:solidFill>
+                  <a:srgbClr val="444444"/>
+                </a:solidFill>
+                <a:effectLst/>
+                <a:uLnTx/>
+                <a:uFillTx/>
+                <a:latin typeface="Arial"/>
+                <a:ea typeface="DejaVu Sans"/>
+                <a:cs typeface="+mn-cs"/>
+              </a:rPr>
+              <a:t>Stored on each worker node in </a:t>
+            </a:r>
+            <a:r>
+              <a:rPr kumimoji="0" lang="en-US" sz="2400" b="0" i="0" u="none" strike="noStrike" kern="1200" cap="none" spc="-1" normalizeH="0" baseline="0" noProof="0" dirty="0" err="1">
+                <a:ln>
+                  <a:noFill/>
+                </a:ln>
+                <a:solidFill>
+                  <a:srgbClr val="444444"/>
+                </a:solidFill>
+                <a:effectLst/>
+                <a:uLnTx/>
+                <a:uFillTx/>
+                <a:latin typeface="Arial"/>
+                <a:ea typeface="DejaVu Sans"/>
+                <a:cs typeface="+mn-cs"/>
+              </a:rPr>
+              <a:t>tmpfs</a:t>
+            </a:r>
+            <a:r>
+              <a:rPr kumimoji="0" lang="en-US" sz="2400" b="0" i="0" u="none" strike="noStrike" kern="1200" cap="none" spc="-1" normalizeH="0" baseline="0" noProof="0" dirty="0">
+                <a:ln>
+                  <a:noFill/>
+                </a:ln>
+                <a:solidFill>
+                  <a:srgbClr val="444444"/>
+                </a:solidFill>
+                <a:effectLst/>
+                <a:uLnTx/>
+                <a:uFillTx/>
+                <a:latin typeface="Arial"/>
+                <a:ea typeface="DejaVu Sans"/>
+                <a:cs typeface="+mn-cs"/>
+              </a:rPr>
+              <a:t> directory.</a:t>
+            </a:r>
+            <a:endParaRPr kumimoji="0" lang="en-US" sz="2400" b="0" i="0" u="none" strike="noStrike" kern="1200" cap="none" spc="-1" normalizeH="0" baseline="0" noProof="0" dirty="0">
+              <a:ln>
+                <a:noFill/>
+              </a:ln>
+              <a:solidFill>
+                <a:srgbClr val="444444"/>
+              </a:solidFill>
+              <a:effectLst/>
+              <a:uLnTx/>
+              <a:uFillTx/>
+              <a:latin typeface="Arial"/>
+              <a:ea typeface="+mn-ea"/>
+              <a:cs typeface="+mn-cs"/>
+            </a:endParaRPr>
+          </a:p>
+          <a:p>
+            <a:pPr marL="0" marR="0" lvl="0" indent="0" algn="l" defTabSz="914400" rtl="0" eaLnBrk="1" fontAlgn="auto" latinLnBrk="0" hangingPunct="1">
+              <a:lnSpc>
+                <a:spcPct val="90000"/>
+              </a:lnSpc>
+              <a:spcBef>
+                <a:spcPts val="1332"/>
+              </a:spcBef>
+              <a:spcAft>
+                <a:spcPts val="0"/>
+              </a:spcAft>
+              <a:buClrTx/>
+              <a:buSzTx/>
+              <a:buFontTx/>
+              <a:buNone/>
+              <a:tabLst/>
+              <a:defRPr/>
+            </a:pPr>
+            <a:r>
+              <a:rPr kumimoji="0" lang="en-US" sz="2400" b="0" i="0" u="none" strike="noStrike" kern="1200" cap="none" spc="-1" normalizeH="0" baseline="0" noProof="0" dirty="0">
+                <a:ln>
+                  <a:noFill/>
+                </a:ln>
+                <a:solidFill>
+                  <a:srgbClr val="000000"/>
+                </a:solidFill>
+                <a:effectLst/>
+                <a:uLnTx/>
+                <a:uFillTx/>
+                <a:latin typeface="Arial"/>
+                <a:ea typeface="DejaVu Sans"/>
+                <a:cs typeface="+mn-cs"/>
+              </a:rPr>
+              <a:t>● </a:t>
+            </a:r>
+            <a:r>
+              <a:rPr kumimoji="0" lang="en-US" sz="2400" b="0" i="0" u="none" strike="noStrike" kern="1200" cap="none" spc="-1" normalizeH="0" baseline="0" noProof="0" dirty="0">
+                <a:ln>
+                  <a:noFill/>
+                </a:ln>
+                <a:solidFill>
+                  <a:srgbClr val="444444"/>
+                </a:solidFill>
+                <a:effectLst/>
+                <a:uLnTx/>
+                <a:uFillTx/>
+                <a:latin typeface="Arial"/>
+                <a:ea typeface="DejaVu Sans"/>
+                <a:cs typeface="+mn-cs"/>
+              </a:rPr>
+              <a:t>Ideal for username/passwords, certificates or other sensitive information that</a:t>
+            </a:r>
+            <a:br>
+              <a:rPr kumimoji="0" lang="en-US" sz="1800" b="0" i="0" u="none" strike="noStrike" kern="1200" cap="none" spc="0" normalizeH="0" baseline="0" noProof="0" dirty="0">
+                <a:ln>
+                  <a:noFill/>
+                </a:ln>
+                <a:solidFill>
+                  <a:srgbClr val="444444"/>
+                </a:solidFill>
+                <a:effectLst/>
+                <a:uLnTx/>
+                <a:uFillTx/>
+                <a:latin typeface="Arial"/>
+                <a:ea typeface="+mn-ea"/>
+                <a:cs typeface="+mn-cs"/>
+              </a:rPr>
+            </a:br>
+            <a:r>
+              <a:rPr kumimoji="0" lang="en-US" sz="2400" b="0" i="0" u="none" strike="noStrike" kern="1200" cap="none" spc="-1" normalizeH="0" baseline="0" noProof="0" dirty="0">
+                <a:ln>
+                  <a:noFill/>
+                </a:ln>
+                <a:solidFill>
+                  <a:srgbClr val="444444"/>
+                </a:solidFill>
+                <a:effectLst/>
+                <a:uLnTx/>
+                <a:uFillTx/>
+                <a:latin typeface="Arial"/>
+                <a:ea typeface="DejaVu Sans"/>
+                <a:cs typeface="+mn-cs"/>
+              </a:rPr>
+              <a:t>   should not be stored in a container.</a:t>
+            </a:r>
+          </a:p>
+          <a:p>
+            <a:pPr marL="0" marR="0" lvl="0" indent="0" algn="l" defTabSz="914400" rtl="0" eaLnBrk="1" fontAlgn="auto" latinLnBrk="0" hangingPunct="1">
+              <a:lnSpc>
+                <a:spcPct val="90000"/>
+              </a:lnSpc>
+              <a:spcBef>
+                <a:spcPts val="1332"/>
+              </a:spcBef>
+              <a:spcAft>
+                <a:spcPts val="0"/>
+              </a:spcAft>
+              <a:buClrTx/>
+              <a:buSzTx/>
+              <a:buFontTx/>
+              <a:buNone/>
+              <a:tabLst/>
+              <a:defRPr/>
+            </a:pPr>
+            <a:r>
+              <a:rPr kumimoji="0" lang="en-US" sz="2400" b="0" i="0" u="none" strike="noStrike" kern="1200" cap="none" spc="-1" normalizeH="0" baseline="0" noProof="0" dirty="0">
+                <a:ln>
+                  <a:noFill/>
+                </a:ln>
+                <a:solidFill>
+                  <a:srgbClr val="000000"/>
+                </a:solidFill>
+                <a:effectLst/>
+                <a:uLnTx/>
+                <a:uFillTx/>
+                <a:latin typeface="Arial"/>
+                <a:ea typeface="DejaVu Sans"/>
+                <a:cs typeface="+mn-cs"/>
+              </a:rPr>
+              <a:t>● </a:t>
+            </a:r>
+            <a:r>
+              <a:rPr kumimoji="0" lang="en-US" sz="2400" b="0" i="0" u="none" strike="noStrike" kern="1200" cap="none" spc="-1" normalizeH="0" baseline="0" noProof="0" dirty="0">
+                <a:ln>
+                  <a:noFill/>
+                </a:ln>
+                <a:solidFill>
+                  <a:srgbClr val="444444"/>
+                </a:solidFill>
+                <a:effectLst/>
+                <a:uLnTx/>
+                <a:uFillTx/>
+                <a:latin typeface="Arial"/>
+                <a:ea typeface="DejaVu Sans"/>
+                <a:cs typeface="+mn-cs"/>
+              </a:rPr>
+              <a:t>Pods can access secrets to secure which users can create Pods. Role-Based   </a:t>
+            </a:r>
+            <a:br>
+              <a:rPr kumimoji="0" lang="en-US" sz="2400" b="0" i="0" u="none" strike="noStrike" kern="1200" cap="none" spc="-1" normalizeH="0" baseline="0" noProof="0" dirty="0">
+                <a:ln>
+                  <a:noFill/>
+                </a:ln>
+                <a:solidFill>
+                  <a:srgbClr val="444444"/>
+                </a:solidFill>
+                <a:effectLst/>
+                <a:uLnTx/>
+                <a:uFillTx/>
+                <a:latin typeface="Arial"/>
+                <a:ea typeface="DejaVu Sans"/>
+                <a:cs typeface="+mn-cs"/>
+              </a:rPr>
+            </a:br>
+            <a:r>
+              <a:rPr kumimoji="0" lang="en-US" sz="2400" b="0" i="0" u="none" strike="noStrike" kern="1200" cap="none" spc="-1" normalizeH="0" baseline="0" noProof="0" dirty="0">
+                <a:ln>
+                  <a:noFill/>
+                </a:ln>
+                <a:solidFill>
+                  <a:srgbClr val="444444"/>
+                </a:solidFill>
+                <a:effectLst/>
+                <a:uLnTx/>
+                <a:uFillTx/>
+                <a:latin typeface="Arial"/>
+                <a:ea typeface="DejaVu Sans"/>
+                <a:cs typeface="+mn-cs"/>
+              </a:rPr>
+              <a:t>   access control (RBAC) can be used.</a:t>
+            </a:r>
+            <a:endParaRPr kumimoji="0" lang="en-US" sz="2400" b="0" i="0" u="none" strike="noStrike" kern="1200" cap="none" spc="-1" normalizeH="0" baseline="0" noProof="0" dirty="0">
+              <a:ln>
+                <a:noFill/>
+              </a:ln>
+              <a:solidFill>
+                <a:srgbClr val="444444"/>
+              </a:solidFill>
+              <a:effectLst/>
+              <a:uLnTx/>
+              <a:uFillTx/>
+              <a:latin typeface="Arial"/>
+              <a:ea typeface="+mn-ea"/>
+              <a:cs typeface="+mn-cs"/>
+            </a:endParaRPr>
+          </a:p>
+          <a:p>
+            <a:pPr marL="0" marR="0" lvl="0" indent="0" algn="l" defTabSz="914400" rtl="0" eaLnBrk="1" fontAlgn="auto" latinLnBrk="0" hangingPunct="1">
+              <a:lnSpc>
+                <a:spcPct val="90000"/>
+              </a:lnSpc>
+              <a:spcBef>
+                <a:spcPts val="1332"/>
+              </a:spcBef>
+              <a:spcAft>
+                <a:spcPts val="0"/>
+              </a:spcAft>
+              <a:buClrTx/>
+              <a:buSzTx/>
+              <a:buFontTx/>
+              <a:buNone/>
+              <a:tabLst/>
+              <a:defRPr/>
+            </a:pPr>
+            <a:endParaRPr kumimoji="0" lang="en-US" sz="2400" b="0" i="0" u="none" strike="noStrike" kern="1200" cap="none" spc="-1" normalizeH="0" baseline="0" noProof="0" dirty="0">
+              <a:ln>
+                <a:noFill/>
+              </a:ln>
+              <a:solidFill>
+                <a:srgbClr val="444444"/>
+              </a:solidFill>
+              <a:effectLst/>
+              <a:uLnTx/>
+              <a:uFillTx/>
+              <a:latin typeface="Arial"/>
+              <a:ea typeface="+mn-ea"/>
+              <a:cs typeface="+mn-cs"/>
+            </a:endParaRPr>
+          </a:p>
+        </p:txBody>
+      </p:sp>
+    </p:spTree>
+    <p:extLst>
+      <p:ext uri="{BB962C8B-B14F-4D97-AF65-F5344CB8AC3E}">
+        <p14:creationId xmlns:p14="http://schemas.microsoft.com/office/powerpoint/2010/main" val="1024311488"/>
+      </p:ext>
+    </p:extLst>
+  </p:cSld>
+  <p:clrMapOvr>
+    <a:masterClrMapping/>
+  </p:clrMapOvr>
+</p:sld>
+</file>
+
+<file path=ppt/slides/slide31.xml><?xml version="1.0" encoding="utf-8"?>
+<p:sld xmlns:a="http://schemas.openxmlformats.org/drawingml/2006/main" xmlns:r="http://schemas.openxmlformats.org/officeDocument/2006/relationships" xmlns:p="http://schemas.openxmlformats.org/presentationml/2006/main">
+  <p:cSld>
+    <p:spTree>
+      <p:nvGrpSpPr>
+        <p:cNvPr id="1" name=""/>
+        <p:cNvGrpSpPr/>
+        <p:nvPr/>
+      </p:nvGrpSpPr>
+      <p:grpSpPr>
+        <a:xfrm>
+          <a:off x="0" y="0"/>
+          <a:ext cx="0" cy="0"/>
+          <a:chOff x="0" y="0"/>
+          <a:chExt cx="0" cy="0"/>
+        </a:xfrm>
+      </p:grpSpPr>
+      <p:sp>
+        <p:nvSpPr>
+          <p:cNvPr id="2" name="Title 1">
+            <a:extLst>
+              <a:ext uri="{FF2B5EF4-FFF2-40B4-BE49-F238E27FC236}">
+                <a16:creationId xmlns:a16="http://schemas.microsoft.com/office/drawing/2014/main" id="{CCEF3CFE-0B7F-4DEF-8C96-DE6E83B27AFB}"/>
+              </a:ext>
+            </a:extLst>
+          </p:cNvPr>
+          <p:cNvSpPr>
+            <a:spLocks noGrp="1"/>
+          </p:cNvSpPr>
+          <p:nvPr>
+            <p:ph type="title"/>
+          </p:nvPr>
+        </p:nvSpPr>
+        <p:spPr>
+          <a:xfrm>
+            <a:off x="295396" y="257038"/>
+            <a:ext cx="11430000" cy="517001"/>
+          </a:xfrm>
+        </p:spPr>
+        <p:txBody>
+          <a:bodyPr wrap="square" lIns="0" tIns="0" rIns="0" bIns="0">
+            <a:spAutoFit/>
+          </a:bodyPr>
+          <a:lstStyle/>
+          <a:p>
+            <a:r>
+              <a:rPr lang="en-IN" dirty="0"/>
+              <a:t>Creating a Secret</a:t>
+            </a:r>
+          </a:p>
+        </p:txBody>
+      </p:sp>
+      <p:sp>
+        <p:nvSpPr>
+          <p:cNvPr id="4" name="Title 1">
+            <a:extLst>
+              <a:ext uri="{FF2B5EF4-FFF2-40B4-BE49-F238E27FC236}">
+                <a16:creationId xmlns:a16="http://schemas.microsoft.com/office/drawing/2014/main" id="{6C4997DC-9969-4B76-B9D0-A746EC8848FE}"/>
+              </a:ext>
+            </a:extLst>
+          </p:cNvPr>
+          <p:cNvSpPr txBox="1">
+            <a:spLocks/>
+          </p:cNvSpPr>
+          <p:nvPr/>
+        </p:nvSpPr>
+        <p:spPr>
+          <a:xfrm>
+            <a:off x="304800" y="962891"/>
+            <a:ext cx="11430000" cy="387798"/>
+          </a:xfrm>
+          <a:prstGeom prst="rect">
+            <a:avLst/>
+          </a:prstGeom>
+        </p:spPr>
+        <p:txBody>
+          <a:bodyPr wrap="square" lIns="0" tIns="0" rIns="0" bIns="0">
+            <a:spAutoFit/>
+          </a:bodyPr>
+          <a:lstStyle>
+            <a:lvl1pPr algn="l" defTabSz="914377" rtl="0" eaLnBrk="1" latinLnBrk="0" hangingPunct="1">
+              <a:lnSpc>
+                <a:spcPct val="90000"/>
+              </a:lnSpc>
+              <a:spcBef>
+                <a:spcPct val="0"/>
+              </a:spcBef>
+              <a:buNone/>
+              <a:defRPr sz="3733" kern="1200">
+                <a:solidFill>
+                  <a:schemeClr val="bg1"/>
+                </a:solidFill>
+                <a:latin typeface="Arial" panose="020B0604020202020204" pitchFamily="34" charset="0"/>
+                <a:ea typeface="+mj-ea"/>
+                <a:cs typeface="+mj-cs"/>
+              </a:defRPr>
+            </a:lvl1pPr>
+          </a:lstStyle>
+          <a:p>
+            <a:pPr marL="0" marR="0" lvl="0" indent="0" algn="l" defTabSz="914377" rtl="0" eaLnBrk="1" fontAlgn="auto" latinLnBrk="0" hangingPunct="1">
+              <a:lnSpc>
+                <a:spcPct val="90000"/>
+              </a:lnSpc>
+              <a:spcBef>
+                <a:spcPct val="0"/>
+              </a:spcBef>
+              <a:spcAft>
+                <a:spcPts val="0"/>
+              </a:spcAft>
+              <a:buClrTx/>
+              <a:buSzTx/>
+              <a:buFontTx/>
+              <a:buNone/>
+              <a:tabLst/>
+              <a:defRPr/>
+            </a:pPr>
+            <a:r>
+              <a:rPr kumimoji="0" lang="en-IN" sz="2800" b="0" i="0" u="none" strike="noStrike" kern="1200" cap="none" spc="0" normalizeH="0" baseline="0" noProof="0" dirty="0">
+                <a:ln>
+                  <a:noFill/>
+                </a:ln>
+                <a:solidFill>
+                  <a:srgbClr val="0076CE"/>
+                </a:solidFill>
+                <a:effectLst/>
+                <a:uLnTx/>
+                <a:uFillTx/>
+                <a:latin typeface="Arial" panose="020B0604020202020204" pitchFamily="34" charset="0"/>
+                <a:ea typeface="+mj-ea"/>
+                <a:cs typeface="+mj-cs"/>
+              </a:rPr>
+              <a:t>Secrets can be created using </a:t>
+            </a:r>
+            <a:r>
+              <a:rPr kumimoji="0" lang="en-IN" sz="2800" b="0" i="1" u="none" strike="noStrike" kern="1200" cap="none" spc="0" normalizeH="0" baseline="0" noProof="0" dirty="0" err="1">
+                <a:ln>
+                  <a:noFill/>
+                </a:ln>
+                <a:solidFill>
+                  <a:srgbClr val="0076CE"/>
+                </a:solidFill>
+                <a:effectLst/>
+                <a:uLnTx/>
+                <a:uFillTx/>
+                <a:latin typeface="Arial" panose="020B0604020202020204" pitchFamily="34" charset="0"/>
+                <a:ea typeface="+mj-ea"/>
+                <a:cs typeface="+mj-cs"/>
+              </a:rPr>
+              <a:t>kubectl</a:t>
+            </a:r>
+            <a:r>
+              <a:rPr kumimoji="0" lang="en-IN" sz="2800" b="0" i="1" u="none" strike="noStrike" kern="1200" cap="none" spc="0" normalizeH="0" baseline="0" noProof="0" dirty="0">
+                <a:ln>
+                  <a:noFill/>
+                </a:ln>
+                <a:solidFill>
+                  <a:srgbClr val="0076CE"/>
+                </a:solidFill>
+                <a:effectLst/>
+                <a:uLnTx/>
+                <a:uFillTx/>
+                <a:latin typeface="Arial" panose="020B0604020202020204" pitchFamily="34" charset="0"/>
+                <a:ea typeface="+mj-ea"/>
+                <a:cs typeface="+mj-cs"/>
+              </a:rPr>
+              <a:t> create secret</a:t>
+            </a:r>
+          </a:p>
+        </p:txBody>
+      </p:sp>
+      <p:sp>
+        <p:nvSpPr>
+          <p:cNvPr id="5" name="Rectangle 4">
+            <a:extLst>
+              <a:ext uri="{FF2B5EF4-FFF2-40B4-BE49-F238E27FC236}">
+                <a16:creationId xmlns:a16="http://schemas.microsoft.com/office/drawing/2014/main" id="{DD59ED6D-2295-47DB-AF62-7920CFB4FB04}"/>
+              </a:ext>
+            </a:extLst>
+          </p:cNvPr>
+          <p:cNvSpPr/>
+          <p:nvPr/>
+        </p:nvSpPr>
+        <p:spPr>
+          <a:xfrm>
+            <a:off x="580144" y="2340057"/>
+            <a:ext cx="10258926" cy="2862322"/>
+          </a:xfrm>
+          <a:prstGeom prst="rect">
+            <a:avLst/>
+          </a:prstGeom>
+        </p:spPr>
+        <p:txBody>
+          <a:bodyPr wrap="square">
+            <a:spAutoFit/>
+          </a:bodyPr>
+          <a:lstStyle/>
+          <a:p>
+            <a:pPr marL="0" marR="0" lvl="0" indent="0" algn="l" defTabSz="914400" rtl="0" eaLnBrk="1" fontAlgn="auto" latinLnBrk="0" hangingPunct="1">
+              <a:lnSpc>
+                <a:spcPct val="100000"/>
+              </a:lnSpc>
+              <a:spcBef>
+                <a:spcPts val="0"/>
+              </a:spcBef>
+              <a:spcAft>
+                <a:spcPts val="0"/>
+              </a:spcAft>
+              <a:buClrTx/>
+              <a:buSzTx/>
+              <a:buFontTx/>
+              <a:buNone/>
+              <a:tabLst/>
+              <a:defRPr/>
+            </a:pPr>
+            <a:r>
+              <a:rPr kumimoji="0" lang="en-US" sz="1800" b="0" i="0" u="none" strike="noStrike" kern="1200" cap="none" spc="0" normalizeH="0" baseline="0" noProof="0" dirty="0">
+                <a:ln>
+                  <a:noFill/>
+                </a:ln>
+                <a:solidFill>
+                  <a:srgbClr val="444444"/>
+                </a:solidFill>
+                <a:effectLst/>
+                <a:uLnTx/>
+                <a:uFillTx/>
+                <a:latin typeface="Arial"/>
+                <a:ea typeface="+mn-ea"/>
+                <a:cs typeface="+mn-cs"/>
+              </a:rPr>
+              <a:t>  # Create a new secret named my-secret with keys for each file in folder bar</a:t>
+            </a:r>
+          </a:p>
+          <a:p>
+            <a:pPr marL="0" marR="0" lvl="0" indent="0" algn="l" defTabSz="914400" rtl="0" eaLnBrk="1" fontAlgn="auto" latinLnBrk="0" hangingPunct="1">
+              <a:lnSpc>
+                <a:spcPct val="100000"/>
+              </a:lnSpc>
+              <a:spcBef>
+                <a:spcPts val="0"/>
+              </a:spcBef>
+              <a:spcAft>
+                <a:spcPts val="0"/>
+              </a:spcAft>
+              <a:buClrTx/>
+              <a:buSzTx/>
+              <a:buFontTx/>
+              <a:buNone/>
+              <a:tabLst/>
+              <a:defRPr/>
+            </a:pPr>
+            <a:r>
+              <a:rPr kumimoji="0" lang="en-US" sz="1800" b="0" i="0" u="none" strike="noStrike" kern="1200" cap="none" spc="0" normalizeH="0" baseline="0" noProof="0" dirty="0">
+                <a:ln>
+                  <a:noFill/>
+                </a:ln>
+                <a:solidFill>
+                  <a:srgbClr val="444444"/>
+                </a:solidFill>
+                <a:effectLst/>
+                <a:uLnTx/>
+                <a:uFillTx/>
+                <a:latin typeface="Arial"/>
+                <a:ea typeface="+mn-ea"/>
+                <a:cs typeface="+mn-cs"/>
+              </a:rPr>
+              <a:t>  $ </a:t>
+            </a:r>
+            <a:r>
+              <a:rPr kumimoji="0" lang="en-US" sz="1800" b="0" i="0" u="none" strike="noStrike" kern="1200" cap="none" spc="0" normalizeH="0" baseline="0" noProof="0" dirty="0" err="1">
+                <a:ln>
+                  <a:noFill/>
+                </a:ln>
+                <a:solidFill>
+                  <a:srgbClr val="444444"/>
+                </a:solidFill>
+                <a:effectLst/>
+                <a:uLnTx/>
+                <a:uFillTx/>
+                <a:latin typeface="Arial"/>
+                <a:ea typeface="+mn-ea"/>
+                <a:cs typeface="+mn-cs"/>
+              </a:rPr>
+              <a:t>kubectl</a:t>
+            </a:r>
+            <a:r>
+              <a:rPr kumimoji="0" lang="en-US" sz="1800" b="0" i="0" u="none" strike="noStrike" kern="1200" cap="none" spc="0" normalizeH="0" baseline="0" noProof="0" dirty="0">
+                <a:ln>
+                  <a:noFill/>
+                </a:ln>
+                <a:solidFill>
+                  <a:srgbClr val="444444"/>
+                </a:solidFill>
+                <a:effectLst/>
+                <a:uLnTx/>
+                <a:uFillTx/>
+                <a:latin typeface="Arial"/>
+                <a:ea typeface="+mn-ea"/>
+                <a:cs typeface="+mn-cs"/>
+              </a:rPr>
+              <a:t> create secret generic my-secret --from-file=path/to/bar</a:t>
+            </a:r>
+          </a:p>
+          <a:p>
+            <a:pPr marL="0" marR="0" lvl="0" indent="0" algn="l" defTabSz="914400" rtl="0" eaLnBrk="1" fontAlgn="auto" latinLnBrk="0" hangingPunct="1">
+              <a:lnSpc>
+                <a:spcPct val="100000"/>
+              </a:lnSpc>
+              <a:spcBef>
+                <a:spcPts val="0"/>
+              </a:spcBef>
+              <a:spcAft>
+                <a:spcPts val="0"/>
+              </a:spcAft>
+              <a:buClrTx/>
+              <a:buSzTx/>
+              <a:buFontTx/>
+              <a:buNone/>
+              <a:tabLst/>
+              <a:defRPr/>
+            </a:pPr>
+            <a:endParaRPr kumimoji="0" lang="en-US" sz="1800" b="0" i="0" u="none" strike="noStrike" kern="1200" cap="none" spc="0" normalizeH="0" baseline="0" noProof="0" dirty="0">
+              <a:ln>
+                <a:noFill/>
+              </a:ln>
+              <a:solidFill>
+                <a:srgbClr val="444444"/>
+              </a:solidFill>
+              <a:effectLst/>
+              <a:uLnTx/>
+              <a:uFillTx/>
+              <a:latin typeface="Arial"/>
+              <a:ea typeface="+mn-ea"/>
+              <a:cs typeface="+mn-cs"/>
+            </a:endParaRPr>
+          </a:p>
+          <a:p>
+            <a:pPr marL="0" marR="0" lvl="0" indent="0" algn="l" defTabSz="914400" rtl="0" eaLnBrk="1" fontAlgn="auto" latinLnBrk="0" hangingPunct="1">
+              <a:lnSpc>
+                <a:spcPct val="100000"/>
+              </a:lnSpc>
+              <a:spcBef>
+                <a:spcPts val="0"/>
+              </a:spcBef>
+              <a:spcAft>
+                <a:spcPts val="0"/>
+              </a:spcAft>
+              <a:buClrTx/>
+              <a:buSzTx/>
+              <a:buFontTx/>
+              <a:buNone/>
+              <a:tabLst/>
+              <a:defRPr/>
+            </a:pPr>
+            <a:r>
+              <a:rPr kumimoji="0" lang="en-US" sz="1800" b="0" i="0" u="none" strike="noStrike" kern="1200" cap="none" spc="0" normalizeH="0" baseline="0" noProof="0" dirty="0">
+                <a:ln>
+                  <a:noFill/>
+                </a:ln>
+                <a:solidFill>
+                  <a:srgbClr val="444444"/>
+                </a:solidFill>
+                <a:effectLst/>
+                <a:uLnTx/>
+                <a:uFillTx/>
+                <a:latin typeface="Arial"/>
+                <a:ea typeface="+mn-ea"/>
+                <a:cs typeface="+mn-cs"/>
+              </a:rPr>
+              <a:t>  # Create a new secret named my-secret with specified keys instead of names on disk</a:t>
+            </a:r>
+          </a:p>
+          <a:p>
+            <a:pPr marL="0" marR="0" lvl="0" indent="0" algn="l" defTabSz="914400" rtl="0" eaLnBrk="1" fontAlgn="auto" latinLnBrk="0" hangingPunct="1">
+              <a:lnSpc>
+                <a:spcPct val="100000"/>
+              </a:lnSpc>
+              <a:spcBef>
+                <a:spcPts val="0"/>
+              </a:spcBef>
+              <a:spcAft>
+                <a:spcPts val="0"/>
+              </a:spcAft>
+              <a:buClrTx/>
+              <a:buSzTx/>
+              <a:buFontTx/>
+              <a:buNone/>
+              <a:tabLst/>
+              <a:defRPr/>
+            </a:pPr>
+            <a:r>
+              <a:rPr kumimoji="0" lang="en-US" sz="1800" b="0" i="0" u="none" strike="noStrike" kern="1200" cap="none" spc="0" normalizeH="0" baseline="0" noProof="0" dirty="0">
+                <a:ln>
+                  <a:noFill/>
+                </a:ln>
+                <a:solidFill>
+                  <a:srgbClr val="444444"/>
+                </a:solidFill>
+                <a:effectLst/>
+                <a:uLnTx/>
+                <a:uFillTx/>
+                <a:latin typeface="Arial"/>
+                <a:ea typeface="+mn-ea"/>
+                <a:cs typeface="+mn-cs"/>
+              </a:rPr>
+              <a:t>  $ </a:t>
+            </a:r>
+            <a:r>
+              <a:rPr kumimoji="0" lang="en-US" sz="1800" b="0" i="0" u="none" strike="noStrike" kern="1200" cap="none" spc="0" normalizeH="0" baseline="0" noProof="0" dirty="0" err="1">
+                <a:ln>
+                  <a:noFill/>
+                </a:ln>
+                <a:solidFill>
+                  <a:srgbClr val="444444"/>
+                </a:solidFill>
+                <a:effectLst/>
+                <a:uLnTx/>
+                <a:uFillTx/>
+                <a:latin typeface="Arial"/>
+                <a:ea typeface="+mn-ea"/>
+                <a:cs typeface="+mn-cs"/>
+              </a:rPr>
+              <a:t>kubectl</a:t>
+            </a:r>
+            <a:r>
+              <a:rPr kumimoji="0" lang="en-US" sz="1800" b="0" i="0" u="none" strike="noStrike" kern="1200" cap="none" spc="0" normalizeH="0" baseline="0" noProof="0" dirty="0">
+                <a:ln>
+                  <a:noFill/>
+                </a:ln>
+                <a:solidFill>
+                  <a:srgbClr val="444444"/>
+                </a:solidFill>
+                <a:effectLst/>
+                <a:uLnTx/>
+                <a:uFillTx/>
+                <a:latin typeface="Arial"/>
+                <a:ea typeface="+mn-ea"/>
+                <a:cs typeface="+mn-cs"/>
+              </a:rPr>
+              <a:t> create secret generic my-secret --from-file=</a:t>
+            </a:r>
+            <a:r>
+              <a:rPr kumimoji="0" lang="en-US" sz="1800" b="0" i="0" u="none" strike="noStrike" kern="1200" cap="none" spc="0" normalizeH="0" baseline="0" noProof="0" dirty="0" err="1">
+                <a:ln>
+                  <a:noFill/>
+                </a:ln>
+                <a:solidFill>
+                  <a:srgbClr val="444444"/>
+                </a:solidFill>
+                <a:effectLst/>
+                <a:uLnTx/>
+                <a:uFillTx/>
+                <a:latin typeface="Arial"/>
+                <a:ea typeface="+mn-ea"/>
+                <a:cs typeface="+mn-cs"/>
+              </a:rPr>
+              <a:t>ssh-privatekey</a:t>
+            </a:r>
+            <a:r>
+              <a:rPr kumimoji="0" lang="en-US" sz="1800" b="0" i="0" u="none" strike="noStrike" kern="1200" cap="none" spc="0" normalizeH="0" baseline="0" noProof="0" dirty="0">
+                <a:ln>
+                  <a:noFill/>
+                </a:ln>
+                <a:solidFill>
+                  <a:srgbClr val="444444"/>
+                </a:solidFill>
+                <a:effectLst/>
+                <a:uLnTx/>
+                <a:uFillTx/>
+                <a:latin typeface="Arial"/>
+                <a:ea typeface="+mn-ea"/>
+                <a:cs typeface="+mn-cs"/>
+              </a:rPr>
+              <a:t>=~/.</a:t>
+            </a:r>
+            <a:r>
+              <a:rPr kumimoji="0" lang="en-US" sz="1800" b="0" i="0" u="none" strike="noStrike" kern="1200" cap="none" spc="0" normalizeH="0" baseline="0" noProof="0" dirty="0" err="1">
+                <a:ln>
+                  <a:noFill/>
+                </a:ln>
+                <a:solidFill>
+                  <a:srgbClr val="444444"/>
+                </a:solidFill>
+                <a:effectLst/>
+                <a:uLnTx/>
+                <a:uFillTx/>
+                <a:latin typeface="Arial"/>
+                <a:ea typeface="+mn-ea"/>
+                <a:cs typeface="+mn-cs"/>
+              </a:rPr>
+              <a:t>ssh</a:t>
+            </a:r>
+            <a:r>
+              <a:rPr kumimoji="0" lang="en-US" sz="1800" b="0" i="0" u="none" strike="noStrike" kern="1200" cap="none" spc="0" normalizeH="0" baseline="0" noProof="0" dirty="0">
+                <a:ln>
+                  <a:noFill/>
+                </a:ln>
+                <a:solidFill>
+                  <a:srgbClr val="444444"/>
+                </a:solidFill>
+                <a:effectLst/>
+                <a:uLnTx/>
+                <a:uFillTx/>
+                <a:latin typeface="Arial"/>
+                <a:ea typeface="+mn-ea"/>
+                <a:cs typeface="+mn-cs"/>
+              </a:rPr>
+              <a:t>/</a:t>
+            </a:r>
+            <a:r>
+              <a:rPr kumimoji="0" lang="en-US" sz="1800" b="0" i="0" u="none" strike="noStrike" kern="1200" cap="none" spc="0" normalizeH="0" baseline="0" noProof="0" dirty="0" err="1">
+                <a:ln>
+                  <a:noFill/>
+                </a:ln>
+                <a:solidFill>
+                  <a:srgbClr val="444444"/>
+                </a:solidFill>
+                <a:effectLst/>
+                <a:uLnTx/>
+                <a:uFillTx/>
+                <a:latin typeface="Arial"/>
+                <a:ea typeface="+mn-ea"/>
+                <a:cs typeface="+mn-cs"/>
+              </a:rPr>
+              <a:t>id_rsa</a:t>
+            </a:r>
+            <a:r>
+              <a:rPr kumimoji="0" lang="en-US" sz="1800" b="0" i="0" u="none" strike="noStrike" kern="1200" cap="none" spc="0" normalizeH="0" baseline="0" noProof="0" dirty="0">
+                <a:ln>
+                  <a:noFill/>
+                </a:ln>
+                <a:solidFill>
+                  <a:srgbClr val="444444"/>
+                </a:solidFill>
+                <a:effectLst/>
+                <a:uLnTx/>
+                <a:uFillTx/>
+                <a:latin typeface="Arial"/>
+                <a:ea typeface="+mn-ea"/>
+                <a:cs typeface="+mn-cs"/>
+              </a:rPr>
+              <a:t> --from-file=</a:t>
+            </a:r>
+            <a:r>
+              <a:rPr kumimoji="0" lang="en-US" sz="1800" b="0" i="0" u="none" strike="noStrike" kern="1200" cap="none" spc="0" normalizeH="0" baseline="0" noProof="0" dirty="0" err="1">
+                <a:ln>
+                  <a:noFill/>
+                </a:ln>
+                <a:solidFill>
+                  <a:srgbClr val="444444"/>
+                </a:solidFill>
+                <a:effectLst/>
+                <a:uLnTx/>
+                <a:uFillTx/>
+                <a:latin typeface="Arial"/>
+                <a:ea typeface="+mn-ea"/>
+                <a:cs typeface="+mn-cs"/>
+              </a:rPr>
+              <a:t>ssh</a:t>
+            </a:r>
+            <a:r>
+              <a:rPr kumimoji="0" lang="en-US" sz="1800" b="0" i="0" u="none" strike="noStrike" kern="1200" cap="none" spc="0" normalizeH="0" baseline="0" noProof="0" dirty="0">
+                <a:ln>
+                  <a:noFill/>
+                </a:ln>
+                <a:solidFill>
+                  <a:srgbClr val="444444"/>
+                </a:solidFill>
+                <a:effectLst/>
+                <a:uLnTx/>
+                <a:uFillTx/>
+                <a:latin typeface="Arial"/>
+                <a:ea typeface="+mn-ea"/>
+                <a:cs typeface="+mn-cs"/>
+              </a:rPr>
+              <a:t>-</a:t>
+            </a:r>
+            <a:br>
+              <a:rPr kumimoji="0" lang="en-US" sz="1800" b="0" i="0" u="none" strike="noStrike" kern="1200" cap="none" spc="0" normalizeH="0" baseline="0" noProof="0" dirty="0">
+                <a:ln>
+                  <a:noFill/>
+                </a:ln>
+                <a:solidFill>
+                  <a:srgbClr val="444444"/>
+                </a:solidFill>
+                <a:effectLst/>
+                <a:uLnTx/>
+                <a:uFillTx/>
+                <a:latin typeface="Arial"/>
+                <a:ea typeface="+mn-ea"/>
+                <a:cs typeface="+mn-cs"/>
+              </a:rPr>
+            </a:br>
+            <a:r>
+              <a:rPr kumimoji="0" lang="en-US" sz="1800" b="0" i="0" u="none" strike="noStrike" kern="1200" cap="none" spc="0" normalizeH="0" baseline="0" noProof="0" dirty="0">
+                <a:ln>
+                  <a:noFill/>
+                </a:ln>
+                <a:solidFill>
+                  <a:srgbClr val="444444"/>
+                </a:solidFill>
+                <a:effectLst/>
+                <a:uLnTx/>
+                <a:uFillTx/>
+                <a:latin typeface="Arial"/>
+                <a:ea typeface="+mn-ea"/>
+                <a:cs typeface="+mn-cs"/>
+              </a:rPr>
+              <a:t>     </a:t>
+            </a:r>
+            <a:r>
+              <a:rPr kumimoji="0" lang="en-US" sz="1800" b="0" i="0" u="none" strike="noStrike" kern="1200" cap="none" spc="0" normalizeH="0" baseline="0" noProof="0" dirty="0" err="1">
+                <a:ln>
+                  <a:noFill/>
+                </a:ln>
+                <a:solidFill>
+                  <a:srgbClr val="444444"/>
+                </a:solidFill>
+                <a:effectLst/>
+                <a:uLnTx/>
+                <a:uFillTx/>
+                <a:latin typeface="Arial"/>
+                <a:ea typeface="+mn-ea"/>
+                <a:cs typeface="+mn-cs"/>
+              </a:rPr>
+              <a:t>publickey</a:t>
+            </a:r>
+            <a:r>
+              <a:rPr kumimoji="0" lang="en-US" sz="1800" b="0" i="0" u="none" strike="noStrike" kern="1200" cap="none" spc="0" normalizeH="0" baseline="0" noProof="0" dirty="0">
+                <a:ln>
+                  <a:noFill/>
+                </a:ln>
+                <a:solidFill>
+                  <a:srgbClr val="444444"/>
+                </a:solidFill>
+                <a:effectLst/>
+                <a:uLnTx/>
+                <a:uFillTx/>
+                <a:latin typeface="Arial"/>
+                <a:ea typeface="+mn-ea"/>
+                <a:cs typeface="+mn-cs"/>
+              </a:rPr>
+              <a:t>=~/.</a:t>
+            </a:r>
+            <a:r>
+              <a:rPr kumimoji="0" lang="en-US" sz="1800" b="0" i="0" u="none" strike="noStrike" kern="1200" cap="none" spc="0" normalizeH="0" baseline="0" noProof="0" dirty="0" err="1">
+                <a:ln>
+                  <a:noFill/>
+                </a:ln>
+                <a:solidFill>
+                  <a:srgbClr val="444444"/>
+                </a:solidFill>
+                <a:effectLst/>
+                <a:uLnTx/>
+                <a:uFillTx/>
+                <a:latin typeface="Arial"/>
+                <a:ea typeface="+mn-ea"/>
+                <a:cs typeface="+mn-cs"/>
+              </a:rPr>
+              <a:t>ssh</a:t>
+            </a:r>
+            <a:r>
+              <a:rPr kumimoji="0" lang="en-US" sz="1800" b="0" i="0" u="none" strike="noStrike" kern="1200" cap="none" spc="0" normalizeH="0" baseline="0" noProof="0" dirty="0">
+                <a:ln>
+                  <a:noFill/>
+                </a:ln>
+                <a:solidFill>
+                  <a:srgbClr val="444444"/>
+                </a:solidFill>
+                <a:effectLst/>
+                <a:uLnTx/>
+                <a:uFillTx/>
+                <a:latin typeface="Arial"/>
+                <a:ea typeface="+mn-ea"/>
+                <a:cs typeface="+mn-cs"/>
+              </a:rPr>
+              <a:t>/id_rsa.pub</a:t>
+            </a:r>
+          </a:p>
+          <a:p>
+            <a:pPr marL="0" marR="0" lvl="0" indent="0" algn="l" defTabSz="914400" rtl="0" eaLnBrk="1" fontAlgn="auto" latinLnBrk="0" hangingPunct="1">
+              <a:lnSpc>
+                <a:spcPct val="100000"/>
+              </a:lnSpc>
+              <a:spcBef>
+                <a:spcPts val="0"/>
+              </a:spcBef>
+              <a:spcAft>
+                <a:spcPts val="0"/>
+              </a:spcAft>
+              <a:buClrTx/>
+              <a:buSzTx/>
+              <a:buFontTx/>
+              <a:buNone/>
+              <a:tabLst/>
+              <a:defRPr/>
+            </a:pPr>
+            <a:endParaRPr kumimoji="0" lang="en-US" sz="1800" b="0" i="0" u="none" strike="noStrike" kern="1200" cap="none" spc="0" normalizeH="0" baseline="0" noProof="0" dirty="0">
+              <a:ln>
+                <a:noFill/>
+              </a:ln>
+              <a:solidFill>
+                <a:srgbClr val="444444"/>
+              </a:solidFill>
+              <a:effectLst/>
+              <a:uLnTx/>
+              <a:uFillTx/>
+              <a:latin typeface="Arial"/>
+              <a:ea typeface="+mn-ea"/>
+              <a:cs typeface="+mn-cs"/>
+            </a:endParaRPr>
+          </a:p>
+          <a:p>
+            <a:pPr marL="0" marR="0" lvl="0" indent="0" algn="l" defTabSz="914400" rtl="0" eaLnBrk="1" fontAlgn="auto" latinLnBrk="0" hangingPunct="1">
+              <a:lnSpc>
+                <a:spcPct val="100000"/>
+              </a:lnSpc>
+              <a:spcBef>
+                <a:spcPts val="0"/>
+              </a:spcBef>
+              <a:spcAft>
+                <a:spcPts val="0"/>
+              </a:spcAft>
+              <a:buClrTx/>
+              <a:buSzTx/>
+              <a:buFontTx/>
+              <a:buNone/>
+              <a:tabLst/>
+              <a:defRPr/>
+            </a:pPr>
+            <a:r>
+              <a:rPr kumimoji="0" lang="en-US" sz="1800" b="0" i="0" u="none" strike="noStrike" kern="1200" cap="none" spc="0" normalizeH="0" baseline="0" noProof="0" dirty="0">
+                <a:ln>
+                  <a:noFill/>
+                </a:ln>
+                <a:solidFill>
+                  <a:srgbClr val="444444"/>
+                </a:solidFill>
+                <a:effectLst/>
+                <a:uLnTx/>
+                <a:uFillTx/>
+                <a:latin typeface="Arial"/>
+                <a:ea typeface="+mn-ea"/>
+                <a:cs typeface="+mn-cs"/>
+              </a:rPr>
+              <a:t>  # Create a new secret named my-secret with key1=</a:t>
+            </a:r>
+            <a:r>
+              <a:rPr kumimoji="0" lang="en-US" sz="1800" b="0" i="0" u="none" strike="noStrike" kern="1200" cap="none" spc="0" normalizeH="0" baseline="0" noProof="0" dirty="0" err="1">
+                <a:ln>
+                  <a:noFill/>
+                </a:ln>
+                <a:solidFill>
+                  <a:srgbClr val="444444"/>
+                </a:solidFill>
+                <a:effectLst/>
+                <a:uLnTx/>
+                <a:uFillTx/>
+                <a:latin typeface="Arial"/>
+                <a:ea typeface="+mn-ea"/>
+                <a:cs typeface="+mn-cs"/>
+              </a:rPr>
+              <a:t>supersecret</a:t>
+            </a:r>
+            <a:r>
+              <a:rPr kumimoji="0" lang="en-US" sz="1800" b="0" i="0" u="none" strike="noStrike" kern="1200" cap="none" spc="0" normalizeH="0" baseline="0" noProof="0" dirty="0">
+                <a:ln>
+                  <a:noFill/>
+                </a:ln>
+                <a:solidFill>
+                  <a:srgbClr val="444444"/>
+                </a:solidFill>
+                <a:effectLst/>
+                <a:uLnTx/>
+                <a:uFillTx/>
+                <a:latin typeface="Arial"/>
+                <a:ea typeface="+mn-ea"/>
+                <a:cs typeface="+mn-cs"/>
+              </a:rPr>
+              <a:t> and key2=</a:t>
+            </a:r>
+            <a:r>
+              <a:rPr kumimoji="0" lang="en-US" sz="1800" b="0" i="0" u="none" strike="noStrike" kern="1200" cap="none" spc="0" normalizeH="0" baseline="0" noProof="0" dirty="0" err="1">
+                <a:ln>
+                  <a:noFill/>
+                </a:ln>
+                <a:solidFill>
+                  <a:srgbClr val="444444"/>
+                </a:solidFill>
+                <a:effectLst/>
+                <a:uLnTx/>
+                <a:uFillTx/>
+                <a:latin typeface="Arial"/>
+                <a:ea typeface="+mn-ea"/>
+                <a:cs typeface="+mn-cs"/>
+              </a:rPr>
+              <a:t>topsecret</a:t>
+            </a:r>
+            <a:endParaRPr kumimoji="0" lang="en-US" sz="1800" b="0" i="0" u="none" strike="noStrike" kern="1200" cap="none" spc="0" normalizeH="0" baseline="0" noProof="0" dirty="0">
+              <a:ln>
+                <a:noFill/>
+              </a:ln>
+              <a:solidFill>
+                <a:srgbClr val="444444"/>
+              </a:solidFill>
+              <a:effectLst/>
+              <a:uLnTx/>
+              <a:uFillTx/>
+              <a:latin typeface="Arial"/>
+              <a:ea typeface="+mn-ea"/>
+              <a:cs typeface="+mn-cs"/>
+            </a:endParaRPr>
+          </a:p>
+          <a:p>
+            <a:pPr marL="0" marR="0" lvl="0" indent="0" algn="l" defTabSz="914400" rtl="0" eaLnBrk="1" fontAlgn="auto" latinLnBrk="0" hangingPunct="1">
+              <a:lnSpc>
+                <a:spcPct val="100000"/>
+              </a:lnSpc>
+              <a:spcBef>
+                <a:spcPts val="0"/>
+              </a:spcBef>
+              <a:spcAft>
+                <a:spcPts val="0"/>
+              </a:spcAft>
+              <a:buClrTx/>
+              <a:buSzTx/>
+              <a:buFontTx/>
+              <a:buNone/>
+              <a:tabLst/>
+              <a:defRPr/>
+            </a:pPr>
+            <a:r>
+              <a:rPr kumimoji="0" lang="en-US" sz="1800" b="0" i="0" u="none" strike="noStrike" kern="1200" cap="none" spc="0" normalizeH="0" baseline="0" noProof="0" dirty="0">
+                <a:ln>
+                  <a:noFill/>
+                </a:ln>
+                <a:solidFill>
+                  <a:srgbClr val="444444"/>
+                </a:solidFill>
+                <a:effectLst/>
+                <a:uLnTx/>
+                <a:uFillTx/>
+                <a:latin typeface="Arial"/>
+                <a:ea typeface="+mn-ea"/>
+                <a:cs typeface="+mn-cs"/>
+              </a:rPr>
+              <a:t>  $ </a:t>
+            </a:r>
+            <a:r>
+              <a:rPr kumimoji="0" lang="en-US" sz="1800" b="0" i="0" u="none" strike="noStrike" kern="1200" cap="none" spc="0" normalizeH="0" baseline="0" noProof="0" dirty="0" err="1">
+                <a:ln>
+                  <a:noFill/>
+                </a:ln>
+                <a:solidFill>
+                  <a:srgbClr val="444444"/>
+                </a:solidFill>
+                <a:effectLst/>
+                <a:uLnTx/>
+                <a:uFillTx/>
+                <a:latin typeface="Arial"/>
+                <a:ea typeface="+mn-ea"/>
+                <a:cs typeface="+mn-cs"/>
+              </a:rPr>
+              <a:t>kubectl</a:t>
+            </a:r>
+            <a:r>
+              <a:rPr kumimoji="0" lang="en-US" sz="1800" b="0" i="0" u="none" strike="noStrike" kern="1200" cap="none" spc="0" normalizeH="0" baseline="0" noProof="0" dirty="0">
+                <a:ln>
+                  <a:noFill/>
+                </a:ln>
+                <a:solidFill>
+                  <a:srgbClr val="444444"/>
+                </a:solidFill>
+                <a:effectLst/>
+                <a:uLnTx/>
+                <a:uFillTx/>
+                <a:latin typeface="Arial"/>
+                <a:ea typeface="+mn-ea"/>
+                <a:cs typeface="+mn-cs"/>
+              </a:rPr>
+              <a:t> create secret generic my-secret --from-literal=key1=</a:t>
+            </a:r>
+            <a:r>
+              <a:rPr kumimoji="0" lang="en-US" sz="1800" b="0" i="0" u="none" strike="noStrike" kern="1200" cap="none" spc="0" normalizeH="0" baseline="0" noProof="0" dirty="0" err="1">
+                <a:ln>
+                  <a:noFill/>
+                </a:ln>
+                <a:solidFill>
+                  <a:srgbClr val="444444"/>
+                </a:solidFill>
+                <a:effectLst/>
+                <a:uLnTx/>
+                <a:uFillTx/>
+                <a:latin typeface="Arial"/>
+                <a:ea typeface="+mn-ea"/>
+                <a:cs typeface="+mn-cs"/>
+              </a:rPr>
+              <a:t>supersecret</a:t>
+            </a:r>
+            <a:r>
+              <a:rPr kumimoji="0" lang="en-US" sz="1800" b="0" i="0" u="none" strike="noStrike" kern="1200" cap="none" spc="0" normalizeH="0" baseline="0" noProof="0" dirty="0">
+                <a:ln>
+                  <a:noFill/>
+                </a:ln>
+                <a:solidFill>
+                  <a:srgbClr val="444444"/>
+                </a:solidFill>
+                <a:effectLst/>
+                <a:uLnTx/>
+                <a:uFillTx/>
+                <a:latin typeface="Arial"/>
+                <a:ea typeface="+mn-ea"/>
+                <a:cs typeface="+mn-cs"/>
+              </a:rPr>
+              <a:t> --from-   </a:t>
+            </a:r>
+            <a:br>
+              <a:rPr kumimoji="0" lang="en-US" sz="1800" b="0" i="0" u="none" strike="noStrike" kern="1200" cap="none" spc="0" normalizeH="0" baseline="0" noProof="0" dirty="0">
+                <a:ln>
+                  <a:noFill/>
+                </a:ln>
+                <a:solidFill>
+                  <a:srgbClr val="444444"/>
+                </a:solidFill>
+                <a:effectLst/>
+                <a:uLnTx/>
+                <a:uFillTx/>
+                <a:latin typeface="Arial"/>
+                <a:ea typeface="+mn-ea"/>
+                <a:cs typeface="+mn-cs"/>
+              </a:rPr>
+            </a:br>
+            <a:r>
+              <a:rPr kumimoji="0" lang="en-US" sz="1800" b="0" i="0" u="none" strike="noStrike" kern="1200" cap="none" spc="0" normalizeH="0" baseline="0" noProof="0" dirty="0">
+                <a:ln>
+                  <a:noFill/>
+                </a:ln>
+                <a:solidFill>
+                  <a:srgbClr val="444444"/>
+                </a:solidFill>
+                <a:effectLst/>
+                <a:uLnTx/>
+                <a:uFillTx/>
+                <a:latin typeface="Arial"/>
+                <a:ea typeface="+mn-ea"/>
+                <a:cs typeface="+mn-cs"/>
+              </a:rPr>
+              <a:t>     literal=key2=</a:t>
+            </a:r>
+            <a:r>
+              <a:rPr kumimoji="0" lang="en-US" sz="1800" b="0" i="0" u="none" strike="noStrike" kern="1200" cap="none" spc="0" normalizeH="0" baseline="0" noProof="0" dirty="0" err="1">
+                <a:ln>
+                  <a:noFill/>
+                </a:ln>
+                <a:solidFill>
+                  <a:srgbClr val="444444"/>
+                </a:solidFill>
+                <a:effectLst/>
+                <a:uLnTx/>
+                <a:uFillTx/>
+                <a:latin typeface="Arial"/>
+                <a:ea typeface="+mn-ea"/>
+                <a:cs typeface="+mn-cs"/>
+              </a:rPr>
+              <a:t>topsecret</a:t>
+            </a:r>
+            <a:endParaRPr kumimoji="0" lang="en-US" sz="1800" b="0" i="0" u="none" strike="noStrike" kern="1200" cap="none" spc="0" normalizeH="0" baseline="0" noProof="0" dirty="0">
+              <a:ln>
+                <a:noFill/>
+              </a:ln>
+              <a:solidFill>
+                <a:srgbClr val="444444"/>
+              </a:solidFill>
+              <a:effectLst/>
+              <a:uLnTx/>
+              <a:uFillTx/>
+              <a:latin typeface="Arial"/>
+              <a:ea typeface="+mn-ea"/>
+              <a:cs typeface="+mn-cs"/>
+            </a:endParaRPr>
+          </a:p>
+        </p:txBody>
+      </p:sp>
+    </p:spTree>
+    <p:extLst>
+      <p:ext uri="{BB962C8B-B14F-4D97-AF65-F5344CB8AC3E}">
+        <p14:creationId xmlns:p14="http://schemas.microsoft.com/office/powerpoint/2010/main" val="1866588420"/>
+      </p:ext>
+    </p:extLst>
+  </p:cSld>
+  <p:clrMapOvr>
+    <a:masterClrMapping/>
+  </p:clrMapOvr>
+</p:sld>
+</file>
+
+<file path=ppt/slides/slide32.xml><?xml version="1.0" encoding="utf-8"?>
+<p:sld xmlns:a="http://schemas.openxmlformats.org/drawingml/2006/main" xmlns:r="http://schemas.openxmlformats.org/officeDocument/2006/relationships" xmlns:p="http://schemas.openxmlformats.org/presentationml/2006/main">
+  <p:cSld>
+    <p:spTree>
+      <p:nvGrpSpPr>
+        <p:cNvPr id="1" name=""/>
+        <p:cNvGrpSpPr/>
+        <p:nvPr/>
+      </p:nvGrpSpPr>
+      <p:grpSpPr>
+        <a:xfrm>
+          <a:off x="0" y="0"/>
+          <a:ext cx="0" cy="0"/>
+          <a:chOff x="0" y="0"/>
+          <a:chExt cx="0" cy="0"/>
+        </a:xfrm>
+      </p:grpSpPr>
+      <p:sp>
+        <p:nvSpPr>
+          <p:cNvPr id="4" name="CustomShape 2">
+            <a:extLst>
+              <a:ext uri="{FF2B5EF4-FFF2-40B4-BE49-F238E27FC236}">
+                <a16:creationId xmlns:a16="http://schemas.microsoft.com/office/drawing/2014/main" id="{143B7AB1-98B1-4673-BE90-A83E92DF08A9}"/>
+              </a:ext>
+            </a:extLst>
+          </p:cNvPr>
+          <p:cNvSpPr/>
+          <p:nvPr/>
+        </p:nvSpPr>
+        <p:spPr>
+          <a:xfrm>
+            <a:off x="574756" y="1241385"/>
+            <a:ext cx="6421320" cy="4966920"/>
+          </a:xfrm>
+          <a:prstGeom prst="rect">
+            <a:avLst/>
+          </a:prstGeom>
+          <a:noFill/>
+          <a:ln>
+            <a:noFill/>
+          </a:ln>
+        </p:spPr>
+        <p:style>
+          <a:lnRef idx="0">
+            <a:scrgbClr r="0" g="0" b="0"/>
+          </a:lnRef>
+          <a:fillRef idx="0">
+            <a:scrgbClr r="0" g="0" b="0"/>
+          </a:fillRef>
+          <a:effectRef idx="0">
+            <a:scrgbClr r="0" g="0" b="0"/>
+          </a:effectRef>
+          <a:fontRef idx="minor"/>
+        </p:style>
+        <p:txBody>
+          <a:bodyPr lIns="122040" tIns="122040" rIns="122040" bIns="122040"/>
+          <a:lstStyle/>
+          <a:p>
+            <a:pPr marL="228600" marR="0" lvl="0" indent="-456480" algn="l" defTabSz="914400" rtl="0" eaLnBrk="1" fontAlgn="auto" latinLnBrk="0" hangingPunct="1">
+              <a:lnSpc>
+                <a:spcPct val="90000"/>
+              </a:lnSpc>
+              <a:spcBef>
+                <a:spcPts val="1001"/>
+              </a:spcBef>
+              <a:spcAft>
+                <a:spcPts val="0"/>
+              </a:spcAft>
+              <a:buClr>
+                <a:srgbClr val="1155CC"/>
+              </a:buClr>
+              <a:buSzTx/>
+              <a:buFont typeface="Arial"/>
+              <a:buChar char="•"/>
+              <a:tabLst/>
+              <a:defRPr/>
+            </a:pPr>
+            <a:r>
+              <a:rPr kumimoji="0" lang="en-IN" sz="2400" b="0" i="0" u="none" strike="noStrike" kern="1200" cap="none" spc="-1" normalizeH="0" baseline="0" noProof="0">
+                <a:ln>
+                  <a:noFill/>
+                </a:ln>
+                <a:solidFill>
+                  <a:srgbClr val="1155CC"/>
+                </a:solidFill>
+                <a:effectLst/>
+                <a:uLnTx/>
+                <a:uFillTx/>
+                <a:latin typeface="Roboto Mono"/>
+                <a:ea typeface="Roboto Mono"/>
+                <a:cs typeface="+mn-cs"/>
+              </a:rPr>
+              <a:t>type: </a:t>
+            </a:r>
+            <a:r>
+              <a:rPr kumimoji="0" lang="en-IN" sz="2400" b="0" i="0" u="none" strike="noStrike" kern="1200" cap="none" spc="-1" normalizeH="0" baseline="0" noProof="0">
+                <a:ln>
+                  <a:noFill/>
+                </a:ln>
+                <a:solidFill>
+                  <a:srgbClr val="444444"/>
+                </a:solidFill>
+                <a:effectLst/>
+                <a:uLnTx/>
+                <a:uFillTx/>
+                <a:latin typeface="Arial"/>
+                <a:ea typeface="Roboto Mono"/>
+                <a:cs typeface="+mn-cs"/>
+              </a:rPr>
+              <a:t>There are three different types of secrets within Kubernetes:</a:t>
+            </a:r>
+            <a:endParaRPr kumimoji="0" lang="en-IN" sz="2400" b="0" i="0" u="none" strike="noStrike" kern="1200" cap="none" spc="-1" normalizeH="0" baseline="0" noProof="0">
+              <a:ln>
+                <a:noFill/>
+              </a:ln>
+              <a:solidFill>
+                <a:srgbClr val="444444"/>
+              </a:solidFill>
+              <a:effectLst/>
+              <a:uLnTx/>
+              <a:uFillTx/>
+              <a:latin typeface="Arial"/>
+              <a:ea typeface="+mn-ea"/>
+              <a:cs typeface="+mn-cs"/>
+            </a:endParaRPr>
+          </a:p>
+          <a:p>
+            <a:pPr marL="685800" marR="0" lvl="1" indent="-456480" algn="l" defTabSz="914400" rtl="0" eaLnBrk="1" fontAlgn="auto" latinLnBrk="0" hangingPunct="1">
+              <a:lnSpc>
+                <a:spcPct val="90000"/>
+              </a:lnSpc>
+              <a:spcBef>
+                <a:spcPts val="1332"/>
+              </a:spcBef>
+              <a:spcAft>
+                <a:spcPts val="0"/>
+              </a:spcAft>
+              <a:buClr>
+                <a:srgbClr val="CC0000"/>
+              </a:buClr>
+              <a:buSzTx/>
+              <a:buFont typeface="Arial"/>
+              <a:buChar char="•"/>
+              <a:tabLst/>
+              <a:defRPr/>
+            </a:pPr>
+            <a:r>
+              <a:rPr kumimoji="0" lang="en-IN" sz="2400" b="0" i="0" u="none" strike="noStrike" kern="1200" cap="none" spc="-1" normalizeH="0" baseline="0" noProof="0">
+                <a:ln>
+                  <a:noFill/>
+                </a:ln>
+                <a:solidFill>
+                  <a:srgbClr val="CC0000"/>
+                </a:solidFill>
+                <a:effectLst/>
+                <a:uLnTx/>
+                <a:uFillTx/>
+                <a:latin typeface="Roboto Mono"/>
+                <a:ea typeface="Roboto Mono"/>
+                <a:cs typeface="+mn-cs"/>
+              </a:rPr>
+              <a:t>docker-registry </a:t>
+            </a:r>
+            <a:r>
+              <a:rPr kumimoji="0" lang="en-IN" sz="2400" b="0" i="0" u="none" strike="noStrike" kern="1200" cap="none" spc="-1" normalizeH="0" baseline="0" noProof="0">
+                <a:ln>
+                  <a:noFill/>
+                </a:ln>
+                <a:solidFill>
+                  <a:srgbClr val="444444"/>
+                </a:solidFill>
+                <a:effectLst/>
+                <a:uLnTx/>
+                <a:uFillTx/>
+                <a:latin typeface="Arial"/>
+                <a:ea typeface="Roboto Mono"/>
+                <a:cs typeface="+mn-cs"/>
+              </a:rPr>
+              <a:t>- credentials used to authenticate to a container registry</a:t>
+            </a:r>
+            <a:endParaRPr kumimoji="0" lang="en-IN" sz="2400" b="0" i="0" u="none" strike="noStrike" kern="1200" cap="none" spc="-1" normalizeH="0" baseline="0" noProof="0">
+              <a:ln>
+                <a:noFill/>
+              </a:ln>
+              <a:solidFill>
+                <a:srgbClr val="444444"/>
+              </a:solidFill>
+              <a:effectLst/>
+              <a:uLnTx/>
+              <a:uFillTx/>
+              <a:latin typeface="Arial"/>
+              <a:ea typeface="+mn-ea"/>
+              <a:cs typeface="+mn-cs"/>
+            </a:endParaRPr>
+          </a:p>
+          <a:p>
+            <a:pPr marL="685800" marR="0" lvl="1" indent="-456480" algn="l" defTabSz="914400" rtl="0" eaLnBrk="1" fontAlgn="auto" latinLnBrk="0" hangingPunct="1">
+              <a:lnSpc>
+                <a:spcPct val="90000"/>
+              </a:lnSpc>
+              <a:spcBef>
+                <a:spcPts val="499"/>
+              </a:spcBef>
+              <a:spcAft>
+                <a:spcPts val="0"/>
+              </a:spcAft>
+              <a:buClr>
+                <a:srgbClr val="CC0000"/>
+              </a:buClr>
+              <a:buSzTx/>
+              <a:buFont typeface="Arial"/>
+              <a:buChar char="•"/>
+              <a:tabLst/>
+              <a:defRPr/>
+            </a:pPr>
+            <a:r>
+              <a:rPr kumimoji="0" lang="en-IN" sz="2400" b="0" i="0" u="none" strike="noStrike" kern="1200" cap="none" spc="-1" normalizeH="0" baseline="0" noProof="0">
+                <a:ln>
+                  <a:noFill/>
+                </a:ln>
+                <a:solidFill>
+                  <a:srgbClr val="CC0000"/>
+                </a:solidFill>
+                <a:effectLst/>
+                <a:uLnTx/>
+                <a:uFillTx/>
+                <a:latin typeface="Roboto Mono"/>
+                <a:ea typeface="Roboto Mono"/>
+                <a:cs typeface="+mn-cs"/>
+              </a:rPr>
+              <a:t>generic/Opaque </a:t>
+            </a:r>
+            <a:r>
+              <a:rPr kumimoji="0" lang="en-IN" sz="2400" b="0" i="0" u="none" strike="noStrike" kern="1200" cap="none" spc="-1" normalizeH="0" baseline="0" noProof="0">
+                <a:ln>
+                  <a:noFill/>
+                </a:ln>
+                <a:solidFill>
+                  <a:srgbClr val="444444"/>
+                </a:solidFill>
+                <a:effectLst/>
+                <a:uLnTx/>
+                <a:uFillTx/>
+                <a:latin typeface="Arial"/>
+                <a:ea typeface="Roboto Mono"/>
+                <a:cs typeface="+mn-cs"/>
+              </a:rPr>
+              <a:t>- literal values from different sources</a:t>
+            </a:r>
+            <a:endParaRPr kumimoji="0" lang="en-IN" sz="2400" b="0" i="0" u="none" strike="noStrike" kern="1200" cap="none" spc="-1" normalizeH="0" baseline="0" noProof="0">
+              <a:ln>
+                <a:noFill/>
+              </a:ln>
+              <a:solidFill>
+                <a:srgbClr val="444444"/>
+              </a:solidFill>
+              <a:effectLst/>
+              <a:uLnTx/>
+              <a:uFillTx/>
+              <a:latin typeface="Arial"/>
+              <a:ea typeface="+mn-ea"/>
+              <a:cs typeface="+mn-cs"/>
+            </a:endParaRPr>
+          </a:p>
+          <a:p>
+            <a:pPr marL="685800" marR="0" lvl="1" indent="-456480" algn="l" defTabSz="914400" rtl="0" eaLnBrk="1" fontAlgn="auto" latinLnBrk="0" hangingPunct="1">
+              <a:lnSpc>
+                <a:spcPct val="90000"/>
+              </a:lnSpc>
+              <a:spcBef>
+                <a:spcPts val="499"/>
+              </a:spcBef>
+              <a:spcAft>
+                <a:spcPts val="0"/>
+              </a:spcAft>
+              <a:buClr>
+                <a:srgbClr val="CC0000"/>
+              </a:buClr>
+              <a:buSzTx/>
+              <a:buFont typeface="Arial"/>
+              <a:buChar char="•"/>
+              <a:tabLst/>
+              <a:defRPr/>
+            </a:pPr>
+            <a:r>
+              <a:rPr kumimoji="0" lang="en-IN" sz="2400" b="0" i="0" u="none" strike="noStrike" kern="1200" cap="none" spc="-1" normalizeH="0" baseline="0" noProof="0">
+                <a:ln>
+                  <a:noFill/>
+                </a:ln>
+                <a:solidFill>
+                  <a:srgbClr val="CC0000"/>
+                </a:solidFill>
+                <a:effectLst/>
+                <a:uLnTx/>
+                <a:uFillTx/>
+                <a:latin typeface="Roboto Mono"/>
+                <a:ea typeface="Roboto Mono"/>
+                <a:cs typeface="+mn-cs"/>
+              </a:rPr>
+              <a:t>tls</a:t>
+            </a:r>
+            <a:r>
+              <a:rPr kumimoji="0" lang="en-IN" sz="2400" b="0" i="0" u="none" strike="noStrike" kern="1200" cap="none" spc="-1" normalizeH="0" baseline="0" noProof="0">
+                <a:ln>
+                  <a:noFill/>
+                </a:ln>
+                <a:solidFill>
+                  <a:srgbClr val="444444"/>
+                </a:solidFill>
+                <a:effectLst/>
+                <a:uLnTx/>
+                <a:uFillTx/>
+                <a:latin typeface="Arial"/>
+                <a:ea typeface="Roboto Mono"/>
+                <a:cs typeface="+mn-cs"/>
+              </a:rPr>
+              <a:t> - a certificate based secret</a:t>
+            </a:r>
+            <a:endParaRPr kumimoji="0" lang="en-IN" sz="2400" b="0" i="0" u="none" strike="noStrike" kern="1200" cap="none" spc="-1" normalizeH="0" baseline="0" noProof="0">
+              <a:ln>
+                <a:noFill/>
+              </a:ln>
+              <a:solidFill>
+                <a:srgbClr val="444444"/>
+              </a:solidFill>
+              <a:effectLst/>
+              <a:uLnTx/>
+              <a:uFillTx/>
+              <a:latin typeface="Arial"/>
+              <a:ea typeface="+mn-ea"/>
+              <a:cs typeface="+mn-cs"/>
+            </a:endParaRPr>
+          </a:p>
+          <a:p>
+            <a:pPr marL="228600" marR="0" lvl="0" indent="-456480" algn="l" defTabSz="914400" rtl="0" eaLnBrk="1" fontAlgn="auto" latinLnBrk="0" hangingPunct="1">
+              <a:lnSpc>
+                <a:spcPct val="90000"/>
+              </a:lnSpc>
+              <a:spcBef>
+                <a:spcPts val="1332"/>
+              </a:spcBef>
+              <a:spcAft>
+                <a:spcPts val="0"/>
+              </a:spcAft>
+              <a:buClr>
+                <a:srgbClr val="1155CC"/>
+              </a:buClr>
+              <a:buSzTx/>
+              <a:buFont typeface="Arial"/>
+              <a:buChar char="•"/>
+              <a:tabLst/>
+              <a:defRPr/>
+            </a:pPr>
+            <a:r>
+              <a:rPr kumimoji="0" lang="en-IN" sz="2400" b="0" i="0" u="none" strike="noStrike" kern="1200" cap="none" spc="-1" normalizeH="0" baseline="0" noProof="0">
+                <a:ln>
+                  <a:noFill/>
+                </a:ln>
+                <a:solidFill>
+                  <a:srgbClr val="1155CC"/>
+                </a:solidFill>
+                <a:effectLst/>
+                <a:uLnTx/>
+                <a:uFillTx/>
+                <a:latin typeface="Roboto Mono"/>
+                <a:ea typeface="Roboto Mono"/>
+                <a:cs typeface="+mn-cs"/>
+              </a:rPr>
+              <a:t>data: </a:t>
+            </a:r>
+            <a:r>
+              <a:rPr kumimoji="0" lang="en-IN" sz="2400" b="0" i="0" u="none" strike="noStrike" kern="1200" cap="none" spc="-1" normalizeH="0" baseline="0" noProof="0">
+                <a:ln>
+                  <a:noFill/>
+                </a:ln>
+                <a:solidFill>
+                  <a:srgbClr val="000000"/>
+                </a:solidFill>
+                <a:effectLst/>
+                <a:uLnTx/>
+                <a:uFillTx/>
+                <a:latin typeface="Arial"/>
+                <a:ea typeface="Roboto Mono"/>
+                <a:cs typeface="+mn-cs"/>
+              </a:rPr>
+              <a:t>Contains key-value pairs of base64 encoded content.</a:t>
+            </a:r>
+            <a:endParaRPr kumimoji="0" lang="en-IN" sz="2400" b="0" i="0" u="none" strike="noStrike" kern="1200" cap="none" spc="-1" normalizeH="0" baseline="0" noProof="0">
+              <a:ln>
+                <a:noFill/>
+              </a:ln>
+              <a:solidFill>
+                <a:srgbClr val="444444"/>
+              </a:solidFill>
+              <a:effectLst/>
+              <a:uLnTx/>
+              <a:uFillTx/>
+              <a:latin typeface="Arial"/>
+              <a:ea typeface="+mn-ea"/>
+              <a:cs typeface="+mn-cs"/>
+            </a:endParaRPr>
+          </a:p>
+        </p:txBody>
+      </p:sp>
+      <p:sp>
+        <p:nvSpPr>
+          <p:cNvPr id="5" name="CustomShape 3">
+            <a:extLst>
+              <a:ext uri="{FF2B5EF4-FFF2-40B4-BE49-F238E27FC236}">
+                <a16:creationId xmlns:a16="http://schemas.microsoft.com/office/drawing/2014/main" id="{E1B140C6-5F60-49C0-8CD8-E27D7A0D8CC4}"/>
+              </a:ext>
+            </a:extLst>
+          </p:cNvPr>
+          <p:cNvSpPr/>
+          <p:nvPr/>
+        </p:nvSpPr>
+        <p:spPr>
+          <a:xfrm>
+            <a:off x="7240156" y="1241385"/>
+            <a:ext cx="4307040" cy="3885480"/>
+          </a:xfrm>
+          <a:prstGeom prst="rect">
+            <a:avLst/>
+          </a:prstGeom>
+          <a:noFill/>
+          <a:ln w="19080">
+            <a:solidFill>
+              <a:srgbClr val="000000"/>
+            </a:solidFill>
+            <a:round/>
+          </a:ln>
+        </p:spPr>
+        <p:style>
+          <a:lnRef idx="0">
+            <a:scrgbClr r="0" g="0" b="0"/>
+          </a:lnRef>
+          <a:fillRef idx="0">
+            <a:scrgbClr r="0" g="0" b="0"/>
+          </a:fillRef>
+          <a:effectRef idx="0">
+            <a:scrgbClr r="0" g="0" b="0"/>
+          </a:effectRef>
+          <a:fontRef idx="minor"/>
+        </p:style>
+        <p:txBody>
+          <a:bodyPr lIns="122040" tIns="122040" rIns="122040" bIns="122040"/>
+          <a:lstStyle/>
+          <a:p>
+            <a:pPr marL="0" marR="0" lvl="0" indent="0" algn="l" defTabSz="914400" rtl="0" eaLnBrk="1" fontAlgn="auto" latinLnBrk="0" hangingPunct="1">
+              <a:lnSpc>
+                <a:spcPct val="90000"/>
+              </a:lnSpc>
+              <a:spcBef>
+                <a:spcPts val="0"/>
+              </a:spcBef>
+              <a:spcAft>
+                <a:spcPts val="0"/>
+              </a:spcAft>
+              <a:buClrTx/>
+              <a:buSzTx/>
+              <a:buFontTx/>
+              <a:buNone/>
+              <a:tabLst/>
+              <a:defRPr/>
+            </a:pPr>
+            <a:r>
+              <a:rPr kumimoji="0" lang="en-IN" sz="1870" b="0" i="0" u="none" strike="noStrike" kern="1200" cap="none" spc="-1" normalizeH="0" baseline="0" noProof="0">
+                <a:ln>
+                  <a:noFill/>
+                </a:ln>
+                <a:solidFill>
+                  <a:srgbClr val="1155CC"/>
+                </a:solidFill>
+                <a:effectLst/>
+                <a:uLnTx/>
+                <a:uFillTx/>
+                <a:latin typeface="Roboto Mono"/>
+                <a:ea typeface="Roboto Mono"/>
+                <a:cs typeface="+mn-cs"/>
+              </a:rPr>
+              <a:t>apiVersion: </a:t>
+            </a:r>
+            <a:r>
+              <a:rPr kumimoji="0" lang="en-IN" sz="1870" b="0" i="0" u="none" strike="noStrike" kern="1200" cap="none" spc="-1" normalizeH="0" baseline="0" noProof="0">
+                <a:ln>
+                  <a:noFill/>
+                </a:ln>
+                <a:solidFill>
+                  <a:srgbClr val="CC0000"/>
+                </a:solidFill>
+                <a:effectLst/>
+                <a:uLnTx/>
+                <a:uFillTx/>
+                <a:latin typeface="Roboto Mono"/>
+                <a:ea typeface="Roboto Mono"/>
+                <a:cs typeface="+mn-cs"/>
+              </a:rPr>
+              <a:t>v1</a:t>
+            </a:r>
+            <a:endParaRPr kumimoji="0" lang="en-IN" sz="1870" b="0" i="0" u="none" strike="noStrike" kern="1200" cap="none" spc="-1" normalizeH="0" baseline="0" noProof="0">
+              <a:ln>
+                <a:noFill/>
+              </a:ln>
+              <a:solidFill>
+                <a:srgbClr val="444444"/>
+              </a:solidFill>
+              <a:effectLst/>
+              <a:uLnTx/>
+              <a:uFillTx/>
+              <a:latin typeface="Arial"/>
+              <a:ea typeface="+mn-ea"/>
+              <a:cs typeface="+mn-cs"/>
+            </a:endParaRPr>
+          </a:p>
+          <a:p>
+            <a:pPr marL="0" marR="0" lvl="0" indent="0" algn="l" defTabSz="914400" rtl="0" eaLnBrk="1" fontAlgn="auto" latinLnBrk="0" hangingPunct="1">
+              <a:lnSpc>
+                <a:spcPct val="90000"/>
+              </a:lnSpc>
+              <a:spcBef>
+                <a:spcPts val="0"/>
+              </a:spcBef>
+              <a:spcAft>
+                <a:spcPts val="0"/>
+              </a:spcAft>
+              <a:buClrTx/>
+              <a:buSzTx/>
+              <a:buFontTx/>
+              <a:buNone/>
+              <a:tabLst/>
+              <a:defRPr/>
+            </a:pPr>
+            <a:r>
+              <a:rPr kumimoji="0" lang="en-IN" sz="1870" b="0" i="0" u="none" strike="noStrike" kern="1200" cap="none" spc="-1" normalizeH="0" baseline="0" noProof="0">
+                <a:ln>
+                  <a:noFill/>
+                </a:ln>
+                <a:solidFill>
+                  <a:srgbClr val="1155CC"/>
+                </a:solidFill>
+                <a:effectLst/>
+                <a:uLnTx/>
+                <a:uFillTx/>
+                <a:latin typeface="Roboto Mono"/>
+                <a:ea typeface="Roboto Mono"/>
+                <a:cs typeface="+mn-cs"/>
+              </a:rPr>
+              <a:t>kind: </a:t>
+            </a:r>
+            <a:r>
+              <a:rPr kumimoji="0" lang="en-IN" sz="1870" b="0" i="0" u="none" strike="noStrike" kern="1200" cap="none" spc="-1" normalizeH="0" baseline="0" noProof="0">
+                <a:ln>
+                  <a:noFill/>
+                </a:ln>
+                <a:solidFill>
+                  <a:srgbClr val="CC0000"/>
+                </a:solidFill>
+                <a:effectLst/>
+                <a:uLnTx/>
+                <a:uFillTx/>
+                <a:latin typeface="Roboto Mono"/>
+                <a:ea typeface="Roboto Mono"/>
+                <a:cs typeface="+mn-cs"/>
+              </a:rPr>
+              <a:t>Secret</a:t>
+            </a:r>
+            <a:endParaRPr kumimoji="0" lang="en-IN" sz="1870" b="0" i="0" u="none" strike="noStrike" kern="1200" cap="none" spc="-1" normalizeH="0" baseline="0" noProof="0">
+              <a:ln>
+                <a:noFill/>
+              </a:ln>
+              <a:solidFill>
+                <a:srgbClr val="444444"/>
+              </a:solidFill>
+              <a:effectLst/>
+              <a:uLnTx/>
+              <a:uFillTx/>
+              <a:latin typeface="Arial"/>
+              <a:ea typeface="+mn-ea"/>
+              <a:cs typeface="+mn-cs"/>
+            </a:endParaRPr>
+          </a:p>
+          <a:p>
+            <a:pPr marL="0" marR="0" lvl="0" indent="0" algn="l" defTabSz="914400" rtl="0" eaLnBrk="1" fontAlgn="auto" latinLnBrk="0" hangingPunct="1">
+              <a:lnSpc>
+                <a:spcPct val="90000"/>
+              </a:lnSpc>
+              <a:spcBef>
+                <a:spcPts val="0"/>
+              </a:spcBef>
+              <a:spcAft>
+                <a:spcPts val="0"/>
+              </a:spcAft>
+              <a:buClrTx/>
+              <a:buSzTx/>
+              <a:buFontTx/>
+              <a:buNone/>
+              <a:tabLst/>
+              <a:defRPr/>
+            </a:pPr>
+            <a:r>
+              <a:rPr kumimoji="0" lang="en-IN" sz="1870" b="0" i="0" u="none" strike="noStrike" kern="1200" cap="none" spc="-1" normalizeH="0" baseline="0" noProof="0">
+                <a:ln>
+                  <a:noFill/>
+                </a:ln>
+                <a:solidFill>
+                  <a:srgbClr val="1155CC"/>
+                </a:solidFill>
+                <a:effectLst/>
+                <a:uLnTx/>
+                <a:uFillTx/>
+                <a:latin typeface="Roboto Mono"/>
+                <a:ea typeface="Roboto Mono"/>
+                <a:cs typeface="+mn-cs"/>
+              </a:rPr>
+              <a:t>metadata:</a:t>
+            </a:r>
+            <a:endParaRPr kumimoji="0" lang="en-IN" sz="1870" b="0" i="0" u="none" strike="noStrike" kern="1200" cap="none" spc="-1" normalizeH="0" baseline="0" noProof="0">
+              <a:ln>
+                <a:noFill/>
+              </a:ln>
+              <a:solidFill>
+                <a:srgbClr val="444444"/>
+              </a:solidFill>
+              <a:effectLst/>
+              <a:uLnTx/>
+              <a:uFillTx/>
+              <a:latin typeface="Arial"/>
+              <a:ea typeface="+mn-ea"/>
+              <a:cs typeface="+mn-cs"/>
+            </a:endParaRPr>
+          </a:p>
+          <a:p>
+            <a:pPr marL="0" marR="0" lvl="0" indent="0" algn="l" defTabSz="914400" rtl="0" eaLnBrk="1" fontAlgn="auto" latinLnBrk="0" hangingPunct="1">
+              <a:lnSpc>
+                <a:spcPct val="90000"/>
+              </a:lnSpc>
+              <a:spcBef>
+                <a:spcPts val="0"/>
+              </a:spcBef>
+              <a:spcAft>
+                <a:spcPts val="0"/>
+              </a:spcAft>
+              <a:buClrTx/>
+              <a:buSzTx/>
+              <a:buFontTx/>
+              <a:buNone/>
+              <a:tabLst/>
+              <a:defRPr/>
+            </a:pPr>
+            <a:r>
+              <a:rPr kumimoji="0" lang="en-IN" sz="1870" b="0" i="0" u="none" strike="noStrike" kern="1200" cap="none" spc="-1" normalizeH="0" baseline="0" noProof="0">
+                <a:ln>
+                  <a:noFill/>
+                </a:ln>
+                <a:solidFill>
+                  <a:srgbClr val="1155CC"/>
+                </a:solidFill>
+                <a:effectLst/>
+                <a:uLnTx/>
+                <a:uFillTx/>
+                <a:latin typeface="Roboto Mono"/>
+                <a:ea typeface="Roboto Mono"/>
+                <a:cs typeface="+mn-cs"/>
+              </a:rPr>
+              <a:t>  name: </a:t>
+            </a:r>
+            <a:r>
+              <a:rPr kumimoji="0" lang="en-IN" sz="1870" b="0" i="0" u="none" strike="noStrike" kern="1200" cap="none" spc="-1" normalizeH="0" baseline="0" noProof="0">
+                <a:ln>
+                  <a:noFill/>
+                </a:ln>
+                <a:solidFill>
+                  <a:srgbClr val="CC0000"/>
+                </a:solidFill>
+                <a:effectLst/>
+                <a:uLnTx/>
+                <a:uFillTx/>
+                <a:latin typeface="Roboto Mono"/>
+                <a:ea typeface="Roboto Mono"/>
+                <a:cs typeface="+mn-cs"/>
+              </a:rPr>
+              <a:t>manifest-secret</a:t>
+            </a:r>
+            <a:endParaRPr kumimoji="0" lang="en-IN" sz="1870" b="0" i="0" u="none" strike="noStrike" kern="1200" cap="none" spc="-1" normalizeH="0" baseline="0" noProof="0">
+              <a:ln>
+                <a:noFill/>
+              </a:ln>
+              <a:solidFill>
+                <a:srgbClr val="444444"/>
+              </a:solidFill>
+              <a:effectLst/>
+              <a:uLnTx/>
+              <a:uFillTx/>
+              <a:latin typeface="Arial"/>
+              <a:ea typeface="+mn-ea"/>
+              <a:cs typeface="+mn-cs"/>
+            </a:endParaRPr>
+          </a:p>
+          <a:p>
+            <a:pPr marL="0" marR="0" lvl="0" indent="0" algn="l" defTabSz="914400" rtl="0" eaLnBrk="1" fontAlgn="auto" latinLnBrk="0" hangingPunct="1">
+              <a:lnSpc>
+                <a:spcPct val="90000"/>
+              </a:lnSpc>
+              <a:spcBef>
+                <a:spcPts val="0"/>
+              </a:spcBef>
+              <a:spcAft>
+                <a:spcPts val="0"/>
+              </a:spcAft>
+              <a:buClrTx/>
+              <a:buSzTx/>
+              <a:buFontTx/>
+              <a:buNone/>
+              <a:tabLst/>
+              <a:defRPr/>
+            </a:pPr>
+            <a:r>
+              <a:rPr kumimoji="0" lang="en-IN" sz="1870" b="0" i="0" u="none" strike="noStrike" kern="1200" cap="none" spc="-1" normalizeH="0" baseline="0" noProof="0">
+                <a:ln>
+                  <a:noFill/>
+                </a:ln>
+                <a:solidFill>
+                  <a:srgbClr val="1155CC"/>
+                </a:solidFill>
+                <a:effectLst/>
+                <a:uLnTx/>
+                <a:uFillTx/>
+                <a:latin typeface="Roboto Mono"/>
+                <a:ea typeface="Roboto Mono"/>
+                <a:cs typeface="+mn-cs"/>
+              </a:rPr>
+              <a:t>type: </a:t>
+            </a:r>
+            <a:r>
+              <a:rPr kumimoji="0" lang="en-IN" sz="1870" b="0" i="0" u="none" strike="noStrike" kern="1200" cap="none" spc="-1" normalizeH="0" baseline="0" noProof="0">
+                <a:ln>
+                  <a:noFill/>
+                </a:ln>
+                <a:solidFill>
+                  <a:srgbClr val="CC0000"/>
+                </a:solidFill>
+                <a:effectLst/>
+                <a:uLnTx/>
+                <a:uFillTx/>
+                <a:latin typeface="Roboto Mono"/>
+                <a:ea typeface="Roboto Mono"/>
+                <a:cs typeface="+mn-cs"/>
+              </a:rPr>
+              <a:t>Opaque</a:t>
+            </a:r>
+            <a:endParaRPr kumimoji="0" lang="en-IN" sz="1870" b="0" i="0" u="none" strike="noStrike" kern="1200" cap="none" spc="-1" normalizeH="0" baseline="0" noProof="0">
+              <a:ln>
+                <a:noFill/>
+              </a:ln>
+              <a:solidFill>
+                <a:srgbClr val="444444"/>
+              </a:solidFill>
+              <a:effectLst/>
+              <a:uLnTx/>
+              <a:uFillTx/>
+              <a:latin typeface="Arial"/>
+              <a:ea typeface="+mn-ea"/>
+              <a:cs typeface="+mn-cs"/>
+            </a:endParaRPr>
+          </a:p>
+          <a:p>
+            <a:pPr marL="0" marR="0" lvl="0" indent="0" algn="l" defTabSz="914400" rtl="0" eaLnBrk="1" fontAlgn="auto" latinLnBrk="0" hangingPunct="1">
+              <a:lnSpc>
+                <a:spcPct val="90000"/>
+              </a:lnSpc>
+              <a:spcBef>
+                <a:spcPts val="0"/>
+              </a:spcBef>
+              <a:spcAft>
+                <a:spcPts val="0"/>
+              </a:spcAft>
+              <a:buClrTx/>
+              <a:buSzTx/>
+              <a:buFontTx/>
+              <a:buNone/>
+              <a:tabLst/>
+              <a:defRPr/>
+            </a:pPr>
+            <a:r>
+              <a:rPr kumimoji="0" lang="en-IN" sz="1870" b="0" i="0" u="none" strike="noStrike" kern="1200" cap="none" spc="-1" normalizeH="0" baseline="0" noProof="0">
+                <a:ln>
+                  <a:noFill/>
+                </a:ln>
+                <a:solidFill>
+                  <a:srgbClr val="1155CC"/>
+                </a:solidFill>
+                <a:effectLst/>
+                <a:uLnTx/>
+                <a:uFillTx/>
+                <a:latin typeface="Roboto Mono"/>
+                <a:ea typeface="Roboto Mono"/>
+                <a:cs typeface="+mn-cs"/>
+              </a:rPr>
+              <a:t>data:</a:t>
+            </a:r>
+            <a:endParaRPr kumimoji="0" lang="en-IN" sz="1870" b="0" i="0" u="none" strike="noStrike" kern="1200" cap="none" spc="-1" normalizeH="0" baseline="0" noProof="0">
+              <a:ln>
+                <a:noFill/>
+              </a:ln>
+              <a:solidFill>
+                <a:srgbClr val="444444"/>
+              </a:solidFill>
+              <a:effectLst/>
+              <a:uLnTx/>
+              <a:uFillTx/>
+              <a:latin typeface="Arial"/>
+              <a:ea typeface="+mn-ea"/>
+              <a:cs typeface="+mn-cs"/>
+            </a:endParaRPr>
+          </a:p>
+          <a:p>
+            <a:pPr marL="0" marR="0" lvl="0" indent="0" algn="l" defTabSz="914400" rtl="0" eaLnBrk="1" fontAlgn="auto" latinLnBrk="0" hangingPunct="1">
+              <a:lnSpc>
+                <a:spcPct val="90000"/>
+              </a:lnSpc>
+              <a:spcBef>
+                <a:spcPts val="0"/>
+              </a:spcBef>
+              <a:spcAft>
+                <a:spcPts val="0"/>
+              </a:spcAft>
+              <a:buClrTx/>
+              <a:buSzTx/>
+              <a:buFontTx/>
+              <a:buNone/>
+              <a:tabLst/>
+              <a:defRPr/>
+            </a:pPr>
+            <a:r>
+              <a:rPr kumimoji="0" lang="en-IN" sz="1870" b="0" i="0" u="none" strike="noStrike" kern="1200" cap="none" spc="-1" normalizeH="0" baseline="0" noProof="0">
+                <a:ln>
+                  <a:noFill/>
+                </a:ln>
+                <a:solidFill>
+                  <a:srgbClr val="1155CC"/>
+                </a:solidFill>
+                <a:effectLst/>
+                <a:uLnTx/>
+                <a:uFillTx/>
+                <a:latin typeface="Roboto Mono"/>
+                <a:ea typeface="Roboto Mono"/>
+                <a:cs typeface="+mn-cs"/>
+              </a:rPr>
+              <a:t>  username: </a:t>
+            </a:r>
+            <a:r>
+              <a:rPr kumimoji="0" lang="en-IN" sz="1870" b="0" i="0" u="none" strike="noStrike" kern="1200" cap="none" spc="-1" normalizeH="0" baseline="0" noProof="0">
+                <a:ln>
+                  <a:noFill/>
+                </a:ln>
+                <a:solidFill>
+                  <a:srgbClr val="CC0000"/>
+                </a:solidFill>
+                <a:effectLst/>
+                <a:uLnTx/>
+                <a:uFillTx/>
+                <a:latin typeface="Roboto Mono"/>
+                <a:ea typeface="Roboto Mono"/>
+                <a:cs typeface="+mn-cs"/>
+              </a:rPr>
+              <a:t>ZXhhbXBsZQ==</a:t>
+            </a:r>
+            <a:endParaRPr kumimoji="0" lang="en-IN" sz="1870" b="0" i="0" u="none" strike="noStrike" kern="1200" cap="none" spc="-1" normalizeH="0" baseline="0" noProof="0">
+              <a:ln>
+                <a:noFill/>
+              </a:ln>
+              <a:solidFill>
+                <a:srgbClr val="444444"/>
+              </a:solidFill>
+              <a:effectLst/>
+              <a:uLnTx/>
+              <a:uFillTx/>
+              <a:latin typeface="Arial"/>
+              <a:ea typeface="+mn-ea"/>
+              <a:cs typeface="+mn-cs"/>
+            </a:endParaRPr>
+          </a:p>
+          <a:p>
+            <a:pPr marL="0" marR="0" lvl="0" indent="0" algn="l" defTabSz="914400" rtl="0" eaLnBrk="1" fontAlgn="auto" latinLnBrk="0" hangingPunct="1">
+              <a:lnSpc>
+                <a:spcPct val="90000"/>
+              </a:lnSpc>
+              <a:spcBef>
+                <a:spcPts val="0"/>
+              </a:spcBef>
+              <a:spcAft>
+                <a:spcPts val="0"/>
+              </a:spcAft>
+              <a:buClrTx/>
+              <a:buSzTx/>
+              <a:buFontTx/>
+              <a:buNone/>
+              <a:tabLst/>
+              <a:defRPr/>
+            </a:pPr>
+            <a:r>
+              <a:rPr kumimoji="0" lang="en-IN" sz="1870" b="0" i="0" u="none" strike="noStrike" kern="1200" cap="none" spc="-1" normalizeH="0" baseline="0" noProof="0">
+                <a:ln>
+                  <a:noFill/>
+                </a:ln>
+                <a:solidFill>
+                  <a:srgbClr val="1155CC"/>
+                </a:solidFill>
+                <a:effectLst/>
+                <a:uLnTx/>
+                <a:uFillTx/>
+                <a:latin typeface="Roboto Mono"/>
+                <a:ea typeface="Roboto Mono"/>
+                <a:cs typeface="+mn-cs"/>
+              </a:rPr>
+              <a:t>  password: </a:t>
+            </a:r>
+            <a:r>
+              <a:rPr kumimoji="0" lang="en-IN" sz="1870" b="0" i="0" u="none" strike="noStrike" kern="1200" cap="none" spc="-1" normalizeH="0" baseline="0" noProof="0">
+                <a:ln>
+                  <a:noFill/>
+                </a:ln>
+                <a:solidFill>
+                  <a:srgbClr val="CC0000"/>
+                </a:solidFill>
+                <a:effectLst/>
+                <a:uLnTx/>
+                <a:uFillTx/>
+                <a:latin typeface="Roboto Mono"/>
+                <a:ea typeface="Roboto Mono"/>
+                <a:cs typeface="+mn-cs"/>
+              </a:rPr>
+              <a:t>bXlwYXNzd29yZA==</a:t>
+            </a:r>
+            <a:endParaRPr kumimoji="0" lang="en-IN" sz="1870" b="0" i="0" u="none" strike="noStrike" kern="1200" cap="none" spc="-1" normalizeH="0" baseline="0" noProof="0">
+              <a:ln>
+                <a:noFill/>
+              </a:ln>
+              <a:solidFill>
+                <a:srgbClr val="444444"/>
+              </a:solidFill>
+              <a:effectLst/>
+              <a:uLnTx/>
+              <a:uFillTx/>
+              <a:latin typeface="Arial"/>
+              <a:ea typeface="+mn-ea"/>
+              <a:cs typeface="+mn-cs"/>
+            </a:endParaRPr>
+          </a:p>
+        </p:txBody>
+      </p:sp>
+      <p:sp>
+        <p:nvSpPr>
+          <p:cNvPr id="7" name="Title 6">
+            <a:extLst>
+              <a:ext uri="{FF2B5EF4-FFF2-40B4-BE49-F238E27FC236}">
+                <a16:creationId xmlns:a16="http://schemas.microsoft.com/office/drawing/2014/main" id="{B9E72F32-5A15-499B-810F-3C81772726F2}"/>
+              </a:ext>
+            </a:extLst>
+          </p:cNvPr>
+          <p:cNvSpPr>
+            <a:spLocks noGrp="1"/>
+          </p:cNvSpPr>
+          <p:nvPr>
+            <p:ph type="title"/>
+          </p:nvPr>
+        </p:nvSpPr>
+        <p:spPr>
+          <a:xfrm>
+            <a:off x="381000" y="304801"/>
+            <a:ext cx="11430000" cy="657726"/>
+          </a:xfrm>
+        </p:spPr>
+        <p:txBody>
+          <a:bodyPr/>
+          <a:lstStyle/>
+          <a:p>
+            <a:r>
+              <a:rPr lang="en-IN" dirty="0"/>
+              <a:t>Defining a secret in </a:t>
+            </a:r>
+            <a:r>
+              <a:rPr lang="en-IN" dirty="0" err="1"/>
+              <a:t>yaml</a:t>
+            </a:r>
+            <a:br>
+              <a:rPr lang="en-IN" dirty="0"/>
+            </a:br>
+            <a:endParaRPr lang="en-US" dirty="0"/>
+          </a:p>
+        </p:txBody>
+      </p:sp>
+    </p:spTree>
+    <p:extLst>
+      <p:ext uri="{BB962C8B-B14F-4D97-AF65-F5344CB8AC3E}">
+        <p14:creationId xmlns:p14="http://schemas.microsoft.com/office/powerpoint/2010/main" val="4157537318"/>
+      </p:ext>
+    </p:extLst>
+  </p:cSld>
+  <p:clrMapOvr>
+    <a:masterClrMapping/>
+  </p:clrMapOvr>
+</p:sld>
+</file>
+
+<file path=ppt/slides/slide33.xml><?xml version="1.0" encoding="utf-8"?>
+<p:sld xmlns:a="http://schemas.openxmlformats.org/drawingml/2006/main" xmlns:r="http://schemas.openxmlformats.org/officeDocument/2006/relationships" xmlns:p="http://schemas.openxmlformats.org/presentationml/2006/main">
+  <p:cSld>
+    <p:spTree>
+      <p:nvGrpSpPr>
+        <p:cNvPr id="1" name=""/>
+        <p:cNvGrpSpPr/>
+        <p:nvPr/>
+      </p:nvGrpSpPr>
+      <p:grpSpPr>
+        <a:xfrm>
+          <a:off x="0" y="0"/>
+          <a:ext cx="0" cy="0"/>
+          <a:chOff x="0" y="0"/>
+          <a:chExt cx="0" cy="0"/>
+        </a:xfrm>
+      </p:grpSpPr>
+      <p:sp>
+        <p:nvSpPr>
+          <p:cNvPr id="2" name="Title 1">
+            <a:extLst>
+              <a:ext uri="{FF2B5EF4-FFF2-40B4-BE49-F238E27FC236}">
+                <a16:creationId xmlns:a16="http://schemas.microsoft.com/office/drawing/2014/main" id="{CCEF3CFE-0B7F-4DEF-8C96-DE6E83B27AFB}"/>
+              </a:ext>
+            </a:extLst>
+          </p:cNvPr>
+          <p:cNvSpPr>
+            <a:spLocks noGrp="1"/>
+          </p:cNvSpPr>
+          <p:nvPr>
+            <p:ph type="title"/>
+          </p:nvPr>
+        </p:nvSpPr>
+        <p:spPr>
+          <a:xfrm>
+            <a:off x="295396" y="257038"/>
+            <a:ext cx="11430000" cy="517001"/>
+          </a:xfrm>
+        </p:spPr>
+        <p:txBody>
+          <a:bodyPr wrap="square" lIns="0" tIns="0" rIns="0" bIns="0">
+            <a:spAutoFit/>
+          </a:bodyPr>
+          <a:lstStyle/>
+          <a:p>
+            <a:r>
+              <a:rPr lang="en-IN" dirty="0"/>
+              <a:t>Using Secrets</a:t>
+            </a:r>
+          </a:p>
+        </p:txBody>
+      </p:sp>
+      <p:sp>
+        <p:nvSpPr>
+          <p:cNvPr id="4" name="Rectangle 3">
+            <a:extLst>
+              <a:ext uri="{FF2B5EF4-FFF2-40B4-BE49-F238E27FC236}">
+                <a16:creationId xmlns:a16="http://schemas.microsoft.com/office/drawing/2014/main" id="{2958F16B-AED0-4EB6-8DF9-8672827E4EF7}"/>
+              </a:ext>
+            </a:extLst>
+          </p:cNvPr>
+          <p:cNvSpPr/>
+          <p:nvPr/>
+        </p:nvSpPr>
+        <p:spPr>
+          <a:xfrm>
+            <a:off x="1191126" y="2551837"/>
+            <a:ext cx="7952874" cy="1938992"/>
+          </a:xfrm>
+          <a:prstGeom prst="rect">
+            <a:avLst/>
+          </a:prstGeom>
+        </p:spPr>
+        <p:txBody>
+          <a:bodyPr wrap="square">
+            <a:spAutoFit/>
+          </a:bodyPr>
+          <a:lstStyle/>
+          <a:p>
+            <a:pPr marL="0" marR="0" lvl="0" indent="0" algn="l" defTabSz="914400" rtl="0" eaLnBrk="1" fontAlgn="auto" latinLnBrk="0" hangingPunct="1">
+              <a:lnSpc>
+                <a:spcPct val="100000"/>
+              </a:lnSpc>
+              <a:spcBef>
+                <a:spcPts val="0"/>
+              </a:spcBef>
+              <a:spcAft>
+                <a:spcPts val="0"/>
+              </a:spcAft>
+              <a:buClrTx/>
+              <a:buSzTx/>
+              <a:buFontTx/>
+              <a:buNone/>
+              <a:tabLst/>
+              <a:defRPr/>
+            </a:pPr>
+            <a:r>
+              <a:rPr kumimoji="0" lang="en-US" sz="2400" b="0" i="0" u="none" strike="noStrike" kern="1200" cap="none" spc="0" normalizeH="0" baseline="0" noProof="0" dirty="0">
+                <a:ln>
+                  <a:noFill/>
+                </a:ln>
+                <a:solidFill>
+                  <a:srgbClr val="444444"/>
+                </a:solidFill>
+                <a:effectLst/>
+                <a:uLnTx/>
+                <a:uFillTx/>
+                <a:latin typeface="Arial"/>
+                <a:ea typeface="+mn-ea"/>
+                <a:cs typeface="+mn-cs"/>
+              </a:rPr>
+              <a:t># Get secrets</a:t>
+            </a:r>
+          </a:p>
+          <a:p>
+            <a:pPr marL="0" marR="0" lvl="0" indent="0" algn="l" defTabSz="914400" rtl="0" eaLnBrk="1" fontAlgn="auto" latinLnBrk="0" hangingPunct="1">
+              <a:lnSpc>
+                <a:spcPct val="100000"/>
+              </a:lnSpc>
+              <a:spcBef>
+                <a:spcPts val="0"/>
+              </a:spcBef>
+              <a:spcAft>
+                <a:spcPts val="0"/>
+              </a:spcAft>
+              <a:buClrTx/>
+              <a:buSzTx/>
+              <a:buFontTx/>
+              <a:buNone/>
+              <a:tabLst/>
+              <a:defRPr/>
+            </a:pPr>
+            <a:r>
+              <a:rPr kumimoji="0" lang="en-US" sz="2400" b="0" i="0" u="none" strike="noStrike" kern="1200" cap="none" spc="0" normalizeH="0" baseline="0" noProof="0" dirty="0">
+                <a:ln>
+                  <a:noFill/>
+                </a:ln>
+                <a:solidFill>
+                  <a:srgbClr val="444444"/>
+                </a:solidFill>
+                <a:effectLst/>
+                <a:uLnTx/>
+                <a:uFillTx/>
+                <a:latin typeface="Arial"/>
+                <a:ea typeface="+mn-ea"/>
+                <a:cs typeface="+mn-cs"/>
+              </a:rPr>
+              <a:t>$ </a:t>
+            </a:r>
+            <a:r>
+              <a:rPr kumimoji="0" lang="en-US" sz="2400" b="0" i="0" u="none" strike="noStrike" kern="1200" cap="none" spc="0" normalizeH="0" baseline="0" noProof="0" dirty="0" err="1">
+                <a:ln>
+                  <a:noFill/>
+                </a:ln>
+                <a:solidFill>
+                  <a:srgbClr val="444444"/>
+                </a:solidFill>
+                <a:effectLst/>
+                <a:uLnTx/>
+                <a:uFillTx/>
+                <a:latin typeface="Arial"/>
+                <a:ea typeface="+mn-ea"/>
+                <a:cs typeface="+mn-cs"/>
+              </a:rPr>
+              <a:t>kubectl</a:t>
+            </a:r>
+            <a:r>
+              <a:rPr kumimoji="0" lang="en-US" sz="2400" b="0" i="0" u="none" strike="noStrike" kern="1200" cap="none" spc="0" normalizeH="0" baseline="0" noProof="0" dirty="0">
+                <a:ln>
+                  <a:noFill/>
+                </a:ln>
+                <a:solidFill>
+                  <a:srgbClr val="444444"/>
+                </a:solidFill>
+                <a:effectLst/>
+                <a:uLnTx/>
+                <a:uFillTx/>
+                <a:latin typeface="Arial"/>
+                <a:ea typeface="+mn-ea"/>
+                <a:cs typeface="+mn-cs"/>
+              </a:rPr>
+              <a:t> get secrets</a:t>
+            </a:r>
+          </a:p>
+          <a:p>
+            <a:pPr marL="0" marR="0" lvl="0" indent="0" algn="l" defTabSz="914400" rtl="0" eaLnBrk="1" fontAlgn="auto" latinLnBrk="0" hangingPunct="1">
+              <a:lnSpc>
+                <a:spcPct val="100000"/>
+              </a:lnSpc>
+              <a:spcBef>
+                <a:spcPts val="0"/>
+              </a:spcBef>
+              <a:spcAft>
+                <a:spcPts val="0"/>
+              </a:spcAft>
+              <a:buClrTx/>
+              <a:buSzTx/>
+              <a:buFontTx/>
+              <a:buNone/>
+              <a:tabLst/>
+              <a:defRPr/>
+            </a:pPr>
+            <a:endParaRPr kumimoji="0" lang="en-US" sz="2400" b="0" i="0" u="none" strike="noStrike" kern="1200" cap="none" spc="0" normalizeH="0" baseline="0" noProof="0" dirty="0">
+              <a:ln>
+                <a:noFill/>
+              </a:ln>
+              <a:solidFill>
+                <a:srgbClr val="444444"/>
+              </a:solidFill>
+              <a:effectLst/>
+              <a:uLnTx/>
+              <a:uFillTx/>
+              <a:latin typeface="Arial"/>
+              <a:ea typeface="+mn-ea"/>
+              <a:cs typeface="+mn-cs"/>
+            </a:endParaRPr>
+          </a:p>
+          <a:p>
+            <a:pPr marL="0" marR="0" lvl="0" indent="0" algn="l" defTabSz="914400" rtl="0" eaLnBrk="1" fontAlgn="auto" latinLnBrk="0" hangingPunct="1">
+              <a:lnSpc>
+                <a:spcPct val="100000"/>
+              </a:lnSpc>
+              <a:spcBef>
+                <a:spcPts val="0"/>
+              </a:spcBef>
+              <a:spcAft>
+                <a:spcPts val="0"/>
+              </a:spcAft>
+              <a:buClrTx/>
+              <a:buSzTx/>
+              <a:buFontTx/>
+              <a:buNone/>
+              <a:tabLst/>
+              <a:defRPr/>
+            </a:pPr>
+            <a:r>
+              <a:rPr kumimoji="0" lang="en-US" sz="2400" b="0" i="0" u="none" strike="noStrike" kern="1200" cap="none" spc="0" normalizeH="0" baseline="0" noProof="0" dirty="0">
+                <a:ln>
+                  <a:noFill/>
+                </a:ln>
+                <a:solidFill>
+                  <a:srgbClr val="444444"/>
+                </a:solidFill>
+                <a:effectLst/>
+                <a:uLnTx/>
+                <a:uFillTx/>
+                <a:latin typeface="Arial"/>
+                <a:ea typeface="+mn-ea"/>
+                <a:cs typeface="+mn-cs"/>
+              </a:rPr>
+              <a:t># Get YAML for specific secret</a:t>
+            </a:r>
+          </a:p>
+          <a:p>
+            <a:pPr marL="0" marR="0" lvl="0" indent="0" algn="l" defTabSz="914400" rtl="0" eaLnBrk="1" fontAlgn="auto" latinLnBrk="0" hangingPunct="1">
+              <a:lnSpc>
+                <a:spcPct val="100000"/>
+              </a:lnSpc>
+              <a:spcBef>
+                <a:spcPts val="0"/>
+              </a:spcBef>
+              <a:spcAft>
+                <a:spcPts val="0"/>
+              </a:spcAft>
+              <a:buClrTx/>
+              <a:buSzTx/>
+              <a:buFontTx/>
+              <a:buNone/>
+              <a:tabLst/>
+              <a:defRPr/>
+            </a:pPr>
+            <a:r>
+              <a:rPr kumimoji="0" lang="en-US" sz="2400" b="0" i="0" u="none" strike="noStrike" kern="1200" cap="none" spc="0" normalizeH="0" baseline="0" noProof="0" dirty="0">
+                <a:ln>
+                  <a:noFill/>
+                </a:ln>
+                <a:solidFill>
+                  <a:srgbClr val="444444"/>
+                </a:solidFill>
+                <a:effectLst/>
+                <a:uLnTx/>
+                <a:uFillTx/>
+                <a:latin typeface="Arial"/>
+                <a:ea typeface="+mn-ea"/>
+                <a:cs typeface="+mn-cs"/>
+              </a:rPr>
+              <a:t>$ </a:t>
+            </a:r>
+            <a:r>
+              <a:rPr kumimoji="0" lang="en-US" sz="2400" b="0" i="0" u="none" strike="noStrike" kern="1200" cap="none" spc="0" normalizeH="0" baseline="0" noProof="0" dirty="0" err="1">
+                <a:ln>
+                  <a:noFill/>
+                </a:ln>
+                <a:solidFill>
+                  <a:srgbClr val="444444"/>
+                </a:solidFill>
+                <a:effectLst/>
+                <a:uLnTx/>
+                <a:uFillTx/>
+                <a:latin typeface="Arial"/>
+                <a:ea typeface="+mn-ea"/>
+                <a:cs typeface="+mn-cs"/>
+              </a:rPr>
+              <a:t>kubectl</a:t>
+            </a:r>
+            <a:r>
+              <a:rPr kumimoji="0" lang="en-US" sz="2400" b="0" i="0" u="none" strike="noStrike" kern="1200" cap="none" spc="0" normalizeH="0" baseline="0" noProof="0" dirty="0">
+                <a:ln>
+                  <a:noFill/>
+                </a:ln>
+                <a:solidFill>
+                  <a:srgbClr val="444444"/>
+                </a:solidFill>
+                <a:effectLst/>
+                <a:uLnTx/>
+                <a:uFillTx/>
+                <a:latin typeface="Arial"/>
+                <a:ea typeface="+mn-ea"/>
+                <a:cs typeface="+mn-cs"/>
+              </a:rPr>
+              <a:t> get secrets </a:t>
+            </a:r>
+            <a:r>
+              <a:rPr kumimoji="0" lang="en-US" sz="2400" b="0" i="0" u="none" strike="noStrike" kern="1200" cap="none" spc="0" normalizeH="0" baseline="0" noProof="0" dirty="0" err="1">
+                <a:ln>
+                  <a:noFill/>
+                </a:ln>
+                <a:solidFill>
+                  <a:srgbClr val="444444"/>
+                </a:solidFill>
+                <a:effectLst/>
+                <a:uLnTx/>
+                <a:uFillTx/>
+                <a:latin typeface="Arial"/>
+                <a:ea typeface="+mn-ea"/>
+                <a:cs typeface="+mn-cs"/>
+              </a:rPr>
+              <a:t>db</a:t>
+            </a:r>
+            <a:r>
+              <a:rPr kumimoji="0" lang="en-US" sz="2400" b="0" i="0" u="none" strike="noStrike" kern="1200" cap="none" spc="0" normalizeH="0" baseline="0" noProof="0" dirty="0">
+                <a:ln>
+                  <a:noFill/>
+                </a:ln>
+                <a:solidFill>
+                  <a:srgbClr val="444444"/>
+                </a:solidFill>
+                <a:effectLst/>
+                <a:uLnTx/>
+                <a:uFillTx/>
+                <a:latin typeface="Arial"/>
+                <a:ea typeface="+mn-ea"/>
+                <a:cs typeface="+mn-cs"/>
+              </a:rPr>
+              <a:t> passwords -o </a:t>
+            </a:r>
+            <a:r>
+              <a:rPr kumimoji="0" lang="en-US" sz="2400" b="0" i="0" u="none" strike="noStrike" kern="1200" cap="none" spc="0" normalizeH="0" baseline="0" noProof="0" dirty="0" err="1">
+                <a:ln>
+                  <a:noFill/>
+                </a:ln>
+                <a:solidFill>
+                  <a:srgbClr val="444444"/>
+                </a:solidFill>
+                <a:effectLst/>
+                <a:uLnTx/>
+                <a:uFillTx/>
+                <a:latin typeface="Arial"/>
+                <a:ea typeface="+mn-ea"/>
+                <a:cs typeface="+mn-cs"/>
+              </a:rPr>
+              <a:t>yaml</a:t>
+            </a:r>
+            <a:endParaRPr kumimoji="0" lang="en-US" sz="2400" b="0" i="0" u="none" strike="noStrike" kern="1200" cap="none" spc="0" normalizeH="0" baseline="0" noProof="0" dirty="0">
+              <a:ln>
+                <a:noFill/>
+              </a:ln>
+              <a:solidFill>
+                <a:srgbClr val="444444"/>
+              </a:solidFill>
+              <a:effectLst/>
+              <a:uLnTx/>
+              <a:uFillTx/>
+              <a:latin typeface="Arial"/>
+              <a:ea typeface="+mn-ea"/>
+              <a:cs typeface="+mn-cs"/>
+            </a:endParaRPr>
+          </a:p>
+        </p:txBody>
+      </p:sp>
+    </p:spTree>
+    <p:extLst>
+      <p:ext uri="{BB962C8B-B14F-4D97-AF65-F5344CB8AC3E}">
+        <p14:creationId xmlns:p14="http://schemas.microsoft.com/office/powerpoint/2010/main" val="1551133987"/>
+      </p:ext>
+    </p:extLst>
+  </p:cSld>
+  <p:clrMapOvr>
+    <a:masterClrMapping/>
+  </p:clrMapOvr>
+</p:sld>
+</file>
+
+<file path=ppt/slides/slide34.xml><?xml version="1.0" encoding="utf-8"?>
+<p:sld xmlns:a="http://schemas.openxmlformats.org/drawingml/2006/main" xmlns:r="http://schemas.openxmlformats.org/officeDocument/2006/relationships" xmlns:p="http://schemas.openxmlformats.org/presentationml/2006/main">
+  <p:cSld>
+    <p:spTree>
+      <p:nvGrpSpPr>
+        <p:cNvPr id="1" name=""/>
+        <p:cNvGrpSpPr/>
+        <p:nvPr/>
+      </p:nvGrpSpPr>
+      <p:grpSpPr>
+        <a:xfrm>
+          <a:off x="0" y="0"/>
+          <a:ext cx="0" cy="0"/>
+          <a:chOff x="0" y="0"/>
+          <a:chExt cx="0" cy="0"/>
+        </a:xfrm>
+      </p:grpSpPr>
+      <p:sp>
+        <p:nvSpPr>
+          <p:cNvPr id="2" name="Title 1">
+            <a:extLst>
+              <a:ext uri="{FF2B5EF4-FFF2-40B4-BE49-F238E27FC236}">
+                <a16:creationId xmlns:a16="http://schemas.microsoft.com/office/drawing/2014/main" id="{CCEF3CFE-0B7F-4DEF-8C96-DE6E83B27AFB}"/>
+              </a:ext>
+            </a:extLst>
+          </p:cNvPr>
+          <p:cNvSpPr>
+            <a:spLocks noGrp="1"/>
+          </p:cNvSpPr>
+          <p:nvPr>
+            <p:ph type="title"/>
+          </p:nvPr>
+        </p:nvSpPr>
+        <p:spPr>
+          <a:xfrm>
+            <a:off x="295396" y="257038"/>
+            <a:ext cx="11430000" cy="517001"/>
+          </a:xfrm>
+        </p:spPr>
+        <p:txBody>
+          <a:bodyPr wrap="square" lIns="0" tIns="0" rIns="0" bIns="0">
+            <a:spAutoFit/>
+          </a:bodyPr>
+          <a:lstStyle/>
+          <a:p>
+            <a:r>
+              <a:rPr lang="en-IN" dirty="0"/>
+              <a:t>Accessing a  Secret: Environment vars</a:t>
+            </a:r>
+          </a:p>
+        </p:txBody>
+      </p:sp>
+      <p:sp>
+        <p:nvSpPr>
+          <p:cNvPr id="3" name="Rectangle 2">
+            <a:extLst>
+              <a:ext uri="{FF2B5EF4-FFF2-40B4-BE49-F238E27FC236}">
+                <a16:creationId xmlns:a16="http://schemas.microsoft.com/office/drawing/2014/main" id="{B5467B0B-EBB6-4155-8397-6087DA0ACC4D}"/>
+              </a:ext>
+            </a:extLst>
+          </p:cNvPr>
+          <p:cNvSpPr/>
+          <p:nvPr/>
+        </p:nvSpPr>
+        <p:spPr>
+          <a:xfrm>
+            <a:off x="721895" y="2707105"/>
+            <a:ext cx="4126831" cy="3633536"/>
+          </a:xfrm>
+          <a:prstGeom prst="rect">
+            <a:avLst/>
+          </a:prstGeom>
+          <a:noFill/>
+          <a:ln w="12700">
+            <a:solidFill>
+              <a:schemeClr val="bg2"/>
+            </a:solidFill>
+          </a:ln>
+        </p:spPr>
+        <p:style>
+          <a:lnRef idx="2">
+            <a:schemeClr val="accent1">
+              <a:shade val="50000"/>
+            </a:schemeClr>
+          </a:lnRef>
+          <a:fillRef idx="1">
+            <a:schemeClr val="accent1"/>
+          </a:fillRef>
+          <a:effectRef idx="0">
+            <a:schemeClr val="accent1"/>
+          </a:effectRef>
+          <a:fontRef idx="minor">
+            <a:schemeClr val="lt1"/>
+          </a:fontRef>
+        </p:style>
+        <p:txBody>
+          <a:bodyPr rtlCol="0" anchor="ctr"/>
+          <a:lstStyle/>
+          <a:p>
+            <a:pPr marL="0" marR="0" lvl="0" indent="0" algn="l" defTabSz="914400" rtl="0" eaLnBrk="1" fontAlgn="auto" latinLnBrk="0" hangingPunct="1">
+              <a:lnSpc>
+                <a:spcPct val="100000"/>
+              </a:lnSpc>
+              <a:spcBef>
+                <a:spcPts val="0"/>
+              </a:spcBef>
+              <a:spcAft>
+                <a:spcPts val="0"/>
+              </a:spcAft>
+              <a:buClrTx/>
+              <a:buSzTx/>
+              <a:buFontTx/>
+              <a:buNone/>
+              <a:tabLst/>
+              <a:defRPr/>
+            </a:pPr>
+            <a:r>
+              <a:rPr kumimoji="0" lang="en-US" sz="1800" b="0" i="0" u="none" strike="noStrike" kern="1200" cap="none" spc="0" normalizeH="0" baseline="0" noProof="0" dirty="0" err="1">
+                <a:ln>
+                  <a:noFill/>
+                </a:ln>
+                <a:solidFill>
+                  <a:srgbClr val="000000"/>
+                </a:solidFill>
+                <a:effectLst/>
+                <a:uLnTx/>
+                <a:uFillTx/>
+                <a:latin typeface="Arial"/>
+                <a:ea typeface="+mn-ea"/>
+                <a:cs typeface="+mn-cs"/>
+              </a:rPr>
+              <a:t>apiVersion</a:t>
+            </a:r>
+            <a:r>
+              <a:rPr kumimoji="0" lang="en-US" sz="1800" b="0" i="0" u="none" strike="noStrike" kern="1200" cap="none" spc="0" normalizeH="0" baseline="0" noProof="0" dirty="0">
+                <a:ln>
+                  <a:noFill/>
+                </a:ln>
+                <a:solidFill>
+                  <a:srgbClr val="000000"/>
+                </a:solidFill>
+                <a:effectLst/>
+                <a:uLnTx/>
+                <a:uFillTx/>
+                <a:latin typeface="Arial"/>
+                <a:ea typeface="+mn-ea"/>
+                <a:cs typeface="+mn-cs"/>
+              </a:rPr>
+              <a:t>: v1</a:t>
+            </a:r>
+          </a:p>
+          <a:p>
+            <a:pPr marL="0" marR="0" lvl="0" indent="0" algn="l" defTabSz="914400" rtl="0" eaLnBrk="1" fontAlgn="auto" latinLnBrk="0" hangingPunct="1">
+              <a:lnSpc>
+                <a:spcPct val="100000"/>
+              </a:lnSpc>
+              <a:spcBef>
+                <a:spcPts val="0"/>
+              </a:spcBef>
+              <a:spcAft>
+                <a:spcPts val="0"/>
+              </a:spcAft>
+              <a:buClrTx/>
+              <a:buSzTx/>
+              <a:buFontTx/>
+              <a:buNone/>
+              <a:tabLst/>
+              <a:defRPr/>
+            </a:pPr>
+            <a:r>
+              <a:rPr kumimoji="0" lang="en-US" sz="1800" b="0" i="0" u="none" strike="noStrike" kern="1200" cap="none" spc="0" normalizeH="0" baseline="0" noProof="0" dirty="0">
+                <a:ln>
+                  <a:noFill/>
+                </a:ln>
+                <a:solidFill>
+                  <a:srgbClr val="000000"/>
+                </a:solidFill>
+                <a:effectLst/>
+                <a:uLnTx/>
+                <a:uFillTx/>
+                <a:latin typeface="Arial"/>
+                <a:ea typeface="+mn-ea"/>
+                <a:cs typeface="+mn-cs"/>
+              </a:rPr>
+              <a:t>kind: Secret</a:t>
+            </a:r>
+          </a:p>
+          <a:p>
+            <a:pPr marL="0" marR="0" lvl="0" indent="0" algn="l" defTabSz="914400" rtl="0" eaLnBrk="1" fontAlgn="auto" latinLnBrk="0" hangingPunct="1">
+              <a:lnSpc>
+                <a:spcPct val="100000"/>
+              </a:lnSpc>
+              <a:spcBef>
+                <a:spcPts val="0"/>
+              </a:spcBef>
+              <a:spcAft>
+                <a:spcPts val="0"/>
+              </a:spcAft>
+              <a:buClrTx/>
+              <a:buSzTx/>
+              <a:buFontTx/>
+              <a:buNone/>
+              <a:tabLst/>
+              <a:defRPr/>
+            </a:pPr>
+            <a:r>
+              <a:rPr kumimoji="0" lang="en-US" sz="1800" b="0" i="0" u="none" strike="noStrike" kern="1200" cap="none" spc="0" normalizeH="0" baseline="0" noProof="0" dirty="0">
+                <a:ln>
+                  <a:noFill/>
+                </a:ln>
+                <a:solidFill>
+                  <a:srgbClr val="000000"/>
+                </a:solidFill>
+                <a:effectLst/>
+                <a:uLnTx/>
+                <a:uFillTx/>
+                <a:latin typeface="Arial"/>
+                <a:ea typeface="+mn-ea"/>
+                <a:cs typeface="+mn-cs"/>
+              </a:rPr>
+              <a:t>metadata:</a:t>
+            </a:r>
+          </a:p>
+          <a:p>
+            <a:pPr marL="0" marR="0" lvl="0" indent="0" algn="l" defTabSz="914400" rtl="0" eaLnBrk="1" fontAlgn="auto" latinLnBrk="0" hangingPunct="1">
+              <a:lnSpc>
+                <a:spcPct val="100000"/>
+              </a:lnSpc>
+              <a:spcBef>
+                <a:spcPts val="0"/>
+              </a:spcBef>
+              <a:spcAft>
+                <a:spcPts val="0"/>
+              </a:spcAft>
+              <a:buClrTx/>
+              <a:buSzTx/>
+              <a:buFontTx/>
+              <a:buNone/>
+              <a:tabLst/>
+              <a:defRPr/>
+            </a:pPr>
+            <a:r>
+              <a:rPr kumimoji="0" lang="en-US" sz="1800" b="0" i="0" u="none" strike="noStrike" kern="1200" cap="none" spc="0" normalizeH="0" baseline="0" noProof="0" dirty="0">
+                <a:ln>
+                  <a:noFill/>
+                </a:ln>
+                <a:solidFill>
+                  <a:srgbClr val="000000"/>
+                </a:solidFill>
+                <a:effectLst/>
+                <a:uLnTx/>
+                <a:uFillTx/>
+                <a:latin typeface="Arial"/>
+                <a:ea typeface="+mn-ea"/>
+                <a:cs typeface="+mn-cs"/>
+              </a:rPr>
+              <a:t>   name: </a:t>
+            </a:r>
+            <a:r>
+              <a:rPr kumimoji="0" lang="en-US" sz="1800" b="0" i="0" u="none" strike="noStrike" kern="1200" cap="none" spc="0" normalizeH="0" baseline="0" noProof="0" dirty="0" err="1">
+                <a:ln>
+                  <a:noFill/>
+                </a:ln>
+                <a:solidFill>
+                  <a:srgbClr val="000000"/>
+                </a:solidFill>
+                <a:effectLst/>
+                <a:uLnTx/>
+                <a:uFillTx/>
+                <a:latin typeface="Arial"/>
+                <a:ea typeface="+mn-ea"/>
+                <a:cs typeface="+mn-cs"/>
+              </a:rPr>
+              <a:t>db</a:t>
+            </a:r>
+            <a:r>
+              <a:rPr kumimoji="0" lang="en-US" sz="1800" b="0" i="0" u="none" strike="noStrike" kern="1200" cap="none" spc="0" normalizeH="0" baseline="0" noProof="0" dirty="0">
+                <a:ln>
+                  <a:noFill/>
+                </a:ln>
+                <a:solidFill>
+                  <a:srgbClr val="000000"/>
+                </a:solidFill>
+                <a:effectLst/>
+                <a:uLnTx/>
+                <a:uFillTx/>
+                <a:latin typeface="Arial"/>
+                <a:ea typeface="+mn-ea"/>
+                <a:cs typeface="+mn-cs"/>
+              </a:rPr>
+              <a:t>-passwords</a:t>
+            </a:r>
+          </a:p>
+          <a:p>
+            <a:pPr marL="0" marR="0" lvl="0" indent="0" algn="l" defTabSz="914400" rtl="0" eaLnBrk="1" fontAlgn="auto" latinLnBrk="0" hangingPunct="1">
+              <a:lnSpc>
+                <a:spcPct val="100000"/>
+              </a:lnSpc>
+              <a:spcBef>
+                <a:spcPts val="0"/>
+              </a:spcBef>
+              <a:spcAft>
+                <a:spcPts val="0"/>
+              </a:spcAft>
+              <a:buClrTx/>
+              <a:buSzTx/>
+              <a:buFontTx/>
+              <a:buNone/>
+              <a:tabLst/>
+              <a:defRPr/>
+            </a:pPr>
+            <a:r>
+              <a:rPr kumimoji="0" lang="en-US" sz="1800" b="0" i="0" u="none" strike="noStrike" kern="1200" cap="none" spc="0" normalizeH="0" baseline="0" noProof="0" dirty="0">
+                <a:ln>
+                  <a:noFill/>
+                </a:ln>
+                <a:solidFill>
+                  <a:srgbClr val="000000"/>
+                </a:solidFill>
+                <a:effectLst/>
+                <a:uLnTx/>
+                <a:uFillTx/>
+                <a:latin typeface="Arial"/>
+                <a:ea typeface="+mn-ea"/>
+                <a:cs typeface="+mn-cs"/>
+              </a:rPr>
+              <a:t>type: Opaque</a:t>
+            </a:r>
+          </a:p>
+          <a:p>
+            <a:pPr marL="0" marR="0" lvl="0" indent="0" algn="l" defTabSz="914400" rtl="0" eaLnBrk="1" fontAlgn="auto" latinLnBrk="0" hangingPunct="1">
+              <a:lnSpc>
+                <a:spcPct val="100000"/>
+              </a:lnSpc>
+              <a:spcBef>
+                <a:spcPts val="0"/>
+              </a:spcBef>
+              <a:spcAft>
+                <a:spcPts val="0"/>
+              </a:spcAft>
+              <a:buClrTx/>
+              <a:buSzTx/>
+              <a:buFontTx/>
+              <a:buNone/>
+              <a:tabLst/>
+              <a:defRPr/>
+            </a:pPr>
+            <a:r>
+              <a:rPr kumimoji="0" lang="en-US" sz="1800" b="0" i="0" u="none" strike="noStrike" kern="1200" cap="none" spc="0" normalizeH="0" baseline="0" noProof="0" dirty="0">
+                <a:ln>
+                  <a:noFill/>
+                </a:ln>
+                <a:solidFill>
+                  <a:srgbClr val="000000"/>
+                </a:solidFill>
+                <a:effectLst/>
+                <a:uLnTx/>
+                <a:uFillTx/>
+                <a:latin typeface="Arial"/>
+                <a:ea typeface="+mn-ea"/>
+                <a:cs typeface="+mn-cs"/>
+              </a:rPr>
+              <a:t>data:</a:t>
+            </a:r>
+          </a:p>
+          <a:p>
+            <a:pPr marL="0" marR="0" lvl="0" indent="0" algn="l" defTabSz="914400" rtl="0" eaLnBrk="1" fontAlgn="auto" latinLnBrk="0" hangingPunct="1">
+              <a:lnSpc>
+                <a:spcPct val="100000"/>
+              </a:lnSpc>
+              <a:spcBef>
+                <a:spcPts val="0"/>
+              </a:spcBef>
+              <a:spcAft>
+                <a:spcPts val="0"/>
+              </a:spcAft>
+              <a:buClrTx/>
+              <a:buSzTx/>
+              <a:buFontTx/>
+              <a:buNone/>
+              <a:tabLst/>
+              <a:defRPr/>
+            </a:pPr>
+            <a:r>
+              <a:rPr kumimoji="0" lang="en-US" sz="1800" b="0" i="0" u="none" strike="noStrike" kern="1200" cap="none" spc="0" normalizeH="0" baseline="0" noProof="0" dirty="0">
+                <a:ln>
+                  <a:noFill/>
+                </a:ln>
+                <a:solidFill>
+                  <a:srgbClr val="000000"/>
+                </a:solidFill>
+                <a:effectLst/>
+                <a:uLnTx/>
+                <a:uFillTx/>
+                <a:latin typeface="Arial"/>
+                <a:ea typeface="+mn-ea"/>
+                <a:cs typeface="+mn-cs"/>
+              </a:rPr>
+              <a:t>   </a:t>
+            </a:r>
+            <a:r>
+              <a:rPr kumimoji="0" lang="en-US" sz="1800" b="0" i="0" u="none" strike="noStrike" kern="1200" cap="none" spc="0" normalizeH="0" baseline="0" noProof="0" dirty="0" err="1">
+                <a:ln>
+                  <a:noFill/>
+                </a:ln>
+                <a:solidFill>
+                  <a:srgbClr val="000000"/>
+                </a:solidFill>
+                <a:effectLst/>
+                <a:uLnTx/>
+                <a:uFillTx/>
+                <a:latin typeface="Arial"/>
+                <a:ea typeface="+mn-ea"/>
+                <a:cs typeface="+mn-cs"/>
+              </a:rPr>
+              <a:t>db</a:t>
+            </a:r>
+            <a:r>
+              <a:rPr kumimoji="0" lang="en-US" sz="1800" b="0" i="0" u="none" strike="noStrike" kern="1200" cap="none" spc="0" normalizeH="0" baseline="0" noProof="0" dirty="0">
+                <a:ln>
+                  <a:noFill/>
+                </a:ln>
+                <a:solidFill>
+                  <a:srgbClr val="000000"/>
+                </a:solidFill>
+                <a:effectLst/>
+                <a:uLnTx/>
+                <a:uFillTx/>
+                <a:latin typeface="Arial"/>
+                <a:ea typeface="+mn-ea"/>
+                <a:cs typeface="+mn-cs"/>
+              </a:rPr>
+              <a:t>-password: cGFzc3dvcmQ=</a:t>
+            </a:r>
+          </a:p>
+          <a:p>
+            <a:pPr marL="0" marR="0" lvl="0" indent="0" algn="l" defTabSz="914400" rtl="0" eaLnBrk="1" fontAlgn="auto" latinLnBrk="0" hangingPunct="1">
+              <a:lnSpc>
+                <a:spcPct val="100000"/>
+              </a:lnSpc>
+              <a:spcBef>
+                <a:spcPts val="0"/>
+              </a:spcBef>
+              <a:spcAft>
+                <a:spcPts val="0"/>
+              </a:spcAft>
+              <a:buClrTx/>
+              <a:buSzTx/>
+              <a:buFontTx/>
+              <a:buNone/>
+              <a:tabLst/>
+              <a:defRPr/>
+            </a:pPr>
+            <a:r>
+              <a:rPr kumimoji="0" lang="en-US" sz="1800" b="0" i="0" u="none" strike="noStrike" kern="1200" cap="none" spc="0" normalizeH="0" baseline="0" noProof="0" dirty="0">
+                <a:ln>
+                  <a:noFill/>
+                </a:ln>
+                <a:solidFill>
+                  <a:srgbClr val="000000"/>
+                </a:solidFill>
+                <a:effectLst/>
+                <a:uLnTx/>
+                <a:uFillTx/>
+                <a:latin typeface="Arial"/>
+                <a:ea typeface="+mn-ea"/>
+                <a:cs typeface="+mn-cs"/>
+              </a:rPr>
+              <a:t>   admin-password: dmVyeV9zZWNy=</a:t>
+            </a:r>
+          </a:p>
+          <a:p>
+            <a:pPr marL="0" marR="0" lvl="0" indent="0" algn="l" defTabSz="914400" rtl="0" eaLnBrk="1" fontAlgn="auto" latinLnBrk="0" hangingPunct="1">
+              <a:lnSpc>
+                <a:spcPct val="100000"/>
+              </a:lnSpc>
+              <a:spcBef>
+                <a:spcPts val="0"/>
+              </a:spcBef>
+              <a:spcAft>
+                <a:spcPts val="0"/>
+              </a:spcAft>
+              <a:buClrTx/>
+              <a:buSzTx/>
+              <a:buFontTx/>
+              <a:buNone/>
+              <a:tabLst/>
+              <a:defRPr/>
+            </a:pPr>
+            <a:endParaRPr kumimoji="0" lang="en-US" sz="1200" b="0" i="0" u="none" strike="noStrike" kern="1200" cap="none" spc="0" normalizeH="0" baseline="0" noProof="0" dirty="0">
+              <a:ln>
+                <a:noFill/>
+              </a:ln>
+              <a:solidFill>
+                <a:srgbClr val="000000"/>
+              </a:solidFill>
+              <a:effectLst/>
+              <a:uLnTx/>
+              <a:uFillTx/>
+              <a:latin typeface="Arial"/>
+              <a:ea typeface="+mn-ea"/>
+              <a:cs typeface="+mn-cs"/>
+            </a:endParaRPr>
+          </a:p>
+          <a:p>
+            <a:pPr marL="0" marR="0" lvl="0" indent="0" algn="l" defTabSz="914400" rtl="0" eaLnBrk="1" fontAlgn="auto" latinLnBrk="0" hangingPunct="1">
+              <a:lnSpc>
+                <a:spcPct val="100000"/>
+              </a:lnSpc>
+              <a:spcBef>
+                <a:spcPts val="0"/>
+              </a:spcBef>
+              <a:spcAft>
+                <a:spcPts val="0"/>
+              </a:spcAft>
+              <a:buClrTx/>
+              <a:buSzTx/>
+              <a:buFontTx/>
+              <a:buNone/>
+              <a:tabLst/>
+              <a:defRPr/>
+            </a:pPr>
+            <a:endParaRPr kumimoji="0" lang="en-US" sz="1200" b="0" i="0" u="none" strike="noStrike" kern="1200" cap="none" spc="0" normalizeH="0" baseline="0" noProof="0" dirty="0">
+              <a:ln>
+                <a:noFill/>
+              </a:ln>
+              <a:solidFill>
+                <a:srgbClr val="000000"/>
+              </a:solidFill>
+              <a:effectLst/>
+              <a:uLnTx/>
+              <a:uFillTx/>
+              <a:latin typeface="Arial"/>
+              <a:ea typeface="+mn-ea"/>
+              <a:cs typeface="+mn-cs"/>
+            </a:endParaRPr>
+          </a:p>
+          <a:p>
+            <a:pPr marL="0" marR="0" lvl="0" indent="0" algn="l" defTabSz="914400" rtl="0" eaLnBrk="1" fontAlgn="auto" latinLnBrk="0" hangingPunct="1">
+              <a:lnSpc>
+                <a:spcPct val="100000"/>
+              </a:lnSpc>
+              <a:spcBef>
+                <a:spcPts val="0"/>
+              </a:spcBef>
+              <a:spcAft>
+                <a:spcPts val="0"/>
+              </a:spcAft>
+              <a:buClrTx/>
+              <a:buSzTx/>
+              <a:buFontTx/>
+              <a:buNone/>
+              <a:tabLst/>
+              <a:defRPr/>
+            </a:pPr>
+            <a:endParaRPr kumimoji="0" lang="en-US" sz="1200" b="0" i="0" u="none" strike="noStrike" kern="1200" cap="none" spc="0" normalizeH="0" baseline="0" noProof="0" dirty="0">
+              <a:ln>
+                <a:noFill/>
+              </a:ln>
+              <a:solidFill>
+                <a:srgbClr val="000000"/>
+              </a:solidFill>
+              <a:effectLst/>
+              <a:uLnTx/>
+              <a:uFillTx/>
+              <a:latin typeface="Arial"/>
+              <a:ea typeface="+mn-ea"/>
+              <a:cs typeface="+mn-cs"/>
+            </a:endParaRPr>
+          </a:p>
+        </p:txBody>
+      </p:sp>
+      <p:sp>
+        <p:nvSpPr>
+          <p:cNvPr id="5" name="Rectangle 4">
+            <a:extLst>
+              <a:ext uri="{FF2B5EF4-FFF2-40B4-BE49-F238E27FC236}">
+                <a16:creationId xmlns:a16="http://schemas.microsoft.com/office/drawing/2014/main" id="{C3109BF2-3967-453B-8EFB-800A51B71AB2}"/>
+              </a:ext>
+            </a:extLst>
+          </p:cNvPr>
+          <p:cNvSpPr/>
+          <p:nvPr/>
+        </p:nvSpPr>
+        <p:spPr>
+          <a:xfrm>
+            <a:off x="7343276" y="2707104"/>
+            <a:ext cx="4126831" cy="3633537"/>
+          </a:xfrm>
+          <a:prstGeom prst="rect">
+            <a:avLst/>
+          </a:prstGeom>
+          <a:noFill/>
+          <a:ln w="12700">
+            <a:solidFill>
+              <a:schemeClr val="bg2"/>
+            </a:solidFill>
+          </a:ln>
+        </p:spPr>
+        <p:style>
+          <a:lnRef idx="2">
+            <a:schemeClr val="accent1">
+              <a:shade val="50000"/>
+            </a:schemeClr>
+          </a:lnRef>
+          <a:fillRef idx="1">
+            <a:schemeClr val="accent1"/>
+          </a:fillRef>
+          <a:effectRef idx="0">
+            <a:schemeClr val="accent1"/>
+          </a:effectRef>
+          <a:fontRef idx="minor">
+            <a:schemeClr val="lt1"/>
+          </a:fontRef>
+        </p:style>
+        <p:txBody>
+          <a:bodyPr rtlCol="0" anchor="ctr"/>
+          <a:lstStyle/>
+          <a:p>
+            <a:pPr marL="0" marR="0" lvl="0" indent="0" algn="l" defTabSz="914400" rtl="0" eaLnBrk="1" fontAlgn="auto" latinLnBrk="0" hangingPunct="1">
+              <a:lnSpc>
+                <a:spcPct val="100000"/>
+              </a:lnSpc>
+              <a:spcBef>
+                <a:spcPts val="0"/>
+              </a:spcBef>
+              <a:spcAft>
+                <a:spcPts val="0"/>
+              </a:spcAft>
+              <a:buClrTx/>
+              <a:buSzTx/>
+              <a:buFontTx/>
+              <a:buNone/>
+              <a:tabLst/>
+              <a:defRPr/>
+            </a:pPr>
+            <a:r>
+              <a:rPr kumimoji="0" lang="en-US" sz="1800" b="0" i="0" u="none" strike="noStrike" kern="1200" cap="none" spc="0" normalizeH="0" baseline="0" noProof="0" dirty="0" err="1">
+                <a:ln>
+                  <a:noFill/>
+                </a:ln>
+                <a:solidFill>
+                  <a:srgbClr val="000000"/>
+                </a:solidFill>
+                <a:effectLst/>
+                <a:uLnTx/>
+                <a:uFillTx/>
+                <a:latin typeface="Arial"/>
+                <a:ea typeface="+mn-ea"/>
+                <a:cs typeface="+mn-cs"/>
+              </a:rPr>
+              <a:t>apiVersion</a:t>
+            </a:r>
+            <a:r>
+              <a:rPr kumimoji="0" lang="en-US" sz="1800" b="0" i="0" u="none" strike="noStrike" kern="1200" cap="none" spc="0" normalizeH="0" baseline="0" noProof="0" dirty="0">
+                <a:ln>
+                  <a:noFill/>
+                </a:ln>
+                <a:solidFill>
+                  <a:srgbClr val="000000"/>
+                </a:solidFill>
+                <a:effectLst/>
+                <a:uLnTx/>
+                <a:uFillTx/>
+                <a:latin typeface="Arial"/>
+                <a:ea typeface="+mn-ea"/>
+                <a:cs typeface="+mn-cs"/>
+              </a:rPr>
+              <a:t>: apps/v1</a:t>
+            </a:r>
+          </a:p>
+          <a:p>
+            <a:pPr marL="0" marR="0" lvl="0" indent="0" algn="l" defTabSz="914400" rtl="0" eaLnBrk="1" fontAlgn="auto" latinLnBrk="0" hangingPunct="1">
+              <a:lnSpc>
+                <a:spcPct val="100000"/>
+              </a:lnSpc>
+              <a:spcBef>
+                <a:spcPts val="0"/>
+              </a:spcBef>
+              <a:spcAft>
+                <a:spcPts val="0"/>
+              </a:spcAft>
+              <a:buClrTx/>
+              <a:buSzTx/>
+              <a:buFontTx/>
+              <a:buNone/>
+              <a:tabLst/>
+              <a:defRPr/>
+            </a:pPr>
+            <a:r>
+              <a:rPr kumimoji="0" lang="en-US" sz="1800" b="0" i="0" u="none" strike="noStrike" kern="1200" cap="none" spc="0" normalizeH="0" baseline="0" noProof="0" dirty="0">
+                <a:ln>
+                  <a:noFill/>
+                </a:ln>
+                <a:solidFill>
+                  <a:srgbClr val="000000"/>
+                </a:solidFill>
+                <a:effectLst/>
+                <a:uLnTx/>
+                <a:uFillTx/>
+                <a:latin typeface="Arial"/>
+                <a:ea typeface="+mn-ea"/>
+                <a:cs typeface="+mn-cs"/>
+              </a:rPr>
+              <a:t>...</a:t>
+            </a:r>
+          </a:p>
+          <a:p>
+            <a:pPr marL="0" marR="0" lvl="0" indent="0" algn="l" defTabSz="914400" rtl="0" eaLnBrk="1" fontAlgn="auto" latinLnBrk="0" hangingPunct="1">
+              <a:lnSpc>
+                <a:spcPct val="100000"/>
+              </a:lnSpc>
+              <a:spcBef>
+                <a:spcPts val="0"/>
+              </a:spcBef>
+              <a:spcAft>
+                <a:spcPts val="0"/>
+              </a:spcAft>
+              <a:buClrTx/>
+              <a:buSzTx/>
+              <a:buFontTx/>
+              <a:buNone/>
+              <a:tabLst/>
+              <a:defRPr/>
+            </a:pPr>
+            <a:r>
+              <a:rPr kumimoji="0" lang="en-US" sz="1800" b="0" i="0" u="none" strike="noStrike" kern="1200" cap="none" spc="0" normalizeH="0" baseline="0" noProof="0" dirty="0">
+                <a:ln>
+                  <a:noFill/>
+                </a:ln>
+                <a:solidFill>
+                  <a:srgbClr val="000000"/>
+                </a:solidFill>
+                <a:effectLst/>
+                <a:uLnTx/>
+                <a:uFillTx/>
+                <a:latin typeface="Arial"/>
+                <a:ea typeface="+mn-ea"/>
+                <a:cs typeface="+mn-cs"/>
+              </a:rPr>
+              <a:t>spec:</a:t>
+            </a:r>
+          </a:p>
+          <a:p>
+            <a:pPr marL="0" marR="0" lvl="0" indent="0" algn="l" defTabSz="914400" rtl="0" eaLnBrk="1" fontAlgn="auto" latinLnBrk="0" hangingPunct="1">
+              <a:lnSpc>
+                <a:spcPct val="100000"/>
+              </a:lnSpc>
+              <a:spcBef>
+                <a:spcPts val="0"/>
+              </a:spcBef>
+              <a:spcAft>
+                <a:spcPts val="0"/>
+              </a:spcAft>
+              <a:buClrTx/>
+              <a:buSzTx/>
+              <a:buFontTx/>
+              <a:buNone/>
+              <a:tabLst/>
+              <a:defRPr/>
+            </a:pPr>
+            <a:r>
+              <a:rPr kumimoji="0" lang="en-US" sz="1800" b="0" i="0" u="none" strike="noStrike" kern="1200" cap="none" spc="0" normalizeH="0" baseline="0" noProof="0" dirty="0">
+                <a:ln>
+                  <a:noFill/>
+                </a:ln>
+                <a:solidFill>
+                  <a:srgbClr val="000000"/>
+                </a:solidFill>
+                <a:effectLst/>
+                <a:uLnTx/>
+                <a:uFillTx/>
+                <a:latin typeface="Arial"/>
+                <a:ea typeface="+mn-ea"/>
+                <a:cs typeface="+mn-cs"/>
+              </a:rPr>
+              <a:t>template:</a:t>
+            </a:r>
+          </a:p>
+          <a:p>
+            <a:pPr marL="0" marR="0" lvl="0" indent="0" algn="l" defTabSz="914400" rtl="0" eaLnBrk="1" fontAlgn="auto" latinLnBrk="0" hangingPunct="1">
+              <a:lnSpc>
+                <a:spcPct val="100000"/>
+              </a:lnSpc>
+              <a:spcBef>
+                <a:spcPts val="0"/>
+              </a:spcBef>
+              <a:spcAft>
+                <a:spcPts val="0"/>
+              </a:spcAft>
+              <a:buClrTx/>
+              <a:buSzTx/>
+              <a:buFontTx/>
+              <a:buNone/>
+              <a:tabLst/>
+              <a:defRPr/>
+            </a:pPr>
+            <a:r>
+              <a:rPr kumimoji="0" lang="en-US" sz="1800" b="0" i="0" u="none" strike="noStrike" kern="1200" cap="none" spc="0" normalizeH="0" baseline="0" noProof="0" dirty="0">
+                <a:ln>
+                  <a:noFill/>
+                </a:ln>
+                <a:solidFill>
+                  <a:srgbClr val="000000"/>
+                </a:solidFill>
+                <a:effectLst/>
+                <a:uLnTx/>
+                <a:uFillTx/>
+                <a:latin typeface="Arial"/>
+                <a:ea typeface="+mn-ea"/>
+                <a:cs typeface="+mn-cs"/>
+              </a:rPr>
+              <a:t>   ...</a:t>
+            </a:r>
+          </a:p>
+          <a:p>
+            <a:pPr marL="0" marR="0" lvl="0" indent="0" algn="l" defTabSz="914400" rtl="0" eaLnBrk="1" fontAlgn="auto" latinLnBrk="0" hangingPunct="1">
+              <a:lnSpc>
+                <a:spcPct val="100000"/>
+              </a:lnSpc>
+              <a:spcBef>
+                <a:spcPts val="0"/>
+              </a:spcBef>
+              <a:spcAft>
+                <a:spcPts val="0"/>
+              </a:spcAft>
+              <a:buClrTx/>
+              <a:buSzTx/>
+              <a:buFontTx/>
+              <a:buNone/>
+              <a:tabLst/>
+              <a:defRPr/>
+            </a:pPr>
+            <a:r>
+              <a:rPr kumimoji="0" lang="en-US" sz="1800" b="0" i="0" u="none" strike="noStrike" kern="1200" cap="none" spc="0" normalizeH="0" baseline="0" noProof="0" dirty="0">
+                <a:ln>
+                  <a:noFill/>
+                </a:ln>
+                <a:solidFill>
+                  <a:srgbClr val="000000"/>
+                </a:solidFill>
+                <a:effectLst/>
+                <a:uLnTx/>
+                <a:uFillTx/>
+                <a:latin typeface="Arial"/>
+                <a:ea typeface="+mn-ea"/>
+                <a:cs typeface="+mn-cs"/>
+              </a:rPr>
+              <a:t>spec:</a:t>
+            </a:r>
+          </a:p>
+          <a:p>
+            <a:pPr marL="0" marR="0" lvl="0" indent="0" algn="l" defTabSz="914400" rtl="0" eaLnBrk="1" fontAlgn="auto" latinLnBrk="0" hangingPunct="1">
+              <a:lnSpc>
+                <a:spcPct val="100000"/>
+              </a:lnSpc>
+              <a:spcBef>
+                <a:spcPts val="0"/>
+              </a:spcBef>
+              <a:spcAft>
+                <a:spcPts val="0"/>
+              </a:spcAft>
+              <a:buClrTx/>
+              <a:buSzTx/>
+              <a:buFontTx/>
+              <a:buNone/>
+              <a:tabLst/>
+              <a:defRPr/>
+            </a:pPr>
+            <a:r>
+              <a:rPr kumimoji="0" lang="en-US" sz="1800" b="0" i="0" u="none" strike="noStrike" kern="1200" cap="none" spc="0" normalizeH="0" baseline="0" noProof="0" dirty="0">
+                <a:ln>
+                  <a:noFill/>
+                </a:ln>
+                <a:solidFill>
+                  <a:srgbClr val="000000"/>
+                </a:solidFill>
+                <a:effectLst/>
+                <a:uLnTx/>
+                <a:uFillTx/>
+                <a:latin typeface="Arial"/>
+                <a:ea typeface="+mn-ea"/>
+                <a:cs typeface="+mn-cs"/>
+              </a:rPr>
+              <a:t>   containers: ...</a:t>
+            </a:r>
+          </a:p>
+          <a:p>
+            <a:pPr marL="0" marR="0" lvl="0" indent="0" algn="l" defTabSz="914400" rtl="0" eaLnBrk="1" fontAlgn="auto" latinLnBrk="0" hangingPunct="1">
+              <a:lnSpc>
+                <a:spcPct val="100000"/>
+              </a:lnSpc>
+              <a:spcBef>
+                <a:spcPts val="0"/>
+              </a:spcBef>
+              <a:spcAft>
+                <a:spcPts val="0"/>
+              </a:spcAft>
+              <a:buClrTx/>
+              <a:buSzTx/>
+              <a:buFontTx/>
+              <a:buNone/>
+              <a:tabLst/>
+              <a:defRPr/>
+            </a:pPr>
+            <a:r>
+              <a:rPr kumimoji="0" lang="en-US" sz="1800" b="1" i="0" u="none" strike="noStrike" kern="1200" cap="none" spc="0" normalizeH="0" baseline="0" noProof="0" dirty="0">
+                <a:ln>
+                  <a:noFill/>
+                </a:ln>
+                <a:solidFill>
+                  <a:srgbClr val="000000"/>
+                </a:solidFill>
+                <a:effectLst/>
+                <a:uLnTx/>
+                <a:uFillTx/>
+                <a:latin typeface="Arial"/>
+                <a:ea typeface="+mn-ea"/>
+                <a:cs typeface="+mn-cs"/>
+              </a:rPr>
+              <a:t>   env:</a:t>
+            </a:r>
+            <a:endParaRPr kumimoji="0" lang="en-US" sz="1800" b="0" i="0" u="none" strike="noStrike" kern="1200" cap="none" spc="0" normalizeH="0" baseline="0" noProof="0" dirty="0">
+              <a:ln>
+                <a:noFill/>
+              </a:ln>
+              <a:solidFill>
+                <a:srgbClr val="000000"/>
+              </a:solidFill>
+              <a:effectLst/>
+              <a:uLnTx/>
+              <a:uFillTx/>
+              <a:latin typeface="Arial"/>
+              <a:ea typeface="+mn-ea"/>
+              <a:cs typeface="+mn-cs"/>
+            </a:endParaRPr>
+          </a:p>
+          <a:p>
+            <a:pPr marL="0" marR="0" lvl="0" indent="0" algn="l" defTabSz="914400" rtl="0" eaLnBrk="1" fontAlgn="auto" latinLnBrk="0" hangingPunct="1">
+              <a:lnSpc>
+                <a:spcPct val="100000"/>
+              </a:lnSpc>
+              <a:spcBef>
+                <a:spcPts val="0"/>
+              </a:spcBef>
+              <a:spcAft>
+                <a:spcPts val="0"/>
+              </a:spcAft>
+              <a:buClrTx/>
+              <a:buSzTx/>
+              <a:buFontTx/>
+              <a:buNone/>
+              <a:tabLst/>
+              <a:defRPr/>
+            </a:pPr>
+            <a:r>
+              <a:rPr kumimoji="0" lang="en-US" sz="1800" b="1" i="0" u="none" strike="noStrike" kern="1200" cap="none" spc="0" normalizeH="0" baseline="0" noProof="0" dirty="0">
+                <a:ln>
+                  <a:noFill/>
+                </a:ln>
+                <a:solidFill>
+                  <a:srgbClr val="000000"/>
+                </a:solidFill>
+                <a:effectLst/>
+                <a:uLnTx/>
+                <a:uFillTx/>
+                <a:latin typeface="Arial"/>
+                <a:ea typeface="+mn-ea"/>
+                <a:cs typeface="+mn-cs"/>
+              </a:rPr>
+              <a:t>   -  name: DATABASE_PASSWORD</a:t>
+            </a:r>
+            <a:endParaRPr kumimoji="0" lang="en-US" sz="1800" b="0" i="0" u="none" strike="noStrike" kern="1200" cap="none" spc="0" normalizeH="0" baseline="0" noProof="0" dirty="0">
+              <a:ln>
+                <a:noFill/>
+              </a:ln>
+              <a:solidFill>
+                <a:srgbClr val="000000"/>
+              </a:solidFill>
+              <a:effectLst/>
+              <a:uLnTx/>
+              <a:uFillTx/>
+              <a:latin typeface="Arial"/>
+              <a:ea typeface="+mn-ea"/>
+              <a:cs typeface="+mn-cs"/>
+            </a:endParaRPr>
+          </a:p>
+          <a:p>
+            <a:pPr marL="0" marR="0" lvl="0" indent="0" algn="l" defTabSz="914400" rtl="0" eaLnBrk="1" fontAlgn="auto" latinLnBrk="0" hangingPunct="1">
+              <a:lnSpc>
+                <a:spcPct val="100000"/>
+              </a:lnSpc>
+              <a:spcBef>
+                <a:spcPts val="0"/>
+              </a:spcBef>
+              <a:spcAft>
+                <a:spcPts val="0"/>
+              </a:spcAft>
+              <a:buClrTx/>
+              <a:buSzTx/>
+              <a:buFontTx/>
+              <a:buNone/>
+              <a:tabLst/>
+              <a:defRPr/>
+            </a:pPr>
+            <a:r>
+              <a:rPr kumimoji="0" lang="en-US" sz="1800" b="1" i="0" u="none" strike="noStrike" kern="1200" cap="none" spc="0" normalizeH="0" baseline="0" noProof="0" dirty="0">
+                <a:ln>
+                  <a:noFill/>
+                </a:ln>
+                <a:solidFill>
+                  <a:srgbClr val="000000"/>
+                </a:solidFill>
+                <a:effectLst/>
+                <a:uLnTx/>
+                <a:uFillTx/>
+                <a:latin typeface="Arial"/>
+                <a:ea typeface="+mn-ea"/>
+                <a:cs typeface="+mn-cs"/>
+              </a:rPr>
+              <a:t>      </a:t>
+            </a:r>
+            <a:r>
+              <a:rPr kumimoji="0" lang="en-US" sz="1800" b="1" i="0" u="none" strike="noStrike" kern="1200" cap="none" spc="0" normalizeH="0" baseline="0" noProof="0" dirty="0" err="1">
+                <a:ln>
+                  <a:noFill/>
+                </a:ln>
+                <a:solidFill>
+                  <a:srgbClr val="000000"/>
+                </a:solidFill>
+                <a:effectLst/>
+                <a:uLnTx/>
+                <a:uFillTx/>
+                <a:latin typeface="Arial"/>
+                <a:ea typeface="+mn-ea"/>
+                <a:cs typeface="+mn-cs"/>
+              </a:rPr>
+              <a:t>valueFrom</a:t>
+            </a:r>
+            <a:r>
+              <a:rPr kumimoji="0" lang="en-US" sz="1800" b="1" i="0" u="none" strike="noStrike" kern="1200" cap="none" spc="0" normalizeH="0" baseline="0" noProof="0" dirty="0">
+                <a:ln>
+                  <a:noFill/>
+                </a:ln>
+                <a:solidFill>
+                  <a:srgbClr val="000000"/>
+                </a:solidFill>
+                <a:effectLst/>
+                <a:uLnTx/>
+                <a:uFillTx/>
+                <a:latin typeface="Arial"/>
+                <a:ea typeface="+mn-ea"/>
+                <a:cs typeface="+mn-cs"/>
+              </a:rPr>
+              <a:t>:</a:t>
+            </a:r>
+            <a:endParaRPr kumimoji="0" lang="en-US" sz="1800" b="0" i="0" u="none" strike="noStrike" kern="1200" cap="none" spc="0" normalizeH="0" baseline="0" noProof="0" dirty="0">
+              <a:ln>
+                <a:noFill/>
+              </a:ln>
+              <a:solidFill>
+                <a:srgbClr val="000000"/>
+              </a:solidFill>
+              <a:effectLst/>
+              <a:uLnTx/>
+              <a:uFillTx/>
+              <a:latin typeface="Arial"/>
+              <a:ea typeface="+mn-ea"/>
+              <a:cs typeface="+mn-cs"/>
+            </a:endParaRPr>
+          </a:p>
+          <a:p>
+            <a:pPr marL="0" marR="0" lvl="0" indent="0" algn="l" defTabSz="914400" rtl="0" eaLnBrk="1" fontAlgn="auto" latinLnBrk="0" hangingPunct="1">
+              <a:lnSpc>
+                <a:spcPct val="100000"/>
+              </a:lnSpc>
+              <a:spcBef>
+                <a:spcPts val="0"/>
+              </a:spcBef>
+              <a:spcAft>
+                <a:spcPts val="0"/>
+              </a:spcAft>
+              <a:buClrTx/>
+              <a:buSzTx/>
+              <a:buFontTx/>
+              <a:buNone/>
+              <a:tabLst/>
+              <a:defRPr/>
+            </a:pPr>
+            <a:r>
+              <a:rPr kumimoji="0" lang="en-US" sz="1800" b="1" i="0" u="none" strike="noStrike" kern="1200" cap="none" spc="0" normalizeH="0" baseline="0" noProof="0" dirty="0">
+                <a:ln>
+                  <a:noFill/>
+                </a:ln>
+                <a:solidFill>
+                  <a:srgbClr val="000000"/>
+                </a:solidFill>
+                <a:effectLst/>
+                <a:uLnTx/>
+                <a:uFillTx/>
+                <a:latin typeface="Arial"/>
+                <a:ea typeface="+mn-ea"/>
+                <a:cs typeface="+mn-cs"/>
+              </a:rPr>
+              <a:t>           </a:t>
+            </a:r>
+            <a:r>
+              <a:rPr kumimoji="0" lang="en-US" sz="1800" b="1" i="0" u="none" strike="noStrike" kern="1200" cap="none" spc="0" normalizeH="0" baseline="0" noProof="0" dirty="0" err="1">
+                <a:ln>
+                  <a:noFill/>
+                </a:ln>
+                <a:solidFill>
+                  <a:srgbClr val="000000"/>
+                </a:solidFill>
+                <a:effectLst/>
+                <a:uLnTx/>
+                <a:uFillTx/>
+                <a:latin typeface="Arial"/>
+                <a:ea typeface="+mn-ea"/>
+                <a:cs typeface="+mn-cs"/>
+              </a:rPr>
+              <a:t>secretKeyRef</a:t>
+            </a:r>
+            <a:r>
+              <a:rPr kumimoji="0" lang="en-US" sz="1800" b="1" i="0" u="none" strike="noStrike" kern="1200" cap="none" spc="0" normalizeH="0" baseline="0" noProof="0" dirty="0">
+                <a:ln>
+                  <a:noFill/>
+                </a:ln>
+                <a:solidFill>
+                  <a:srgbClr val="000000"/>
+                </a:solidFill>
+                <a:effectLst/>
+                <a:uLnTx/>
+                <a:uFillTx/>
+                <a:latin typeface="Arial"/>
+                <a:ea typeface="+mn-ea"/>
+                <a:cs typeface="+mn-cs"/>
+              </a:rPr>
+              <a:t>:</a:t>
+            </a:r>
+            <a:endParaRPr kumimoji="0" lang="en-US" sz="1800" b="0" i="0" u="none" strike="noStrike" kern="1200" cap="none" spc="0" normalizeH="0" baseline="0" noProof="0" dirty="0">
+              <a:ln>
+                <a:noFill/>
+              </a:ln>
+              <a:solidFill>
+                <a:srgbClr val="000000"/>
+              </a:solidFill>
+              <a:effectLst/>
+              <a:uLnTx/>
+              <a:uFillTx/>
+              <a:latin typeface="Arial"/>
+              <a:ea typeface="+mn-ea"/>
+              <a:cs typeface="+mn-cs"/>
+            </a:endParaRPr>
+          </a:p>
+          <a:p>
+            <a:pPr marL="0" marR="0" lvl="0" indent="0" algn="l" defTabSz="914400" rtl="0" eaLnBrk="1" fontAlgn="auto" latinLnBrk="0" hangingPunct="1">
+              <a:lnSpc>
+                <a:spcPct val="100000"/>
+              </a:lnSpc>
+              <a:spcBef>
+                <a:spcPts val="0"/>
+              </a:spcBef>
+              <a:spcAft>
+                <a:spcPts val="0"/>
+              </a:spcAft>
+              <a:buClrTx/>
+              <a:buSzTx/>
+              <a:buFontTx/>
+              <a:buNone/>
+              <a:tabLst/>
+              <a:defRPr/>
+            </a:pPr>
+            <a:r>
+              <a:rPr kumimoji="0" lang="en-US" sz="1800" b="1" i="0" u="none" strike="noStrike" kern="1200" cap="none" spc="0" normalizeH="0" baseline="0" noProof="0" dirty="0">
+                <a:ln>
+                  <a:noFill/>
+                </a:ln>
+                <a:solidFill>
+                  <a:srgbClr val="000000"/>
+                </a:solidFill>
+                <a:effectLst/>
+                <a:uLnTx/>
+                <a:uFillTx/>
+                <a:latin typeface="Arial"/>
+                <a:ea typeface="+mn-ea"/>
+                <a:cs typeface="+mn-cs"/>
+              </a:rPr>
+              <a:t>           name: </a:t>
+            </a:r>
+            <a:r>
+              <a:rPr kumimoji="0" lang="en-US" sz="1800" b="1" i="0" u="none" strike="noStrike" kern="1200" cap="none" spc="0" normalizeH="0" baseline="0" noProof="0" dirty="0" err="1">
+                <a:ln>
+                  <a:noFill/>
+                </a:ln>
+                <a:solidFill>
+                  <a:srgbClr val="000000"/>
+                </a:solidFill>
+                <a:effectLst/>
+                <a:uLnTx/>
+                <a:uFillTx/>
+                <a:latin typeface="Arial"/>
+                <a:ea typeface="+mn-ea"/>
+                <a:cs typeface="+mn-cs"/>
+              </a:rPr>
+              <a:t>db</a:t>
+            </a:r>
+            <a:r>
+              <a:rPr kumimoji="0" lang="en-US" sz="1800" b="1" i="0" u="none" strike="noStrike" kern="1200" cap="none" spc="0" normalizeH="0" baseline="0" noProof="0" dirty="0">
+                <a:ln>
+                  <a:noFill/>
+                </a:ln>
+                <a:solidFill>
+                  <a:srgbClr val="000000"/>
+                </a:solidFill>
+                <a:effectLst/>
+                <a:uLnTx/>
+                <a:uFillTx/>
+                <a:latin typeface="Arial"/>
+                <a:ea typeface="+mn-ea"/>
+                <a:cs typeface="+mn-cs"/>
+              </a:rPr>
+              <a:t>-passwords</a:t>
+            </a:r>
+            <a:endParaRPr kumimoji="0" lang="en-US" sz="1800" b="0" i="0" u="none" strike="noStrike" kern="1200" cap="none" spc="0" normalizeH="0" baseline="0" noProof="0" dirty="0">
+              <a:ln>
+                <a:noFill/>
+              </a:ln>
+              <a:solidFill>
+                <a:srgbClr val="000000"/>
+              </a:solidFill>
+              <a:effectLst/>
+              <a:uLnTx/>
+              <a:uFillTx/>
+              <a:latin typeface="Arial"/>
+              <a:ea typeface="+mn-ea"/>
+              <a:cs typeface="+mn-cs"/>
+            </a:endParaRPr>
+          </a:p>
+          <a:p>
+            <a:pPr marL="0" marR="0" lvl="0" indent="0" algn="l" defTabSz="914400" rtl="0" eaLnBrk="1" fontAlgn="auto" latinLnBrk="0" hangingPunct="1">
+              <a:lnSpc>
+                <a:spcPct val="100000"/>
+              </a:lnSpc>
+              <a:spcBef>
+                <a:spcPts val="0"/>
+              </a:spcBef>
+              <a:spcAft>
+                <a:spcPts val="0"/>
+              </a:spcAft>
+              <a:buClrTx/>
+              <a:buSzTx/>
+              <a:buFontTx/>
+              <a:buNone/>
+              <a:tabLst/>
+              <a:defRPr/>
+            </a:pPr>
+            <a:r>
+              <a:rPr kumimoji="0" lang="en-US" sz="1800" b="1" i="0" u="none" strike="noStrike" kern="1200" cap="none" spc="0" normalizeH="0" baseline="0" noProof="0" dirty="0">
+                <a:ln>
+                  <a:noFill/>
+                </a:ln>
+                <a:solidFill>
+                  <a:srgbClr val="000000"/>
+                </a:solidFill>
+                <a:effectLst/>
+                <a:uLnTx/>
+                <a:uFillTx/>
+                <a:latin typeface="Arial"/>
+                <a:ea typeface="+mn-ea"/>
+                <a:cs typeface="+mn-cs"/>
+              </a:rPr>
+              <a:t>           key: </a:t>
+            </a:r>
+            <a:r>
+              <a:rPr kumimoji="0" lang="en-US" sz="1800" b="1" i="0" u="none" strike="noStrike" kern="1200" cap="none" spc="0" normalizeH="0" baseline="0" noProof="0" dirty="0" err="1">
+                <a:ln>
+                  <a:noFill/>
+                </a:ln>
+                <a:solidFill>
+                  <a:srgbClr val="000000"/>
+                </a:solidFill>
+                <a:effectLst/>
+                <a:uLnTx/>
+                <a:uFillTx/>
+                <a:latin typeface="Arial"/>
+                <a:ea typeface="+mn-ea"/>
+                <a:cs typeface="+mn-cs"/>
+              </a:rPr>
+              <a:t>db</a:t>
+            </a:r>
+            <a:r>
+              <a:rPr kumimoji="0" lang="en-US" sz="1800" b="1" i="0" u="none" strike="noStrike" kern="1200" cap="none" spc="0" normalizeH="0" baseline="0" noProof="0" dirty="0">
+                <a:ln>
+                  <a:noFill/>
+                </a:ln>
+                <a:solidFill>
+                  <a:srgbClr val="000000"/>
+                </a:solidFill>
+                <a:effectLst/>
+                <a:uLnTx/>
+                <a:uFillTx/>
+                <a:latin typeface="Arial"/>
+                <a:ea typeface="+mn-ea"/>
+                <a:cs typeface="+mn-cs"/>
+              </a:rPr>
+              <a:t>-password</a:t>
+            </a:r>
+            <a:endParaRPr kumimoji="0" lang="en-US" sz="1200" b="0" i="0" u="none" strike="noStrike" kern="1200" cap="none" spc="0" normalizeH="0" baseline="0" noProof="0" dirty="0">
+              <a:ln>
+                <a:noFill/>
+              </a:ln>
+              <a:solidFill>
+                <a:srgbClr val="000000"/>
+              </a:solidFill>
+              <a:effectLst/>
+              <a:uLnTx/>
+              <a:uFillTx/>
+              <a:latin typeface="Arial"/>
+              <a:ea typeface="+mn-ea"/>
+              <a:cs typeface="+mn-cs"/>
+            </a:endParaRPr>
+          </a:p>
+        </p:txBody>
+      </p:sp>
+      <p:cxnSp>
+        <p:nvCxnSpPr>
+          <p:cNvPr id="8" name="Straight Arrow Connector 7">
+            <a:extLst>
+              <a:ext uri="{FF2B5EF4-FFF2-40B4-BE49-F238E27FC236}">
+                <a16:creationId xmlns:a16="http://schemas.microsoft.com/office/drawing/2014/main" id="{0F23FAB3-144F-4A41-B01F-0E6068401CED}"/>
+              </a:ext>
+            </a:extLst>
+          </p:cNvPr>
+          <p:cNvCxnSpPr/>
+          <p:nvPr/>
+        </p:nvCxnSpPr>
+        <p:spPr>
+          <a:xfrm flipH="1" flipV="1">
+            <a:off x="3200400" y="4162926"/>
+            <a:ext cx="4872789" cy="1744579"/>
+          </a:xfrm>
+          <a:prstGeom prst="straightConnector1">
+            <a:avLst/>
+          </a:prstGeom>
+          <a:ln w="12700">
+            <a:solidFill>
+              <a:schemeClr val="tx1"/>
+            </a:solidFill>
+            <a:tailEnd type="triangle"/>
+          </a:ln>
+        </p:spPr>
+        <p:style>
+          <a:lnRef idx="1">
+            <a:schemeClr val="accent1"/>
+          </a:lnRef>
+          <a:fillRef idx="0">
+            <a:schemeClr val="accent1"/>
+          </a:fillRef>
+          <a:effectRef idx="0">
+            <a:schemeClr val="accent1"/>
+          </a:effectRef>
+          <a:fontRef idx="minor">
+            <a:schemeClr val="tx1"/>
+          </a:fontRef>
+        </p:style>
+      </p:cxnSp>
+      <p:cxnSp>
+        <p:nvCxnSpPr>
+          <p:cNvPr id="9" name="Straight Arrow Connector 8">
+            <a:extLst>
+              <a:ext uri="{FF2B5EF4-FFF2-40B4-BE49-F238E27FC236}">
+                <a16:creationId xmlns:a16="http://schemas.microsoft.com/office/drawing/2014/main" id="{0C0178C9-438F-475F-9246-DA1FBE49EA6A}"/>
+              </a:ext>
+            </a:extLst>
+          </p:cNvPr>
+          <p:cNvCxnSpPr>
+            <a:cxnSpLocks/>
+          </p:cNvCxnSpPr>
+          <p:nvPr/>
+        </p:nvCxnSpPr>
+        <p:spPr>
+          <a:xfrm flipH="1" flipV="1">
+            <a:off x="4090737" y="4920916"/>
+            <a:ext cx="3982453" cy="1263317"/>
+          </a:xfrm>
+          <a:prstGeom prst="straightConnector1">
+            <a:avLst/>
+          </a:prstGeom>
+          <a:ln w="12700">
+            <a:solidFill>
+              <a:schemeClr val="tx1"/>
+            </a:solidFill>
+            <a:tailEnd type="triangle"/>
+          </a:ln>
+        </p:spPr>
+        <p:style>
+          <a:lnRef idx="1">
+            <a:schemeClr val="accent1"/>
+          </a:lnRef>
+          <a:fillRef idx="0">
+            <a:schemeClr val="accent1"/>
+          </a:fillRef>
+          <a:effectRef idx="0">
+            <a:schemeClr val="accent1"/>
+          </a:effectRef>
+          <a:fontRef idx="minor">
+            <a:schemeClr val="tx1"/>
+          </a:fontRef>
+        </p:style>
+      </p:cxnSp>
+      <p:sp>
+        <p:nvSpPr>
+          <p:cNvPr id="12" name="Title 1">
+            <a:extLst>
+              <a:ext uri="{FF2B5EF4-FFF2-40B4-BE49-F238E27FC236}">
+                <a16:creationId xmlns:a16="http://schemas.microsoft.com/office/drawing/2014/main" id="{6A4EEA3F-4E64-46C9-8D54-2202AEEAD39E}"/>
+              </a:ext>
+            </a:extLst>
+          </p:cNvPr>
+          <p:cNvSpPr txBox="1">
+            <a:spLocks/>
+          </p:cNvSpPr>
+          <p:nvPr/>
+        </p:nvSpPr>
+        <p:spPr>
+          <a:xfrm>
+            <a:off x="295396" y="1015028"/>
+            <a:ext cx="11430000" cy="387798"/>
+          </a:xfrm>
+          <a:prstGeom prst="rect">
+            <a:avLst/>
+          </a:prstGeom>
+        </p:spPr>
+        <p:txBody>
+          <a:bodyPr wrap="square" lIns="0" tIns="0" rIns="0" bIns="0">
+            <a:spAutoFit/>
+          </a:bodyPr>
+          <a:lstStyle>
+            <a:lvl1pPr algn="l" defTabSz="914377" rtl="0" eaLnBrk="1" latinLnBrk="0" hangingPunct="1">
+              <a:lnSpc>
+                <a:spcPct val="90000"/>
+              </a:lnSpc>
+              <a:spcBef>
+                <a:spcPct val="0"/>
+              </a:spcBef>
+              <a:buNone/>
+              <a:defRPr sz="3733" kern="1200">
+                <a:solidFill>
+                  <a:schemeClr val="bg1"/>
+                </a:solidFill>
+                <a:latin typeface="Arial" panose="020B0604020202020204" pitchFamily="34" charset="0"/>
+                <a:ea typeface="+mj-ea"/>
+                <a:cs typeface="+mj-cs"/>
+              </a:defRPr>
+            </a:lvl1pPr>
+          </a:lstStyle>
+          <a:p>
+            <a:pPr marL="0" marR="0" lvl="0" indent="0" algn="l" defTabSz="914377" rtl="0" eaLnBrk="1" fontAlgn="auto" latinLnBrk="0" hangingPunct="1">
+              <a:lnSpc>
+                <a:spcPct val="90000"/>
+              </a:lnSpc>
+              <a:spcBef>
+                <a:spcPct val="0"/>
+              </a:spcBef>
+              <a:spcAft>
+                <a:spcPts val="0"/>
+              </a:spcAft>
+              <a:buClrTx/>
+              <a:buSzTx/>
+              <a:buFontTx/>
+              <a:buNone/>
+              <a:tabLst/>
+              <a:defRPr/>
+            </a:pPr>
+            <a:r>
+              <a:rPr kumimoji="0" lang="en-IN" sz="2800" b="0" i="0" u="none" strike="noStrike" kern="1200" cap="none" spc="0" normalizeH="0" baseline="0" noProof="0" dirty="0">
+                <a:ln>
+                  <a:noFill/>
+                </a:ln>
+                <a:solidFill>
+                  <a:srgbClr val="0076CE"/>
+                </a:solidFill>
+                <a:effectLst/>
+                <a:uLnTx/>
+                <a:uFillTx/>
+                <a:latin typeface="Arial" panose="020B0604020202020204" pitchFamily="34" charset="0"/>
+                <a:ea typeface="+mj-ea"/>
+                <a:cs typeface="+mj-cs"/>
+              </a:rPr>
+              <a:t>Pods can access Secret values  through environment variables</a:t>
+            </a:r>
+          </a:p>
+        </p:txBody>
+      </p:sp>
+    </p:spTree>
+    <p:extLst>
+      <p:ext uri="{BB962C8B-B14F-4D97-AF65-F5344CB8AC3E}">
+        <p14:creationId xmlns:p14="http://schemas.microsoft.com/office/powerpoint/2010/main" val="1418509788"/>
+      </p:ext>
+    </p:extLst>
+  </p:cSld>
+  <p:clrMapOvr>
+    <a:masterClrMapping/>
+  </p:clrMapOvr>
+</p:sld>
+</file>
+
+<file path=ppt/slides/slide35.xml><?xml version="1.0" encoding="utf-8"?>
 <p:sld xmlns:a="http://schemas.openxmlformats.org/drawingml/2006/main" xmlns:r="http://schemas.openxmlformats.org/officeDocument/2006/relationships" xmlns:p="http://schemas.openxmlformats.org/presentationml/2006/main">
   <p:cSld>
     <p:spTree>
